--- a/PairProgrammingTemplate 2022.pptx
+++ b/PairProgrammingTemplate 2022.pptx
@@ -267,6 +267,1628 @@
 </file>
 
 <file path=ppt/diagrams/colors1.xml><?xml version="1.0" encoding="utf-8"?>
+<dgm:colorsDef xmlns:dgm="http://schemas.openxmlformats.org/drawingml/2006/diagram" xmlns:a="http://schemas.openxmlformats.org/drawingml/2006/main" uniqueId="urn:microsoft.com/office/officeart/2005/8/colors/accent5_2">
+  <dgm:title val=""/>
+  <dgm:desc val=""/>
+  <dgm:catLst>
+    <dgm:cat type="accent5" pri="11200"/>
+  </dgm:catLst>
+  <dgm:styleLbl name="node0">
+    <dgm:fillClrLst meth="repeat">
+      <a:schemeClr val="accent5"/>
+    </dgm:fillClrLst>
+    <dgm:linClrLst meth="repeat">
+      <a:schemeClr val="lt1"/>
+    </dgm:linClrLst>
+    <dgm:effectClrLst/>
+    <dgm:txLinClrLst/>
+    <dgm:txFillClrLst/>
+    <dgm:txEffectClrLst/>
+  </dgm:styleLbl>
+  <dgm:styleLbl name="node1">
+    <dgm:fillClrLst meth="repeat">
+      <a:schemeClr val="accent5"/>
+    </dgm:fillClrLst>
+    <dgm:linClrLst meth="repeat">
+      <a:schemeClr val="lt1"/>
+    </dgm:linClrLst>
+    <dgm:effectClrLst/>
+    <dgm:txLinClrLst/>
+    <dgm:txFillClrLst/>
+    <dgm:txEffectClrLst/>
+  </dgm:styleLbl>
+  <dgm:styleLbl name="alignNode1">
+    <dgm:fillClrLst meth="repeat">
+      <a:schemeClr val="accent5"/>
+    </dgm:fillClrLst>
+    <dgm:linClrLst meth="repeat">
+      <a:schemeClr val="accent5"/>
+    </dgm:linClrLst>
+    <dgm:effectClrLst/>
+    <dgm:txLinClrLst/>
+    <dgm:txFillClrLst/>
+    <dgm:txEffectClrLst/>
+  </dgm:styleLbl>
+  <dgm:styleLbl name="lnNode1">
+    <dgm:fillClrLst meth="repeat">
+      <a:schemeClr val="accent5"/>
+    </dgm:fillClrLst>
+    <dgm:linClrLst meth="repeat">
+      <a:schemeClr val="lt1"/>
+    </dgm:linClrLst>
+    <dgm:effectClrLst/>
+    <dgm:txLinClrLst/>
+    <dgm:txFillClrLst/>
+    <dgm:txEffectClrLst/>
+  </dgm:styleLbl>
+  <dgm:styleLbl name="vennNode1">
+    <dgm:fillClrLst meth="repeat">
+      <a:schemeClr val="accent5">
+        <a:alpha val="50000"/>
+      </a:schemeClr>
+    </dgm:fillClrLst>
+    <dgm:linClrLst meth="repeat">
+      <a:schemeClr val="lt1"/>
+    </dgm:linClrLst>
+    <dgm:effectClrLst/>
+    <dgm:txLinClrLst/>
+    <dgm:txFillClrLst/>
+    <dgm:txEffectClrLst/>
+  </dgm:styleLbl>
+  <dgm:styleLbl name="node2">
+    <dgm:fillClrLst meth="repeat">
+      <a:schemeClr val="accent5"/>
+    </dgm:fillClrLst>
+    <dgm:linClrLst meth="repeat">
+      <a:schemeClr val="lt1"/>
+    </dgm:linClrLst>
+    <dgm:effectClrLst/>
+    <dgm:txLinClrLst/>
+    <dgm:txFillClrLst/>
+    <dgm:txEffectClrLst/>
+  </dgm:styleLbl>
+  <dgm:styleLbl name="node3">
+    <dgm:fillClrLst meth="repeat">
+      <a:schemeClr val="accent5"/>
+    </dgm:fillClrLst>
+    <dgm:linClrLst meth="repeat">
+      <a:schemeClr val="lt1"/>
+    </dgm:linClrLst>
+    <dgm:effectClrLst/>
+    <dgm:txLinClrLst/>
+    <dgm:txFillClrLst/>
+    <dgm:txEffectClrLst/>
+  </dgm:styleLbl>
+  <dgm:styleLbl name="node4">
+    <dgm:fillClrLst meth="repeat">
+      <a:schemeClr val="accent5"/>
+    </dgm:fillClrLst>
+    <dgm:linClrLst meth="repeat">
+      <a:schemeClr val="lt1"/>
+    </dgm:linClrLst>
+    <dgm:effectClrLst/>
+    <dgm:txLinClrLst/>
+    <dgm:txFillClrLst/>
+    <dgm:txEffectClrLst/>
+  </dgm:styleLbl>
+  <dgm:styleLbl name="fgImgPlace1">
+    <dgm:fillClrLst meth="repeat">
+      <a:schemeClr val="accent5">
+        <a:tint val="50000"/>
+      </a:schemeClr>
+    </dgm:fillClrLst>
+    <dgm:linClrLst meth="repeat">
+      <a:schemeClr val="lt1"/>
+    </dgm:linClrLst>
+    <dgm:effectClrLst/>
+    <dgm:txLinClrLst/>
+    <dgm:txFillClrLst meth="repeat">
+      <a:schemeClr val="lt1"/>
+    </dgm:txFillClrLst>
+    <dgm:txEffectClrLst/>
+  </dgm:styleLbl>
+  <dgm:styleLbl name="alignImgPlace1">
+    <dgm:fillClrLst meth="repeat">
+      <a:schemeClr val="accent5">
+        <a:tint val="50000"/>
+      </a:schemeClr>
+    </dgm:fillClrLst>
+    <dgm:linClrLst meth="repeat">
+      <a:schemeClr val="lt1"/>
+    </dgm:linClrLst>
+    <dgm:effectClrLst/>
+    <dgm:txLinClrLst/>
+    <dgm:txFillClrLst meth="repeat">
+      <a:schemeClr val="lt1"/>
+    </dgm:txFillClrLst>
+    <dgm:txEffectClrLst/>
+  </dgm:styleLbl>
+  <dgm:styleLbl name="bgImgPlace1">
+    <dgm:fillClrLst meth="repeat">
+      <a:schemeClr val="accent5">
+        <a:tint val="50000"/>
+      </a:schemeClr>
+    </dgm:fillClrLst>
+    <dgm:linClrLst meth="repeat">
+      <a:schemeClr val="lt1"/>
+    </dgm:linClrLst>
+    <dgm:effectClrLst/>
+    <dgm:txLinClrLst/>
+    <dgm:txFillClrLst meth="repeat">
+      <a:schemeClr val="lt1"/>
+    </dgm:txFillClrLst>
+    <dgm:txEffectClrLst/>
+  </dgm:styleLbl>
+  <dgm:styleLbl name="sibTrans2D1">
+    <dgm:fillClrLst meth="repeat">
+      <a:schemeClr val="accent5">
+        <a:tint val="60000"/>
+      </a:schemeClr>
+    </dgm:fillClrLst>
+    <dgm:linClrLst meth="repeat">
+      <a:schemeClr val="accent5">
+        <a:tint val="60000"/>
+      </a:schemeClr>
+    </dgm:linClrLst>
+    <dgm:effectClrLst/>
+    <dgm:txLinClrLst/>
+    <dgm:txFillClrLst/>
+    <dgm:txEffectClrLst/>
+  </dgm:styleLbl>
+  <dgm:styleLbl name="fgSibTrans2D1">
+    <dgm:fillClrLst meth="repeat">
+      <a:schemeClr val="accent5">
+        <a:tint val="60000"/>
+      </a:schemeClr>
+    </dgm:fillClrLst>
+    <dgm:linClrLst meth="repeat">
+      <a:schemeClr val="accent5">
+        <a:tint val="60000"/>
+      </a:schemeClr>
+    </dgm:linClrLst>
+    <dgm:effectClrLst/>
+    <dgm:txLinClrLst/>
+    <dgm:txFillClrLst/>
+    <dgm:txEffectClrLst/>
+  </dgm:styleLbl>
+  <dgm:styleLbl name="bgSibTrans2D1">
+    <dgm:fillClrLst meth="repeat">
+      <a:schemeClr val="accent5">
+        <a:tint val="60000"/>
+      </a:schemeClr>
+    </dgm:fillClrLst>
+    <dgm:linClrLst meth="repeat">
+      <a:schemeClr val="accent5">
+        <a:tint val="60000"/>
+      </a:schemeClr>
+    </dgm:linClrLst>
+    <dgm:effectClrLst/>
+    <dgm:txLinClrLst/>
+    <dgm:txFillClrLst/>
+    <dgm:txEffectClrLst/>
+  </dgm:styleLbl>
+  <dgm:styleLbl name="sibTrans1D1">
+    <dgm:fillClrLst meth="repeat">
+      <a:schemeClr val="accent5"/>
+    </dgm:fillClrLst>
+    <dgm:linClrLst meth="repeat">
+      <a:schemeClr val="accent5"/>
+    </dgm:linClrLst>
+    <dgm:effectClrLst/>
+    <dgm:txLinClrLst/>
+    <dgm:txFillClrLst meth="repeat">
+      <a:schemeClr val="tx1"/>
+    </dgm:txFillClrLst>
+    <dgm:txEffectClrLst/>
+  </dgm:styleLbl>
+  <dgm:styleLbl name="callout">
+    <dgm:fillClrLst meth="repeat">
+      <a:schemeClr val="accent5"/>
+    </dgm:fillClrLst>
+    <dgm:linClrLst meth="repeat">
+      <a:schemeClr val="accent5">
+        <a:tint val="50000"/>
+      </a:schemeClr>
+    </dgm:linClrLst>
+    <dgm:effectClrLst/>
+    <dgm:txLinClrLst/>
+    <dgm:txFillClrLst meth="repeat">
+      <a:schemeClr val="tx1"/>
+    </dgm:txFillClrLst>
+    <dgm:txEffectClrLst/>
+  </dgm:styleLbl>
+  <dgm:styleLbl name="asst0">
+    <dgm:fillClrLst meth="repeat">
+      <a:schemeClr val="accent5"/>
+    </dgm:fillClrLst>
+    <dgm:linClrLst meth="repeat">
+      <a:schemeClr val="lt1"/>
+    </dgm:linClrLst>
+    <dgm:effectClrLst/>
+    <dgm:txLinClrLst/>
+    <dgm:txFillClrLst/>
+    <dgm:txEffectClrLst/>
+  </dgm:styleLbl>
+  <dgm:styleLbl name="asst1">
+    <dgm:fillClrLst meth="repeat">
+      <a:schemeClr val="accent5"/>
+    </dgm:fillClrLst>
+    <dgm:linClrLst meth="repeat">
+      <a:schemeClr val="lt1"/>
+    </dgm:linClrLst>
+    <dgm:effectClrLst/>
+    <dgm:txLinClrLst/>
+    <dgm:txFillClrLst/>
+    <dgm:txEffectClrLst/>
+  </dgm:styleLbl>
+  <dgm:styleLbl name="asst2">
+    <dgm:fillClrLst meth="repeat">
+      <a:schemeClr val="accent5"/>
+    </dgm:fillClrLst>
+    <dgm:linClrLst meth="repeat">
+      <a:schemeClr val="lt1"/>
+    </dgm:linClrLst>
+    <dgm:effectClrLst/>
+    <dgm:txLinClrLst/>
+    <dgm:txFillClrLst/>
+    <dgm:txEffectClrLst/>
+  </dgm:styleLbl>
+  <dgm:styleLbl name="asst3">
+    <dgm:fillClrLst meth="repeat">
+      <a:schemeClr val="accent5"/>
+    </dgm:fillClrLst>
+    <dgm:linClrLst meth="repeat">
+      <a:schemeClr val="lt1"/>
+    </dgm:linClrLst>
+    <dgm:effectClrLst/>
+    <dgm:txLinClrLst/>
+    <dgm:txFillClrLst/>
+    <dgm:txEffectClrLst/>
+  </dgm:styleLbl>
+  <dgm:styleLbl name="asst4">
+    <dgm:fillClrLst meth="repeat">
+      <a:schemeClr val="accent5"/>
+    </dgm:fillClrLst>
+    <dgm:linClrLst meth="repeat">
+      <a:schemeClr val="lt1"/>
+    </dgm:linClrLst>
+    <dgm:effectClrLst/>
+    <dgm:txLinClrLst/>
+    <dgm:txFillClrLst/>
+    <dgm:txEffectClrLst/>
+  </dgm:styleLbl>
+  <dgm:styleLbl name="parChTrans2D1">
+    <dgm:fillClrLst meth="repeat">
+      <a:schemeClr val="accent5">
+        <a:tint val="60000"/>
+      </a:schemeClr>
+    </dgm:fillClrLst>
+    <dgm:linClrLst meth="repeat">
+      <a:schemeClr val="accent5">
+        <a:tint val="60000"/>
+      </a:schemeClr>
+    </dgm:linClrLst>
+    <dgm:effectClrLst/>
+    <dgm:txLinClrLst/>
+    <dgm:txFillClrLst meth="repeat">
+      <a:schemeClr val="lt1"/>
+    </dgm:txFillClrLst>
+    <dgm:txEffectClrLst/>
+  </dgm:styleLbl>
+  <dgm:styleLbl name="parChTrans2D2">
+    <dgm:fillClrLst meth="repeat">
+      <a:schemeClr val="accent5"/>
+    </dgm:fillClrLst>
+    <dgm:linClrLst meth="repeat">
+      <a:schemeClr val="accent5"/>
+    </dgm:linClrLst>
+    <dgm:effectClrLst/>
+    <dgm:txLinClrLst/>
+    <dgm:txFillClrLst meth="repeat">
+      <a:schemeClr val="lt1"/>
+    </dgm:txFillClrLst>
+    <dgm:txEffectClrLst/>
+  </dgm:styleLbl>
+  <dgm:styleLbl name="parChTrans2D3">
+    <dgm:fillClrLst meth="repeat">
+      <a:schemeClr val="accent5"/>
+    </dgm:fillClrLst>
+    <dgm:linClrLst meth="repeat">
+      <a:schemeClr val="accent5"/>
+    </dgm:linClrLst>
+    <dgm:effectClrLst/>
+    <dgm:txLinClrLst/>
+    <dgm:txFillClrLst meth="repeat">
+      <a:schemeClr val="lt1"/>
+    </dgm:txFillClrLst>
+    <dgm:txEffectClrLst/>
+  </dgm:styleLbl>
+  <dgm:styleLbl name="parChTrans2D4">
+    <dgm:fillClrLst meth="repeat">
+      <a:schemeClr val="accent5"/>
+    </dgm:fillClrLst>
+    <dgm:linClrLst meth="repeat">
+      <a:schemeClr val="accent5"/>
+    </dgm:linClrLst>
+    <dgm:effectClrLst/>
+    <dgm:txLinClrLst/>
+    <dgm:txFillClrLst meth="repeat">
+      <a:schemeClr val="lt1"/>
+    </dgm:txFillClrLst>
+    <dgm:txEffectClrLst/>
+  </dgm:styleLbl>
+  <dgm:styleLbl name="parChTrans1D1">
+    <dgm:fillClrLst meth="repeat">
+      <a:schemeClr val="accent5"/>
+    </dgm:fillClrLst>
+    <dgm:linClrLst meth="repeat">
+      <a:schemeClr val="accent5">
+        <a:shade val="60000"/>
+      </a:schemeClr>
+    </dgm:linClrLst>
+    <dgm:effectClrLst/>
+    <dgm:txLinClrLst/>
+    <dgm:txFillClrLst meth="repeat">
+      <a:schemeClr val="tx1"/>
+    </dgm:txFillClrLst>
+    <dgm:txEffectClrLst/>
+  </dgm:styleLbl>
+  <dgm:styleLbl name="parChTrans1D2">
+    <dgm:fillClrLst meth="repeat">
+      <a:schemeClr val="accent5"/>
+    </dgm:fillClrLst>
+    <dgm:linClrLst meth="repeat">
+      <a:schemeClr val="accent5">
+        <a:shade val="60000"/>
+      </a:schemeClr>
+    </dgm:linClrLst>
+    <dgm:effectClrLst/>
+    <dgm:txLinClrLst/>
+    <dgm:txFillClrLst meth="repeat">
+      <a:schemeClr val="tx1"/>
+    </dgm:txFillClrLst>
+    <dgm:txEffectClrLst/>
+  </dgm:styleLbl>
+  <dgm:styleLbl name="parChTrans1D3">
+    <dgm:fillClrLst meth="repeat">
+      <a:schemeClr val="accent5"/>
+    </dgm:fillClrLst>
+    <dgm:linClrLst meth="repeat">
+      <a:schemeClr val="accent5">
+        <a:shade val="80000"/>
+      </a:schemeClr>
+    </dgm:linClrLst>
+    <dgm:effectClrLst/>
+    <dgm:txLinClrLst/>
+    <dgm:txFillClrLst meth="repeat">
+      <a:schemeClr val="tx1"/>
+    </dgm:txFillClrLst>
+    <dgm:txEffectClrLst/>
+  </dgm:styleLbl>
+  <dgm:styleLbl name="parChTrans1D4">
+    <dgm:fillClrLst meth="repeat">
+      <a:schemeClr val="accent5"/>
+    </dgm:fillClrLst>
+    <dgm:linClrLst meth="repeat">
+      <a:schemeClr val="accent5">
+        <a:shade val="80000"/>
+      </a:schemeClr>
+    </dgm:linClrLst>
+    <dgm:effectClrLst/>
+    <dgm:txLinClrLst/>
+    <dgm:txFillClrLst meth="repeat">
+      <a:schemeClr val="tx1"/>
+    </dgm:txFillClrLst>
+    <dgm:txEffectClrLst/>
+  </dgm:styleLbl>
+  <dgm:styleLbl name="fgAcc1">
+    <dgm:fillClrLst meth="repeat">
+      <a:schemeClr val="lt1">
+        <a:alpha val="90000"/>
+      </a:schemeClr>
+    </dgm:fillClrLst>
+    <dgm:linClrLst meth="repeat">
+      <a:schemeClr val="accent5"/>
+    </dgm:linClrLst>
+    <dgm:effectClrLst/>
+    <dgm:txLinClrLst/>
+    <dgm:txFillClrLst meth="repeat">
+      <a:schemeClr val="dk1"/>
+    </dgm:txFillClrLst>
+    <dgm:txEffectClrLst/>
+  </dgm:styleLbl>
+  <dgm:styleLbl name="conFgAcc1">
+    <dgm:fillClrLst meth="repeat">
+      <a:schemeClr val="lt1">
+        <a:alpha val="90000"/>
+      </a:schemeClr>
+    </dgm:fillClrLst>
+    <dgm:linClrLst meth="repeat">
+      <a:schemeClr val="accent5"/>
+    </dgm:linClrLst>
+    <dgm:effectClrLst/>
+    <dgm:txLinClrLst/>
+    <dgm:txFillClrLst meth="repeat">
+      <a:schemeClr val="dk1"/>
+    </dgm:txFillClrLst>
+    <dgm:txEffectClrLst/>
+  </dgm:styleLbl>
+  <dgm:styleLbl name="alignAcc1">
+    <dgm:fillClrLst meth="repeat">
+      <a:schemeClr val="lt1">
+        <a:alpha val="90000"/>
+      </a:schemeClr>
+    </dgm:fillClrLst>
+    <dgm:linClrLst meth="repeat">
+      <a:schemeClr val="accent5"/>
+    </dgm:linClrLst>
+    <dgm:effectClrLst/>
+    <dgm:txLinClrLst/>
+    <dgm:txFillClrLst meth="repeat">
+      <a:schemeClr val="dk1"/>
+    </dgm:txFillClrLst>
+    <dgm:txEffectClrLst/>
+  </dgm:styleLbl>
+  <dgm:styleLbl name="trAlignAcc1">
+    <dgm:fillClrLst meth="repeat">
+      <a:schemeClr val="lt1">
+        <a:alpha val="40000"/>
+      </a:schemeClr>
+    </dgm:fillClrLst>
+    <dgm:linClrLst meth="repeat">
+      <a:schemeClr val="accent5"/>
+    </dgm:linClrLst>
+    <dgm:effectClrLst/>
+    <dgm:txLinClrLst/>
+    <dgm:txFillClrLst meth="repeat">
+      <a:schemeClr val="dk1"/>
+    </dgm:txFillClrLst>
+    <dgm:txEffectClrLst/>
+  </dgm:styleLbl>
+  <dgm:styleLbl name="bgAcc1">
+    <dgm:fillClrLst meth="repeat">
+      <a:schemeClr val="lt1">
+        <a:alpha val="90000"/>
+      </a:schemeClr>
+    </dgm:fillClrLst>
+    <dgm:linClrLst meth="repeat">
+      <a:schemeClr val="accent5"/>
+    </dgm:linClrLst>
+    <dgm:effectClrLst/>
+    <dgm:txLinClrLst/>
+    <dgm:txFillClrLst meth="repeat">
+      <a:schemeClr val="dk1"/>
+    </dgm:txFillClrLst>
+    <dgm:txEffectClrLst/>
+  </dgm:styleLbl>
+  <dgm:styleLbl name="solidFgAcc1">
+    <dgm:fillClrLst meth="repeat">
+      <a:schemeClr val="lt1"/>
+    </dgm:fillClrLst>
+    <dgm:linClrLst meth="repeat">
+      <a:schemeClr val="accent5"/>
+    </dgm:linClrLst>
+    <dgm:effectClrLst/>
+    <dgm:txLinClrLst/>
+    <dgm:txFillClrLst meth="repeat">
+      <a:schemeClr val="dk1"/>
+    </dgm:txFillClrLst>
+    <dgm:txEffectClrLst/>
+  </dgm:styleLbl>
+  <dgm:styleLbl name="solidAlignAcc1">
+    <dgm:fillClrLst meth="repeat">
+      <a:schemeClr val="lt1"/>
+    </dgm:fillClrLst>
+    <dgm:linClrLst meth="repeat">
+      <a:schemeClr val="accent5"/>
+    </dgm:linClrLst>
+    <dgm:effectClrLst/>
+    <dgm:txLinClrLst/>
+    <dgm:txFillClrLst meth="repeat">
+      <a:schemeClr val="dk1"/>
+    </dgm:txFillClrLst>
+    <dgm:txEffectClrLst/>
+  </dgm:styleLbl>
+  <dgm:styleLbl name="solidBgAcc1">
+    <dgm:fillClrLst meth="repeat">
+      <a:schemeClr val="lt1"/>
+    </dgm:fillClrLst>
+    <dgm:linClrLst meth="repeat">
+      <a:schemeClr val="accent5"/>
+    </dgm:linClrLst>
+    <dgm:effectClrLst/>
+    <dgm:txLinClrLst/>
+    <dgm:txFillClrLst meth="repeat">
+      <a:schemeClr val="dk1"/>
+    </dgm:txFillClrLst>
+    <dgm:txEffectClrLst/>
+  </dgm:styleLbl>
+  <dgm:styleLbl name="fgAccFollowNode1">
+    <dgm:fillClrLst meth="repeat">
+      <a:schemeClr val="accent5">
+        <a:alpha val="90000"/>
+        <a:tint val="40000"/>
+      </a:schemeClr>
+    </dgm:fillClrLst>
+    <dgm:linClrLst meth="repeat">
+      <a:schemeClr val="accent5">
+        <a:alpha val="90000"/>
+        <a:tint val="40000"/>
+      </a:schemeClr>
+    </dgm:linClrLst>
+    <dgm:effectClrLst/>
+    <dgm:txLinClrLst/>
+    <dgm:txFillClrLst meth="repeat">
+      <a:schemeClr val="dk1"/>
+    </dgm:txFillClrLst>
+    <dgm:txEffectClrLst/>
+  </dgm:styleLbl>
+  <dgm:styleLbl name="alignAccFollowNode1">
+    <dgm:fillClrLst meth="repeat">
+      <a:schemeClr val="accent5">
+        <a:alpha val="90000"/>
+        <a:tint val="40000"/>
+      </a:schemeClr>
+    </dgm:fillClrLst>
+    <dgm:linClrLst meth="repeat">
+      <a:schemeClr val="accent5">
+        <a:alpha val="90000"/>
+        <a:tint val="40000"/>
+      </a:schemeClr>
+    </dgm:linClrLst>
+    <dgm:effectClrLst/>
+    <dgm:txLinClrLst/>
+    <dgm:txFillClrLst meth="repeat">
+      <a:schemeClr val="dk1"/>
+    </dgm:txFillClrLst>
+    <dgm:txEffectClrLst/>
+  </dgm:styleLbl>
+  <dgm:styleLbl name="bgAccFollowNode1">
+    <dgm:fillClrLst meth="repeat">
+      <a:schemeClr val="accent5">
+        <a:alpha val="90000"/>
+        <a:tint val="40000"/>
+      </a:schemeClr>
+    </dgm:fillClrLst>
+    <dgm:linClrLst meth="repeat">
+      <a:schemeClr val="accent5">
+        <a:alpha val="90000"/>
+        <a:tint val="40000"/>
+      </a:schemeClr>
+    </dgm:linClrLst>
+    <dgm:effectClrLst/>
+    <dgm:txLinClrLst/>
+    <dgm:txFillClrLst meth="repeat">
+      <a:schemeClr val="dk1"/>
+    </dgm:txFillClrLst>
+    <dgm:txEffectClrLst/>
+  </dgm:styleLbl>
+  <dgm:styleLbl name="fgAcc0">
+    <dgm:fillClrLst meth="repeat">
+      <a:schemeClr val="lt1">
+        <a:alpha val="90000"/>
+      </a:schemeClr>
+    </dgm:fillClrLst>
+    <dgm:linClrLst meth="repeat">
+      <a:schemeClr val="accent5"/>
+    </dgm:linClrLst>
+    <dgm:effectClrLst/>
+    <dgm:txLinClrLst/>
+    <dgm:txFillClrLst meth="repeat">
+      <a:schemeClr val="dk1"/>
+    </dgm:txFillClrLst>
+    <dgm:txEffectClrLst/>
+  </dgm:styleLbl>
+  <dgm:styleLbl name="fgAcc2">
+    <dgm:fillClrLst meth="repeat">
+      <a:schemeClr val="lt1">
+        <a:alpha val="90000"/>
+      </a:schemeClr>
+    </dgm:fillClrLst>
+    <dgm:linClrLst meth="repeat">
+      <a:schemeClr val="accent5"/>
+    </dgm:linClrLst>
+    <dgm:effectClrLst/>
+    <dgm:txLinClrLst/>
+    <dgm:txFillClrLst meth="repeat">
+      <a:schemeClr val="dk1"/>
+    </dgm:txFillClrLst>
+    <dgm:txEffectClrLst/>
+  </dgm:styleLbl>
+  <dgm:styleLbl name="fgAcc3">
+    <dgm:fillClrLst meth="repeat">
+      <a:schemeClr val="lt1">
+        <a:alpha val="90000"/>
+      </a:schemeClr>
+    </dgm:fillClrLst>
+    <dgm:linClrLst meth="repeat">
+      <a:schemeClr val="accent5"/>
+    </dgm:linClrLst>
+    <dgm:effectClrLst/>
+    <dgm:txLinClrLst/>
+    <dgm:txFillClrLst meth="repeat">
+      <a:schemeClr val="dk1"/>
+    </dgm:txFillClrLst>
+    <dgm:txEffectClrLst/>
+  </dgm:styleLbl>
+  <dgm:styleLbl name="fgAcc4">
+    <dgm:fillClrLst meth="repeat">
+      <a:schemeClr val="lt1">
+        <a:alpha val="90000"/>
+      </a:schemeClr>
+    </dgm:fillClrLst>
+    <dgm:linClrLst meth="repeat">
+      <a:schemeClr val="accent5"/>
+    </dgm:linClrLst>
+    <dgm:effectClrLst/>
+    <dgm:txLinClrLst/>
+    <dgm:txFillClrLst meth="repeat">
+      <a:schemeClr val="dk1"/>
+    </dgm:txFillClrLst>
+    <dgm:txEffectClrLst/>
+  </dgm:styleLbl>
+  <dgm:styleLbl name="bgShp">
+    <dgm:fillClrLst meth="repeat">
+      <a:schemeClr val="accent5">
+        <a:tint val="40000"/>
+      </a:schemeClr>
+    </dgm:fillClrLst>
+    <dgm:linClrLst meth="repeat">
+      <a:schemeClr val="accent5"/>
+    </dgm:linClrLst>
+    <dgm:effectClrLst/>
+    <dgm:txLinClrLst/>
+    <dgm:txFillClrLst meth="repeat">
+      <a:schemeClr val="dk1"/>
+    </dgm:txFillClrLst>
+    <dgm:txEffectClrLst/>
+  </dgm:styleLbl>
+  <dgm:styleLbl name="dkBgShp">
+    <dgm:fillClrLst meth="repeat">
+      <a:schemeClr val="accent5">
+        <a:shade val="80000"/>
+      </a:schemeClr>
+    </dgm:fillClrLst>
+    <dgm:linClrLst meth="repeat">
+      <a:schemeClr val="accent5"/>
+    </dgm:linClrLst>
+    <dgm:effectClrLst/>
+    <dgm:txLinClrLst/>
+    <dgm:txFillClrLst meth="repeat">
+      <a:schemeClr val="lt1"/>
+    </dgm:txFillClrLst>
+    <dgm:txEffectClrLst/>
+  </dgm:styleLbl>
+  <dgm:styleLbl name="trBgShp">
+    <dgm:fillClrLst meth="repeat">
+      <a:schemeClr val="accent5">
+        <a:tint val="50000"/>
+        <a:alpha val="40000"/>
+      </a:schemeClr>
+    </dgm:fillClrLst>
+    <dgm:linClrLst meth="repeat">
+      <a:schemeClr val="accent5"/>
+    </dgm:linClrLst>
+    <dgm:effectClrLst/>
+    <dgm:txLinClrLst/>
+    <dgm:txFillClrLst meth="repeat">
+      <a:schemeClr val="lt1"/>
+    </dgm:txFillClrLst>
+    <dgm:txEffectClrLst/>
+  </dgm:styleLbl>
+  <dgm:styleLbl name="fgShp">
+    <dgm:fillClrLst meth="repeat">
+      <a:schemeClr val="accent5">
+        <a:tint val="60000"/>
+      </a:schemeClr>
+    </dgm:fillClrLst>
+    <dgm:linClrLst meth="repeat">
+      <a:schemeClr val="lt1"/>
+    </dgm:linClrLst>
+    <dgm:effectClrLst/>
+    <dgm:txLinClrLst/>
+    <dgm:txFillClrLst meth="repeat">
+      <a:schemeClr val="dk1"/>
+    </dgm:txFillClrLst>
+    <dgm:txEffectClrLst/>
+  </dgm:styleLbl>
+  <dgm:styleLbl name="revTx">
+    <dgm:fillClrLst meth="repeat">
+      <a:schemeClr val="lt1">
+        <a:alpha val="0"/>
+      </a:schemeClr>
+    </dgm:fillClrLst>
+    <dgm:linClrLst meth="repeat">
+      <a:schemeClr val="dk1">
+        <a:alpha val="0"/>
+      </a:schemeClr>
+    </dgm:linClrLst>
+    <dgm:effectClrLst/>
+    <dgm:txLinClrLst/>
+    <dgm:txFillClrLst meth="repeat">
+      <a:schemeClr val="tx1"/>
+    </dgm:txFillClrLst>
+    <dgm:txEffectClrLst/>
+  </dgm:styleLbl>
+</dgm:colorsDef>
+</file>
+
+<file path=ppt/diagrams/colors2.xml><?xml version="1.0" encoding="utf-8"?>
+<dgm:colorsDef xmlns:dgm="http://schemas.openxmlformats.org/drawingml/2006/diagram" xmlns:a="http://schemas.openxmlformats.org/drawingml/2006/main" uniqueId="urn:microsoft.com/office/officeart/2005/8/colors/accent2_3">
+  <dgm:title val=""/>
+  <dgm:desc val=""/>
+  <dgm:catLst>
+    <dgm:cat type="accent2" pri="11300"/>
+  </dgm:catLst>
+  <dgm:styleLbl name="node0">
+    <dgm:fillClrLst meth="repeat">
+      <a:schemeClr val="accent2">
+        <a:shade val="80000"/>
+      </a:schemeClr>
+    </dgm:fillClrLst>
+    <dgm:linClrLst meth="repeat">
+      <a:schemeClr val="lt1"/>
+    </dgm:linClrLst>
+    <dgm:effectClrLst/>
+    <dgm:txLinClrLst/>
+    <dgm:txFillClrLst/>
+    <dgm:txEffectClrLst/>
+  </dgm:styleLbl>
+  <dgm:styleLbl name="node1">
+    <dgm:fillClrLst>
+      <a:schemeClr val="accent2">
+        <a:shade val="80000"/>
+      </a:schemeClr>
+      <a:schemeClr val="accent2">
+        <a:tint val="70000"/>
+      </a:schemeClr>
+    </dgm:fillClrLst>
+    <dgm:linClrLst meth="repeat">
+      <a:schemeClr val="lt1"/>
+    </dgm:linClrLst>
+    <dgm:effectClrLst/>
+    <dgm:txLinClrLst/>
+    <dgm:txFillClrLst/>
+    <dgm:txEffectClrLst/>
+  </dgm:styleLbl>
+  <dgm:styleLbl name="alignNode1">
+    <dgm:fillClrLst>
+      <a:schemeClr val="accent2">
+        <a:shade val="80000"/>
+      </a:schemeClr>
+      <a:schemeClr val="accent2">
+        <a:tint val="70000"/>
+      </a:schemeClr>
+    </dgm:fillClrLst>
+    <dgm:linClrLst>
+      <a:schemeClr val="accent2">
+        <a:shade val="80000"/>
+      </a:schemeClr>
+      <a:schemeClr val="accent2">
+        <a:tint val="70000"/>
+      </a:schemeClr>
+    </dgm:linClrLst>
+    <dgm:effectClrLst/>
+    <dgm:txLinClrLst/>
+    <dgm:txFillClrLst/>
+    <dgm:txEffectClrLst/>
+  </dgm:styleLbl>
+  <dgm:styleLbl name="lnNode1">
+    <dgm:fillClrLst>
+      <a:schemeClr val="accent2">
+        <a:shade val="80000"/>
+      </a:schemeClr>
+      <a:schemeClr val="accent2">
+        <a:tint val="70000"/>
+      </a:schemeClr>
+    </dgm:fillClrLst>
+    <dgm:linClrLst meth="repeat">
+      <a:schemeClr val="lt1"/>
+    </dgm:linClrLst>
+    <dgm:effectClrLst/>
+    <dgm:txLinClrLst/>
+    <dgm:txFillClrLst/>
+    <dgm:txEffectClrLst/>
+  </dgm:styleLbl>
+  <dgm:styleLbl name="vennNode1">
+    <dgm:fillClrLst>
+      <a:schemeClr val="accent2">
+        <a:shade val="80000"/>
+        <a:alpha val="50000"/>
+      </a:schemeClr>
+      <a:schemeClr val="accent2">
+        <a:tint val="70000"/>
+        <a:alpha val="50000"/>
+      </a:schemeClr>
+    </dgm:fillClrLst>
+    <dgm:linClrLst meth="repeat">
+      <a:schemeClr val="lt1"/>
+    </dgm:linClrLst>
+    <dgm:effectClrLst/>
+    <dgm:txLinClrLst/>
+    <dgm:txFillClrLst/>
+    <dgm:txEffectClrLst/>
+  </dgm:styleLbl>
+  <dgm:styleLbl name="node2">
+    <dgm:fillClrLst>
+      <a:schemeClr val="accent2">
+        <a:tint val="99000"/>
+      </a:schemeClr>
+    </dgm:fillClrLst>
+    <dgm:linClrLst meth="repeat">
+      <a:schemeClr val="lt1"/>
+    </dgm:linClrLst>
+    <dgm:effectClrLst/>
+    <dgm:txLinClrLst/>
+    <dgm:txFillClrLst/>
+    <dgm:txEffectClrLst/>
+  </dgm:styleLbl>
+  <dgm:styleLbl name="node3">
+    <dgm:fillClrLst>
+      <a:schemeClr val="accent2">
+        <a:tint val="80000"/>
+      </a:schemeClr>
+    </dgm:fillClrLst>
+    <dgm:linClrLst meth="repeat">
+      <a:schemeClr val="lt1"/>
+    </dgm:linClrLst>
+    <dgm:effectClrLst/>
+    <dgm:txLinClrLst/>
+    <dgm:txFillClrLst/>
+    <dgm:txEffectClrLst/>
+  </dgm:styleLbl>
+  <dgm:styleLbl name="node4">
+    <dgm:fillClrLst>
+      <a:schemeClr val="accent2">
+        <a:tint val="70000"/>
+      </a:schemeClr>
+    </dgm:fillClrLst>
+    <dgm:linClrLst meth="repeat">
+      <a:schemeClr val="lt1"/>
+    </dgm:linClrLst>
+    <dgm:effectClrLst/>
+    <dgm:txLinClrLst/>
+    <dgm:txFillClrLst/>
+    <dgm:txEffectClrLst/>
+  </dgm:styleLbl>
+  <dgm:styleLbl name="fgImgPlace1">
+    <dgm:fillClrLst>
+      <a:schemeClr val="accent2">
+        <a:tint val="50000"/>
+      </a:schemeClr>
+      <a:schemeClr val="accent2">
+        <a:tint val="20000"/>
+      </a:schemeClr>
+    </dgm:fillClrLst>
+    <dgm:linClrLst meth="repeat">
+      <a:schemeClr val="lt1"/>
+    </dgm:linClrLst>
+    <dgm:effectClrLst/>
+    <dgm:txLinClrLst/>
+    <dgm:txFillClrLst meth="repeat">
+      <a:schemeClr val="lt1"/>
+    </dgm:txFillClrLst>
+    <dgm:txEffectClrLst/>
+  </dgm:styleLbl>
+  <dgm:styleLbl name="alignImgPlace1">
+    <dgm:fillClrLst>
+      <a:schemeClr val="accent2">
+        <a:tint val="50000"/>
+      </a:schemeClr>
+      <a:schemeClr val="accent2">
+        <a:tint val="20000"/>
+      </a:schemeClr>
+    </dgm:fillClrLst>
+    <dgm:linClrLst meth="repeat">
+      <a:schemeClr val="lt1"/>
+    </dgm:linClrLst>
+    <dgm:effectClrLst/>
+    <dgm:txLinClrLst/>
+    <dgm:txFillClrLst meth="repeat">
+      <a:schemeClr val="lt1"/>
+    </dgm:txFillClrLst>
+    <dgm:txEffectClrLst/>
+  </dgm:styleLbl>
+  <dgm:styleLbl name="bgImgPlace1">
+    <dgm:fillClrLst>
+      <a:schemeClr val="accent2">
+        <a:tint val="50000"/>
+      </a:schemeClr>
+      <a:schemeClr val="accent2">
+        <a:tint val="20000"/>
+      </a:schemeClr>
+    </dgm:fillClrLst>
+    <dgm:linClrLst meth="repeat">
+      <a:schemeClr val="lt1"/>
+    </dgm:linClrLst>
+    <dgm:effectClrLst/>
+    <dgm:txLinClrLst/>
+    <dgm:txFillClrLst meth="repeat">
+      <a:schemeClr val="lt1"/>
+    </dgm:txFillClrLst>
+    <dgm:txEffectClrLst/>
+  </dgm:styleLbl>
+  <dgm:styleLbl name="sibTrans2D1">
+    <dgm:fillClrLst>
+      <a:schemeClr val="accent2">
+        <a:shade val="90000"/>
+      </a:schemeClr>
+      <a:schemeClr val="accent2">
+        <a:tint val="70000"/>
+      </a:schemeClr>
+    </dgm:fillClrLst>
+    <dgm:linClrLst>
+      <a:schemeClr val="accent2">
+        <a:shade val="90000"/>
+      </a:schemeClr>
+      <a:schemeClr val="accent2">
+        <a:tint val="70000"/>
+      </a:schemeClr>
+    </dgm:linClrLst>
+    <dgm:effectClrLst/>
+    <dgm:txLinClrLst/>
+    <dgm:txFillClrLst/>
+    <dgm:txEffectClrLst/>
+  </dgm:styleLbl>
+  <dgm:styleLbl name="fgSibTrans2D1">
+    <dgm:fillClrLst>
+      <a:schemeClr val="accent2">
+        <a:shade val="90000"/>
+      </a:schemeClr>
+      <a:schemeClr val="accent2">
+        <a:tint val="70000"/>
+      </a:schemeClr>
+    </dgm:fillClrLst>
+    <dgm:linClrLst>
+      <a:schemeClr val="accent2">
+        <a:shade val="90000"/>
+      </a:schemeClr>
+      <a:schemeClr val="accent2">
+        <a:tint val="70000"/>
+      </a:schemeClr>
+    </dgm:linClrLst>
+    <dgm:effectClrLst/>
+    <dgm:txLinClrLst/>
+    <dgm:txFillClrLst meth="repeat">
+      <a:schemeClr val="lt1"/>
+    </dgm:txFillClrLst>
+    <dgm:txEffectClrLst/>
+  </dgm:styleLbl>
+  <dgm:styleLbl name="bgSibTrans2D1">
+    <dgm:fillClrLst>
+      <a:schemeClr val="accent2">
+        <a:shade val="90000"/>
+      </a:schemeClr>
+      <a:schemeClr val="accent2">
+        <a:tint val="70000"/>
+      </a:schemeClr>
+    </dgm:fillClrLst>
+    <dgm:linClrLst>
+      <a:schemeClr val="accent2">
+        <a:shade val="90000"/>
+      </a:schemeClr>
+      <a:schemeClr val="accent2">
+        <a:tint val="70000"/>
+      </a:schemeClr>
+    </dgm:linClrLst>
+    <dgm:effectClrLst/>
+    <dgm:txLinClrLst/>
+    <dgm:txFillClrLst meth="repeat">
+      <a:schemeClr val="lt1"/>
+    </dgm:txFillClrLst>
+    <dgm:txEffectClrLst/>
+  </dgm:styleLbl>
+  <dgm:styleLbl name="sibTrans1D1">
+    <dgm:fillClrLst>
+      <a:schemeClr val="accent2">
+        <a:shade val="90000"/>
+      </a:schemeClr>
+      <a:schemeClr val="accent2">
+        <a:tint val="70000"/>
+      </a:schemeClr>
+    </dgm:fillClrLst>
+    <dgm:linClrLst>
+      <a:schemeClr val="accent2">
+        <a:shade val="90000"/>
+      </a:schemeClr>
+      <a:schemeClr val="accent2">
+        <a:tint val="70000"/>
+      </a:schemeClr>
+    </dgm:linClrLst>
+    <dgm:effectClrLst/>
+    <dgm:txLinClrLst/>
+    <dgm:txFillClrLst meth="repeat">
+      <a:schemeClr val="tx1"/>
+    </dgm:txFillClrLst>
+    <dgm:txEffectClrLst/>
+  </dgm:styleLbl>
+  <dgm:styleLbl name="callout">
+    <dgm:fillClrLst meth="repeat">
+      <a:schemeClr val="accent2"/>
+    </dgm:fillClrLst>
+    <dgm:linClrLst meth="repeat">
+      <a:schemeClr val="accent2"/>
+    </dgm:linClrLst>
+    <dgm:effectClrLst/>
+    <dgm:txLinClrLst/>
+    <dgm:txFillClrLst meth="repeat">
+      <a:schemeClr val="tx1"/>
+    </dgm:txFillClrLst>
+    <dgm:txEffectClrLst/>
+  </dgm:styleLbl>
+  <dgm:styleLbl name="asst0">
+    <dgm:fillClrLst meth="repeat">
+      <a:schemeClr val="accent2">
+        <a:shade val="80000"/>
+      </a:schemeClr>
+    </dgm:fillClrLst>
+    <dgm:linClrLst meth="repeat">
+      <a:schemeClr val="lt1"/>
+    </dgm:linClrLst>
+    <dgm:effectClrLst/>
+    <dgm:txLinClrLst/>
+    <dgm:txFillClrLst/>
+    <dgm:txEffectClrLst/>
+  </dgm:styleLbl>
+  <dgm:styleLbl name="asst1">
+    <dgm:fillClrLst meth="repeat">
+      <a:schemeClr val="accent2">
+        <a:shade val="80000"/>
+      </a:schemeClr>
+    </dgm:fillClrLst>
+    <dgm:linClrLst meth="repeat">
+      <a:schemeClr val="lt1"/>
+    </dgm:linClrLst>
+    <dgm:effectClrLst/>
+    <dgm:txLinClrLst/>
+    <dgm:txFillClrLst/>
+    <dgm:txEffectClrLst/>
+  </dgm:styleLbl>
+  <dgm:styleLbl name="asst2">
+    <dgm:fillClrLst>
+      <a:schemeClr val="accent2">
+        <a:tint val="99000"/>
+      </a:schemeClr>
+    </dgm:fillClrLst>
+    <dgm:linClrLst meth="repeat">
+      <a:schemeClr val="lt1"/>
+    </dgm:linClrLst>
+    <dgm:effectClrLst/>
+    <dgm:txLinClrLst/>
+    <dgm:txFillClrLst/>
+    <dgm:txEffectClrLst/>
+  </dgm:styleLbl>
+  <dgm:styleLbl name="asst3">
+    <dgm:fillClrLst>
+      <a:schemeClr val="accent2">
+        <a:tint val="80000"/>
+      </a:schemeClr>
+    </dgm:fillClrLst>
+    <dgm:linClrLst meth="repeat">
+      <a:schemeClr val="lt1"/>
+    </dgm:linClrLst>
+    <dgm:effectClrLst/>
+    <dgm:txLinClrLst/>
+    <dgm:txFillClrLst/>
+    <dgm:txEffectClrLst/>
+  </dgm:styleLbl>
+  <dgm:styleLbl name="asst4">
+    <dgm:fillClrLst>
+      <a:schemeClr val="accent2">
+        <a:tint val="70000"/>
+      </a:schemeClr>
+    </dgm:fillClrLst>
+    <dgm:linClrLst meth="repeat">
+      <a:schemeClr val="lt1"/>
+    </dgm:linClrLst>
+    <dgm:effectClrLst/>
+    <dgm:txLinClrLst/>
+    <dgm:txFillClrLst/>
+    <dgm:txEffectClrLst/>
+  </dgm:styleLbl>
+  <dgm:styleLbl name="parChTrans2D1">
+    <dgm:fillClrLst meth="repeat">
+      <a:schemeClr val="accent2">
+        <a:tint val="60000"/>
+      </a:schemeClr>
+    </dgm:fillClrLst>
+    <dgm:linClrLst meth="repeat">
+      <a:schemeClr val="accent2">
+        <a:tint val="60000"/>
+      </a:schemeClr>
+    </dgm:linClrLst>
+    <dgm:effectClrLst/>
+    <dgm:txLinClrLst/>
+    <dgm:txFillClrLst meth="repeat">
+      <a:schemeClr val="lt1"/>
+    </dgm:txFillClrLst>
+    <dgm:txEffectClrLst/>
+  </dgm:styleLbl>
+  <dgm:styleLbl name="parChTrans2D2">
+    <dgm:fillClrLst meth="repeat">
+      <a:schemeClr val="accent2">
+        <a:tint val="90000"/>
+      </a:schemeClr>
+    </dgm:fillClrLst>
+    <dgm:linClrLst meth="repeat">
+      <a:schemeClr val="accent2">
+        <a:tint val="90000"/>
+      </a:schemeClr>
+    </dgm:linClrLst>
+    <dgm:effectClrLst/>
+    <dgm:txLinClrLst/>
+    <dgm:txFillClrLst/>
+    <dgm:txEffectClrLst/>
+  </dgm:styleLbl>
+  <dgm:styleLbl name="parChTrans2D3">
+    <dgm:fillClrLst meth="repeat">
+      <a:schemeClr val="accent2">
+        <a:tint val="70000"/>
+      </a:schemeClr>
+    </dgm:fillClrLst>
+    <dgm:linClrLst meth="repeat">
+      <a:schemeClr val="accent2">
+        <a:tint val="70000"/>
+      </a:schemeClr>
+    </dgm:linClrLst>
+    <dgm:effectClrLst/>
+    <dgm:txLinClrLst/>
+    <dgm:txFillClrLst/>
+    <dgm:txEffectClrLst/>
+  </dgm:styleLbl>
+  <dgm:styleLbl name="parChTrans2D4">
+    <dgm:fillClrLst meth="repeat">
+      <a:schemeClr val="accent2">
+        <a:tint val="50000"/>
+      </a:schemeClr>
+    </dgm:fillClrLst>
+    <dgm:linClrLst meth="repeat">
+      <a:schemeClr val="accent2">
+        <a:tint val="50000"/>
+      </a:schemeClr>
+    </dgm:linClrLst>
+    <dgm:effectClrLst/>
+    <dgm:txLinClrLst/>
+    <dgm:txFillClrLst meth="repeat">
+      <a:schemeClr val="lt1"/>
+    </dgm:txFillClrLst>
+    <dgm:txEffectClrLst/>
+  </dgm:styleLbl>
+  <dgm:styleLbl name="parChTrans1D1">
+    <dgm:fillClrLst meth="repeat">
+      <a:schemeClr val="accent2">
+        <a:shade val="80000"/>
+      </a:schemeClr>
+    </dgm:fillClrLst>
+    <dgm:linClrLst meth="repeat">
+      <a:schemeClr val="accent2">
+        <a:shade val="80000"/>
+      </a:schemeClr>
+    </dgm:linClrLst>
+    <dgm:effectClrLst/>
+    <dgm:txLinClrLst/>
+    <dgm:txFillClrLst meth="repeat">
+      <a:schemeClr val="tx1"/>
+    </dgm:txFillClrLst>
+    <dgm:txEffectClrLst/>
+  </dgm:styleLbl>
+  <dgm:styleLbl name="parChTrans1D2">
+    <dgm:fillClrLst meth="repeat">
+      <a:schemeClr val="accent2">
+        <a:tint val="99000"/>
+      </a:schemeClr>
+    </dgm:fillClrLst>
+    <dgm:linClrLst meth="repeat">
+      <a:schemeClr val="accent2">
+        <a:tint val="99000"/>
+      </a:schemeClr>
+    </dgm:linClrLst>
+    <dgm:effectClrLst/>
+    <dgm:txLinClrLst/>
+    <dgm:txFillClrLst meth="repeat">
+      <a:schemeClr val="tx1"/>
+    </dgm:txFillClrLst>
+    <dgm:txEffectClrLst/>
+  </dgm:styleLbl>
+  <dgm:styleLbl name="parChTrans1D3">
+    <dgm:fillClrLst meth="repeat">
+      <a:schemeClr val="accent2">
+        <a:tint val="80000"/>
+      </a:schemeClr>
+    </dgm:fillClrLst>
+    <dgm:linClrLst meth="repeat">
+      <a:schemeClr val="accent2">
+        <a:tint val="80000"/>
+      </a:schemeClr>
+    </dgm:linClrLst>
+    <dgm:effectClrLst/>
+    <dgm:txLinClrLst/>
+    <dgm:txFillClrLst meth="repeat">
+      <a:schemeClr val="tx1"/>
+    </dgm:txFillClrLst>
+    <dgm:txEffectClrLst/>
+  </dgm:styleLbl>
+  <dgm:styleLbl name="parChTrans1D4">
+    <dgm:fillClrLst meth="repeat">
+      <a:schemeClr val="accent2">
+        <a:tint val="70000"/>
+      </a:schemeClr>
+    </dgm:fillClrLst>
+    <dgm:linClrLst meth="repeat">
+      <a:schemeClr val="accent2">
+        <a:tint val="70000"/>
+      </a:schemeClr>
+    </dgm:linClrLst>
+    <dgm:effectClrLst/>
+    <dgm:txLinClrLst/>
+    <dgm:txFillClrLst meth="repeat">
+      <a:schemeClr val="tx1"/>
+    </dgm:txFillClrLst>
+    <dgm:txEffectClrLst/>
+  </dgm:styleLbl>
+  <dgm:styleLbl name="fgAcc1">
+    <dgm:fillClrLst meth="repeat">
+      <a:schemeClr val="lt1">
+        <a:alpha val="90000"/>
+      </a:schemeClr>
+    </dgm:fillClrLst>
+    <dgm:linClrLst>
+      <a:schemeClr val="accent2">
+        <a:shade val="80000"/>
+      </a:schemeClr>
+      <a:schemeClr val="accent2">
+        <a:tint val="70000"/>
+      </a:schemeClr>
+    </dgm:linClrLst>
+    <dgm:effectClrLst/>
+    <dgm:txLinClrLst/>
+    <dgm:txFillClrLst meth="repeat">
+      <a:schemeClr val="dk1"/>
+    </dgm:txFillClrLst>
+    <dgm:txEffectClrLst/>
+  </dgm:styleLbl>
+  <dgm:styleLbl name="conFgAcc1">
+    <dgm:fillClrLst meth="repeat">
+      <a:schemeClr val="lt1">
+        <a:alpha val="90000"/>
+      </a:schemeClr>
+    </dgm:fillClrLst>
+    <dgm:linClrLst>
+      <a:schemeClr val="accent2">
+        <a:shade val="80000"/>
+      </a:schemeClr>
+      <a:schemeClr val="accent2">
+        <a:tint val="70000"/>
+      </a:schemeClr>
+    </dgm:linClrLst>
+    <dgm:effectClrLst/>
+    <dgm:txLinClrLst/>
+    <dgm:txFillClrLst meth="repeat">
+      <a:schemeClr val="dk1"/>
+    </dgm:txFillClrLst>
+    <dgm:txEffectClrLst/>
+  </dgm:styleLbl>
+  <dgm:styleLbl name="alignAcc1">
+    <dgm:fillClrLst meth="repeat">
+      <a:schemeClr val="lt1">
+        <a:alpha val="90000"/>
+      </a:schemeClr>
+    </dgm:fillClrLst>
+    <dgm:linClrLst>
+      <a:schemeClr val="accent2">
+        <a:shade val="80000"/>
+      </a:schemeClr>
+      <a:schemeClr val="accent2">
+        <a:tint val="70000"/>
+      </a:schemeClr>
+    </dgm:linClrLst>
+    <dgm:effectClrLst/>
+    <dgm:txLinClrLst/>
+    <dgm:txFillClrLst meth="repeat">
+      <a:schemeClr val="dk1"/>
+    </dgm:txFillClrLst>
+    <dgm:txEffectClrLst/>
+  </dgm:styleLbl>
+  <dgm:styleLbl name="trAlignAcc1">
+    <dgm:fillClrLst meth="repeat">
+      <a:schemeClr val="lt1">
+        <a:alpha val="40000"/>
+      </a:schemeClr>
+    </dgm:fillClrLst>
+    <dgm:linClrLst meth="repeat">
+      <a:schemeClr val="accent2"/>
+    </dgm:linClrLst>
+    <dgm:effectClrLst/>
+    <dgm:txLinClrLst/>
+    <dgm:txFillClrLst meth="repeat">
+      <a:schemeClr val="dk1"/>
+    </dgm:txFillClrLst>
+    <dgm:txEffectClrLst/>
+  </dgm:styleLbl>
+  <dgm:styleLbl name="bgAcc1">
+    <dgm:fillClrLst meth="repeat">
+      <a:schemeClr val="lt1">
+        <a:alpha val="90000"/>
+      </a:schemeClr>
+    </dgm:fillClrLst>
+    <dgm:linClrLst>
+      <a:schemeClr val="accent2">
+        <a:shade val="80000"/>
+      </a:schemeClr>
+      <a:schemeClr val="accent2">
+        <a:tint val="70000"/>
+      </a:schemeClr>
+    </dgm:linClrLst>
+    <dgm:effectClrLst/>
+    <dgm:txLinClrLst/>
+    <dgm:txFillClrLst meth="repeat">
+      <a:schemeClr val="dk1"/>
+    </dgm:txFillClrLst>
+    <dgm:txEffectClrLst/>
+  </dgm:styleLbl>
+  <dgm:styleLbl name="solidFgAcc1">
+    <dgm:fillClrLst meth="repeat">
+      <a:schemeClr val="lt1"/>
+    </dgm:fillClrLst>
+    <dgm:linClrLst>
+      <a:schemeClr val="accent2">
+        <a:shade val="80000"/>
+      </a:schemeClr>
+      <a:schemeClr val="accent2">
+        <a:tint val="70000"/>
+      </a:schemeClr>
+    </dgm:linClrLst>
+    <dgm:effectClrLst/>
+    <dgm:txLinClrLst/>
+    <dgm:txFillClrLst meth="repeat">
+      <a:schemeClr val="dk1"/>
+    </dgm:txFillClrLst>
+    <dgm:txEffectClrLst/>
+  </dgm:styleLbl>
+  <dgm:styleLbl name="solidAlignAcc1">
+    <dgm:fillClrLst meth="repeat">
+      <a:schemeClr val="lt1"/>
+    </dgm:fillClrLst>
+    <dgm:linClrLst meth="repeat">
+      <a:schemeClr val="accent2"/>
+    </dgm:linClrLst>
+    <dgm:effectClrLst/>
+    <dgm:txLinClrLst/>
+    <dgm:txFillClrLst meth="repeat">
+      <a:schemeClr val="dk1"/>
+    </dgm:txFillClrLst>
+    <dgm:txEffectClrLst/>
+  </dgm:styleLbl>
+  <dgm:styleLbl name="solidBgAcc1">
+    <dgm:fillClrLst meth="repeat">
+      <a:schemeClr val="lt1"/>
+    </dgm:fillClrLst>
+    <dgm:linClrLst meth="repeat">
+      <a:schemeClr val="accent2"/>
+    </dgm:linClrLst>
+    <dgm:effectClrLst/>
+    <dgm:txLinClrLst/>
+    <dgm:txFillClrLst meth="repeat">
+      <a:schemeClr val="dk1"/>
+    </dgm:txFillClrLst>
+    <dgm:txEffectClrLst/>
+  </dgm:styleLbl>
+  <dgm:styleLbl name="fgAccFollowNode1">
+    <dgm:fillClrLst meth="repeat">
+      <a:schemeClr val="accent2">
+        <a:alpha val="90000"/>
+        <a:tint val="40000"/>
+      </a:schemeClr>
+    </dgm:fillClrLst>
+    <dgm:linClrLst meth="repeat">
+      <a:schemeClr val="accent2">
+        <a:alpha val="90000"/>
+        <a:tint val="40000"/>
+      </a:schemeClr>
+    </dgm:linClrLst>
+    <dgm:effectClrLst/>
+    <dgm:txLinClrLst/>
+    <dgm:txFillClrLst meth="repeat">
+      <a:schemeClr val="dk1"/>
+    </dgm:txFillClrLst>
+    <dgm:txEffectClrLst/>
+  </dgm:styleLbl>
+  <dgm:styleLbl name="alignAccFollowNode1">
+    <dgm:fillClrLst meth="repeat">
+      <a:schemeClr val="accent2">
+        <a:alpha val="90000"/>
+        <a:tint val="40000"/>
+      </a:schemeClr>
+    </dgm:fillClrLst>
+    <dgm:linClrLst meth="repeat">
+      <a:schemeClr val="accent2">
+        <a:alpha val="90000"/>
+        <a:tint val="40000"/>
+      </a:schemeClr>
+    </dgm:linClrLst>
+    <dgm:effectClrLst/>
+    <dgm:txLinClrLst/>
+    <dgm:txFillClrLst meth="repeat">
+      <a:schemeClr val="dk1"/>
+    </dgm:txFillClrLst>
+    <dgm:txEffectClrLst/>
+  </dgm:styleLbl>
+  <dgm:styleLbl name="bgAccFollowNode1">
+    <dgm:fillClrLst meth="repeat">
+      <a:schemeClr val="accent2">
+        <a:alpha val="90000"/>
+        <a:tint val="40000"/>
+      </a:schemeClr>
+    </dgm:fillClrLst>
+    <dgm:linClrLst meth="repeat">
+      <a:schemeClr val="lt1"/>
+    </dgm:linClrLst>
+    <dgm:effectClrLst/>
+    <dgm:txLinClrLst/>
+    <dgm:txFillClrLst meth="repeat">
+      <a:schemeClr val="dk1"/>
+    </dgm:txFillClrLst>
+    <dgm:txEffectClrLst/>
+  </dgm:styleLbl>
+  <dgm:styleLbl name="fgAcc0">
+    <dgm:fillClrLst meth="repeat">
+      <a:schemeClr val="lt1">
+        <a:alpha val="90000"/>
+      </a:schemeClr>
+    </dgm:fillClrLst>
+    <dgm:linClrLst meth="repeat">
+      <a:schemeClr val="accent2">
+        <a:shade val="80000"/>
+      </a:schemeClr>
+    </dgm:linClrLst>
+    <dgm:effectClrLst/>
+    <dgm:txLinClrLst/>
+    <dgm:txFillClrLst meth="repeat">
+      <a:schemeClr val="dk1"/>
+    </dgm:txFillClrLst>
+    <dgm:txEffectClrLst/>
+  </dgm:styleLbl>
+  <dgm:styleLbl name="fgAcc2">
+    <dgm:fillClrLst meth="repeat">
+      <a:schemeClr val="lt1">
+        <a:alpha val="90000"/>
+      </a:schemeClr>
+    </dgm:fillClrLst>
+    <dgm:linClrLst meth="repeat">
+      <a:schemeClr val="accent2">
+        <a:tint val="99000"/>
+      </a:schemeClr>
+    </dgm:linClrLst>
+    <dgm:effectClrLst/>
+    <dgm:txLinClrLst/>
+    <dgm:txFillClrLst meth="repeat">
+      <a:schemeClr val="dk1"/>
+    </dgm:txFillClrLst>
+    <dgm:txEffectClrLst/>
+  </dgm:styleLbl>
+  <dgm:styleLbl name="fgAcc3">
+    <dgm:fillClrLst meth="repeat">
+      <a:schemeClr val="lt1">
+        <a:alpha val="90000"/>
+      </a:schemeClr>
+    </dgm:fillClrLst>
+    <dgm:linClrLst meth="repeat">
+      <a:schemeClr val="accent2">
+        <a:tint val="80000"/>
+      </a:schemeClr>
+    </dgm:linClrLst>
+    <dgm:effectClrLst/>
+    <dgm:txLinClrLst/>
+    <dgm:txFillClrLst meth="repeat">
+      <a:schemeClr val="dk1"/>
+    </dgm:txFillClrLst>
+    <dgm:txEffectClrLst/>
+  </dgm:styleLbl>
+  <dgm:styleLbl name="fgAcc4">
+    <dgm:fillClrLst meth="repeat">
+      <a:schemeClr val="lt1">
+        <a:alpha val="90000"/>
+      </a:schemeClr>
+    </dgm:fillClrLst>
+    <dgm:linClrLst meth="repeat">
+      <a:schemeClr val="accent2">
+        <a:tint val="70000"/>
+      </a:schemeClr>
+    </dgm:linClrLst>
+    <dgm:effectClrLst/>
+    <dgm:txLinClrLst/>
+    <dgm:txFillClrLst meth="repeat">
+      <a:schemeClr val="dk1"/>
+    </dgm:txFillClrLst>
+    <dgm:txEffectClrLst/>
+  </dgm:styleLbl>
+  <dgm:styleLbl name="bgShp">
+    <dgm:fillClrLst meth="repeat">
+      <a:schemeClr val="accent2">
+        <a:tint val="40000"/>
+      </a:schemeClr>
+    </dgm:fillClrLst>
+    <dgm:linClrLst meth="repeat">
+      <a:schemeClr val="dk1"/>
+    </dgm:linClrLst>
+    <dgm:effectClrLst/>
+    <dgm:txLinClrLst/>
+    <dgm:txFillClrLst meth="repeat">
+      <a:schemeClr val="dk1"/>
+    </dgm:txFillClrLst>
+    <dgm:txEffectClrLst/>
+  </dgm:styleLbl>
+  <dgm:styleLbl name="dkBgShp">
+    <dgm:fillClrLst meth="repeat">
+      <a:schemeClr val="accent2">
+        <a:shade val="90000"/>
+      </a:schemeClr>
+    </dgm:fillClrLst>
+    <dgm:linClrLst meth="repeat">
+      <a:schemeClr val="dk1"/>
+    </dgm:linClrLst>
+    <dgm:effectClrLst/>
+    <dgm:txLinClrLst/>
+    <dgm:txFillClrLst meth="repeat">
+      <a:schemeClr val="lt1"/>
+    </dgm:txFillClrLst>
+    <dgm:txEffectClrLst/>
+  </dgm:styleLbl>
+  <dgm:styleLbl name="trBgShp">
+    <dgm:fillClrLst meth="repeat">
+      <a:schemeClr val="accent2">
+        <a:tint val="50000"/>
+        <a:alpha val="40000"/>
+      </a:schemeClr>
+    </dgm:fillClrLst>
+    <dgm:linClrLst meth="repeat">
+      <a:schemeClr val="accent2"/>
+    </dgm:linClrLst>
+    <dgm:effectClrLst/>
+    <dgm:txLinClrLst/>
+    <dgm:txFillClrLst meth="repeat">
+      <a:schemeClr val="lt1"/>
+    </dgm:txFillClrLst>
+    <dgm:txEffectClrLst/>
+  </dgm:styleLbl>
+  <dgm:styleLbl name="fgShp">
+    <dgm:fillClrLst meth="repeat">
+      <a:schemeClr val="accent2">
+        <a:tint val="40000"/>
+      </a:schemeClr>
+    </dgm:fillClrLst>
+    <dgm:linClrLst meth="repeat">
+      <a:schemeClr val="lt1"/>
+    </dgm:linClrLst>
+    <dgm:effectClrLst/>
+    <dgm:txLinClrLst/>
+    <dgm:txFillClrLst meth="repeat">
+      <a:schemeClr val="dk1"/>
+    </dgm:txFillClrLst>
+    <dgm:txEffectClrLst/>
+  </dgm:styleLbl>
+  <dgm:styleLbl name="revTx">
+    <dgm:fillClrLst meth="repeat">
+      <a:schemeClr val="lt1">
+        <a:alpha val="0"/>
+      </a:schemeClr>
+    </dgm:fillClrLst>
+    <dgm:linClrLst meth="repeat">
+      <a:schemeClr val="dk1">
+        <a:alpha val="0"/>
+      </a:schemeClr>
+    </dgm:linClrLst>
+    <dgm:effectClrLst/>
+    <dgm:txLinClrLst/>
+    <dgm:txFillClrLst meth="repeat">
+      <a:schemeClr val="tx1"/>
+    </dgm:txFillClrLst>
+    <dgm:txEffectClrLst/>
+  </dgm:styleLbl>
+</dgm:colorsDef>
+</file>
+
+<file path=ppt/diagrams/colors3.xml><?xml version="1.0" encoding="utf-8"?>
 <dgm:colorsDef xmlns:dgm="http://schemas.openxmlformats.org/drawingml/2006/diagram" xmlns:a="http://schemas.openxmlformats.org/drawingml/2006/main" uniqueId="urn:microsoft.com/office/officeart/2005/8/colors/accent1_2">
   <dgm:title val=""/>
   <dgm:desc val=""/>
@@ -1016,6 +2638,1032 @@
 <file path=ppt/diagrams/data1.xml><?xml version="1.0" encoding="utf-8"?>
 <dgm:dataModel xmlns:dgm="http://schemas.openxmlformats.org/drawingml/2006/diagram" xmlns:a="http://schemas.openxmlformats.org/drawingml/2006/main">
   <dgm:ptLst>
+    <dgm:pt modelId="{FEF31D10-F444-42C0-A842-B43968C20B79}" type="doc">
+      <dgm:prSet loTypeId="urn:microsoft.com/office/officeart/2008/layout/AlternatingHexagons" loCatId="list" qsTypeId="urn:microsoft.com/office/officeart/2005/8/quickstyle/simple2" qsCatId="simple" csTypeId="urn:microsoft.com/office/officeart/2005/8/colors/accent5_2" csCatId="accent5" phldr="1"/>
+      <dgm:spPr/>
+      <dgm:t>
+        <a:bodyPr/>
+        <a:lstStyle/>
+        <a:p>
+          <a:endParaRPr lang="en-US"/>
+        </a:p>
+      </dgm:t>
+    </dgm:pt>
+    <dgm:pt modelId="{CD6023AE-14D2-470A-8DDF-EB8E2C498029}">
+      <dgm:prSet phldrT="[Text]"/>
+      <dgm:spPr/>
+      <dgm:t>
+        <a:bodyPr/>
+        <a:lstStyle/>
+        <a:p>
+          <a:r>
+            <a:rPr lang="en-US">
+              <a:solidFill>
+                <a:schemeClr val="bg1"/>
+              </a:solidFill>
+            </a:rPr>
+            <a:t>Decision on what to Do</a:t>
+          </a:r>
+          <a:endParaRPr lang="en-US" dirty="0">
+            <a:solidFill>
+              <a:schemeClr val="bg1"/>
+            </a:solidFill>
+          </a:endParaRPr>
+        </a:p>
+      </dgm:t>
+    </dgm:pt>
+    <dgm:pt modelId="{3FF4AFD3-D2B4-40C8-81B8-2CA85B89FEE4}" type="parTrans" cxnId="{FCE3E968-9F5A-46AB-9641-1CBE2334DCAC}">
+      <dgm:prSet/>
+      <dgm:spPr/>
+      <dgm:t>
+        <a:bodyPr/>
+        <a:lstStyle/>
+        <a:p>
+          <a:endParaRPr lang="en-US">
+            <a:solidFill>
+              <a:schemeClr val="bg1"/>
+            </a:solidFill>
+          </a:endParaRPr>
+        </a:p>
+      </dgm:t>
+    </dgm:pt>
+    <dgm:pt modelId="{41C1E4F8-5767-4D67-89DD-B9FD77FF414D}" type="sibTrans" cxnId="{FCE3E968-9F5A-46AB-9641-1CBE2334DCAC}">
+      <dgm:prSet/>
+      <dgm:spPr/>
+      <dgm:t>
+        <a:bodyPr/>
+        <a:lstStyle/>
+        <a:p>
+          <a:endParaRPr lang="en-US">
+            <a:solidFill>
+              <a:schemeClr val="bg1"/>
+            </a:solidFill>
+          </a:endParaRPr>
+        </a:p>
+      </dgm:t>
+    </dgm:pt>
+    <dgm:pt modelId="{17E1D734-E95F-4418-B653-B336801AEEB4}">
+      <dgm:prSet phldrT="[Text]"/>
+      <dgm:spPr/>
+      <dgm:t>
+        <a:bodyPr/>
+        <a:lstStyle/>
+        <a:p>
+          <a:r>
+            <a:rPr lang="en-US">
+              <a:solidFill>
+                <a:schemeClr val="bg1"/>
+              </a:solidFill>
+            </a:rPr>
+            <a:t>Planning</a:t>
+          </a:r>
+          <a:endParaRPr lang="en-US" dirty="0">
+            <a:solidFill>
+              <a:schemeClr val="bg1"/>
+            </a:solidFill>
+          </a:endParaRPr>
+        </a:p>
+      </dgm:t>
+    </dgm:pt>
+    <dgm:pt modelId="{0E3D2319-E207-4E66-8CBD-B36F8C38693D}" type="parTrans" cxnId="{04C88BD8-612A-4B24-83C1-27D4DD978203}">
+      <dgm:prSet/>
+      <dgm:spPr/>
+      <dgm:t>
+        <a:bodyPr/>
+        <a:lstStyle/>
+        <a:p>
+          <a:endParaRPr lang="en-US">
+            <a:solidFill>
+              <a:schemeClr val="bg1"/>
+            </a:solidFill>
+          </a:endParaRPr>
+        </a:p>
+      </dgm:t>
+    </dgm:pt>
+    <dgm:pt modelId="{84B645C2-404D-4128-8DBC-CFAD5EB55BB1}" type="sibTrans" cxnId="{04C88BD8-612A-4B24-83C1-27D4DD978203}">
+      <dgm:prSet/>
+      <dgm:spPr/>
+      <dgm:t>
+        <a:bodyPr/>
+        <a:lstStyle/>
+        <a:p>
+          <a:endParaRPr lang="en-US">
+            <a:solidFill>
+              <a:schemeClr val="bg1"/>
+            </a:solidFill>
+          </a:endParaRPr>
+        </a:p>
+      </dgm:t>
+    </dgm:pt>
+    <dgm:pt modelId="{D301751B-8B21-4FD5-97A6-691166840D4B}">
+      <dgm:prSet phldrT="[Text]"/>
+      <dgm:spPr/>
+      <dgm:t>
+        <a:bodyPr/>
+        <a:lstStyle/>
+        <a:p>
+          <a:r>
+            <a:rPr lang="en-US">
+              <a:solidFill>
+                <a:schemeClr val="bg1"/>
+              </a:solidFill>
+            </a:rPr>
+            <a:t>API</a:t>
+          </a:r>
+        </a:p>
+        <a:p>
+          <a:r>
+            <a:rPr lang="en-US">
+              <a:solidFill>
+                <a:schemeClr val="bg1"/>
+              </a:solidFill>
+            </a:rPr>
+            <a:t>Integration with Google</a:t>
+          </a:r>
+          <a:endParaRPr lang="en-US" dirty="0">
+            <a:solidFill>
+              <a:schemeClr val="bg1"/>
+            </a:solidFill>
+          </a:endParaRPr>
+        </a:p>
+      </dgm:t>
+    </dgm:pt>
+    <dgm:pt modelId="{C81FFF48-DD85-429B-9D78-E5069AABE02B}" type="parTrans" cxnId="{1D204D3B-31FA-4B87-87B8-0DA26AE6B80E}">
+      <dgm:prSet/>
+      <dgm:spPr/>
+      <dgm:t>
+        <a:bodyPr/>
+        <a:lstStyle/>
+        <a:p>
+          <a:endParaRPr lang="en-US">
+            <a:solidFill>
+              <a:schemeClr val="bg1"/>
+            </a:solidFill>
+          </a:endParaRPr>
+        </a:p>
+      </dgm:t>
+    </dgm:pt>
+    <dgm:pt modelId="{5B7EE80E-B992-488D-A5B2-08E0B13944DA}" type="sibTrans" cxnId="{1D204D3B-31FA-4B87-87B8-0DA26AE6B80E}">
+      <dgm:prSet/>
+      <dgm:spPr/>
+      <dgm:t>
+        <a:bodyPr/>
+        <a:lstStyle/>
+        <a:p>
+          <a:endParaRPr lang="en-US">
+            <a:solidFill>
+              <a:schemeClr val="bg1"/>
+            </a:solidFill>
+          </a:endParaRPr>
+        </a:p>
+      </dgm:t>
+    </dgm:pt>
+    <dgm:pt modelId="{5C5ABA2E-5CC1-48A5-8B25-DE67683CCEA7}">
+      <dgm:prSet phldrT="[Text]"/>
+      <dgm:spPr/>
+      <dgm:t>
+        <a:bodyPr/>
+        <a:lstStyle/>
+        <a:p>
+          <a:r>
+            <a:rPr lang="en-US">
+              <a:solidFill>
+                <a:schemeClr val="bg1"/>
+              </a:solidFill>
+            </a:rPr>
+            <a:t>Backend</a:t>
+          </a:r>
+          <a:endParaRPr lang="en-US" dirty="0">
+            <a:solidFill>
+              <a:schemeClr val="bg1"/>
+            </a:solidFill>
+          </a:endParaRPr>
+        </a:p>
+      </dgm:t>
+    </dgm:pt>
+    <dgm:pt modelId="{331EA5DA-DE22-4DB7-A094-8087056F3BE7}" type="parTrans" cxnId="{03C98134-1461-4C4D-864D-329F4B8BF81F}">
+      <dgm:prSet/>
+      <dgm:spPr/>
+      <dgm:t>
+        <a:bodyPr/>
+        <a:lstStyle/>
+        <a:p>
+          <a:endParaRPr lang="en-US">
+            <a:solidFill>
+              <a:schemeClr val="bg1"/>
+            </a:solidFill>
+          </a:endParaRPr>
+        </a:p>
+      </dgm:t>
+    </dgm:pt>
+    <dgm:pt modelId="{A71B1E4C-2D73-487D-AB65-81DB948F3F36}" type="sibTrans" cxnId="{03C98134-1461-4C4D-864D-329F4B8BF81F}">
+      <dgm:prSet/>
+      <dgm:spPr/>
+      <dgm:t>
+        <a:bodyPr/>
+        <a:lstStyle/>
+        <a:p>
+          <a:endParaRPr lang="en-US">
+            <a:solidFill>
+              <a:schemeClr val="bg1"/>
+            </a:solidFill>
+          </a:endParaRPr>
+        </a:p>
+      </dgm:t>
+    </dgm:pt>
+    <dgm:pt modelId="{CEF6FDC9-903F-4C39-91A5-C01BDA2CC53C}">
+      <dgm:prSet phldrT="[Text]"/>
+      <dgm:spPr/>
+      <dgm:t>
+        <a:bodyPr/>
+        <a:lstStyle/>
+        <a:p>
+          <a:r>
+            <a:rPr lang="en-US">
+              <a:solidFill>
+                <a:schemeClr val="bg1"/>
+              </a:solidFill>
+            </a:rPr>
+            <a:t>Dynamic Filter with Sliders</a:t>
+          </a:r>
+          <a:endParaRPr lang="en-US" dirty="0">
+            <a:solidFill>
+              <a:schemeClr val="bg1"/>
+            </a:solidFill>
+          </a:endParaRPr>
+        </a:p>
+      </dgm:t>
+    </dgm:pt>
+    <dgm:pt modelId="{DB562349-A146-43B9-873B-8A625147B477}" type="parTrans" cxnId="{663AFF2F-E1C6-4326-85CA-1DC402F2E8D1}">
+      <dgm:prSet/>
+      <dgm:spPr/>
+      <dgm:t>
+        <a:bodyPr/>
+        <a:lstStyle/>
+        <a:p>
+          <a:endParaRPr lang="en-US">
+            <a:solidFill>
+              <a:schemeClr val="bg1"/>
+            </a:solidFill>
+          </a:endParaRPr>
+        </a:p>
+      </dgm:t>
+    </dgm:pt>
+    <dgm:pt modelId="{96DD25AE-A677-44FF-A468-0C639B2A49CE}" type="sibTrans" cxnId="{663AFF2F-E1C6-4326-85CA-1DC402F2E8D1}">
+      <dgm:prSet/>
+      <dgm:spPr/>
+      <dgm:t>
+        <a:bodyPr/>
+        <a:lstStyle/>
+        <a:p>
+          <a:endParaRPr lang="en-US">
+            <a:solidFill>
+              <a:schemeClr val="bg1"/>
+            </a:solidFill>
+          </a:endParaRPr>
+        </a:p>
+      </dgm:t>
+    </dgm:pt>
+    <dgm:pt modelId="{37FC82FE-8DE2-4783-8D90-9162714F8C68}">
+      <dgm:prSet phldrT="[Text]"/>
+      <dgm:spPr/>
+      <dgm:t>
+        <a:bodyPr/>
+        <a:lstStyle/>
+        <a:p>
+          <a:r>
+            <a:rPr lang="en-US">
+              <a:solidFill>
+                <a:schemeClr val="bg1"/>
+              </a:solidFill>
+            </a:rPr>
+            <a:t>Frontend</a:t>
+          </a:r>
+          <a:endParaRPr lang="en-US" dirty="0">
+            <a:solidFill>
+              <a:schemeClr val="bg1"/>
+            </a:solidFill>
+          </a:endParaRPr>
+        </a:p>
+      </dgm:t>
+    </dgm:pt>
+    <dgm:pt modelId="{5EB33011-69D3-4459-A2C1-F4A9B5AF81D0}" type="parTrans" cxnId="{749969B9-6856-4C0E-8467-080B64DD9161}">
+      <dgm:prSet/>
+      <dgm:spPr/>
+      <dgm:t>
+        <a:bodyPr/>
+        <a:lstStyle/>
+        <a:p>
+          <a:endParaRPr lang="en-US">
+            <a:solidFill>
+              <a:schemeClr val="bg1"/>
+            </a:solidFill>
+          </a:endParaRPr>
+        </a:p>
+      </dgm:t>
+    </dgm:pt>
+    <dgm:pt modelId="{F9941125-5F98-4372-9747-2B8813224EE1}" type="sibTrans" cxnId="{749969B9-6856-4C0E-8467-080B64DD9161}">
+      <dgm:prSet/>
+      <dgm:spPr/>
+      <dgm:t>
+        <a:bodyPr/>
+        <a:lstStyle/>
+        <a:p>
+          <a:endParaRPr lang="en-US">
+            <a:solidFill>
+              <a:schemeClr val="bg1"/>
+            </a:solidFill>
+          </a:endParaRPr>
+        </a:p>
+      </dgm:t>
+    </dgm:pt>
+    <dgm:pt modelId="{CA79B623-BAEA-4E7D-97FC-F678C18702C5}" type="pres">
+      <dgm:prSet presAssocID="{FEF31D10-F444-42C0-A842-B43968C20B79}" presName="Name0" presStyleCnt="0">
+        <dgm:presLayoutVars>
+          <dgm:chMax/>
+          <dgm:chPref/>
+          <dgm:dir/>
+          <dgm:animLvl val="lvl"/>
+        </dgm:presLayoutVars>
+      </dgm:prSet>
+      <dgm:spPr/>
+    </dgm:pt>
+    <dgm:pt modelId="{2A70855D-BF9E-434C-A241-0D5DCFA588D4}" type="pres">
+      <dgm:prSet presAssocID="{CD6023AE-14D2-470A-8DDF-EB8E2C498029}" presName="composite" presStyleCnt="0"/>
+      <dgm:spPr/>
+    </dgm:pt>
+    <dgm:pt modelId="{C4DAA743-0D34-4E1E-AD4C-AA42215E55C0}" type="pres">
+      <dgm:prSet presAssocID="{CD6023AE-14D2-470A-8DDF-EB8E2C498029}" presName="Parent1" presStyleLbl="node1" presStyleIdx="0" presStyleCnt="6">
+        <dgm:presLayoutVars>
+          <dgm:chMax val="1"/>
+          <dgm:chPref val="1"/>
+          <dgm:bulletEnabled val="1"/>
+        </dgm:presLayoutVars>
+      </dgm:prSet>
+      <dgm:spPr/>
+    </dgm:pt>
+    <dgm:pt modelId="{0F80E1A6-4748-4A71-951A-8E70A5416C2C}" type="pres">
+      <dgm:prSet presAssocID="{CD6023AE-14D2-470A-8DDF-EB8E2C498029}" presName="Childtext1" presStyleLbl="revTx" presStyleIdx="0" presStyleCnt="3">
+        <dgm:presLayoutVars>
+          <dgm:chMax val="0"/>
+          <dgm:chPref val="0"/>
+          <dgm:bulletEnabled val="1"/>
+        </dgm:presLayoutVars>
+      </dgm:prSet>
+      <dgm:spPr/>
+    </dgm:pt>
+    <dgm:pt modelId="{29B3673A-FAD9-4724-B30F-A5475D1D41D4}" type="pres">
+      <dgm:prSet presAssocID="{CD6023AE-14D2-470A-8DDF-EB8E2C498029}" presName="BalanceSpacing" presStyleCnt="0"/>
+      <dgm:spPr/>
+    </dgm:pt>
+    <dgm:pt modelId="{6003A9F7-2ABF-4E06-8949-B616B674EDF5}" type="pres">
+      <dgm:prSet presAssocID="{CD6023AE-14D2-470A-8DDF-EB8E2C498029}" presName="BalanceSpacing1" presStyleCnt="0"/>
+      <dgm:spPr/>
+    </dgm:pt>
+    <dgm:pt modelId="{6EE67FB9-AB25-4554-A314-B98F7BFA0FD0}" type="pres">
+      <dgm:prSet presAssocID="{41C1E4F8-5767-4D67-89DD-B9FD77FF414D}" presName="Accent1Text" presStyleLbl="node1" presStyleIdx="1" presStyleCnt="6"/>
+      <dgm:spPr/>
+    </dgm:pt>
+    <dgm:pt modelId="{CBE25F14-59C2-4AB7-8469-0F1BFDA92FFF}" type="pres">
+      <dgm:prSet presAssocID="{41C1E4F8-5767-4D67-89DD-B9FD77FF414D}" presName="spaceBetweenRectangles" presStyleCnt="0"/>
+      <dgm:spPr/>
+    </dgm:pt>
+    <dgm:pt modelId="{8891C3F3-9F5C-4D77-AE7F-005BD7B93E2D}" type="pres">
+      <dgm:prSet presAssocID="{D301751B-8B21-4FD5-97A6-691166840D4B}" presName="composite" presStyleCnt="0"/>
+      <dgm:spPr/>
+    </dgm:pt>
+    <dgm:pt modelId="{E943A7AB-341A-46C7-9668-6101E351D5FD}" type="pres">
+      <dgm:prSet presAssocID="{D301751B-8B21-4FD5-97A6-691166840D4B}" presName="Parent1" presStyleLbl="node1" presStyleIdx="2" presStyleCnt="6">
+        <dgm:presLayoutVars>
+          <dgm:chMax val="1"/>
+          <dgm:chPref val="1"/>
+          <dgm:bulletEnabled val="1"/>
+        </dgm:presLayoutVars>
+      </dgm:prSet>
+      <dgm:spPr/>
+    </dgm:pt>
+    <dgm:pt modelId="{73FB7446-89FA-42F2-B8BA-FF1EEF2DB6C4}" type="pres">
+      <dgm:prSet presAssocID="{D301751B-8B21-4FD5-97A6-691166840D4B}" presName="Childtext1" presStyleLbl="revTx" presStyleIdx="1" presStyleCnt="3">
+        <dgm:presLayoutVars>
+          <dgm:chMax val="0"/>
+          <dgm:chPref val="0"/>
+          <dgm:bulletEnabled val="1"/>
+        </dgm:presLayoutVars>
+      </dgm:prSet>
+      <dgm:spPr/>
+    </dgm:pt>
+    <dgm:pt modelId="{AE398B4B-3CE9-402C-B3B2-4E74E54F17BE}" type="pres">
+      <dgm:prSet presAssocID="{D301751B-8B21-4FD5-97A6-691166840D4B}" presName="BalanceSpacing" presStyleCnt="0"/>
+      <dgm:spPr/>
+    </dgm:pt>
+    <dgm:pt modelId="{4AA06A73-459D-4A06-8804-641B2BD9D2B3}" type="pres">
+      <dgm:prSet presAssocID="{D301751B-8B21-4FD5-97A6-691166840D4B}" presName="BalanceSpacing1" presStyleCnt="0"/>
+      <dgm:spPr/>
+    </dgm:pt>
+    <dgm:pt modelId="{300AC041-C8E0-430A-BA6B-96ED9005FC09}" type="pres">
+      <dgm:prSet presAssocID="{5B7EE80E-B992-488D-A5B2-08E0B13944DA}" presName="Accent1Text" presStyleLbl="node1" presStyleIdx="3" presStyleCnt="6"/>
+      <dgm:spPr/>
+    </dgm:pt>
+    <dgm:pt modelId="{9BA7C3D9-A646-45B9-B271-2E4D82EFAA4A}" type="pres">
+      <dgm:prSet presAssocID="{5B7EE80E-B992-488D-A5B2-08E0B13944DA}" presName="spaceBetweenRectangles" presStyleCnt="0"/>
+      <dgm:spPr/>
+    </dgm:pt>
+    <dgm:pt modelId="{0F66D5EC-06E0-4E60-9B3E-B834720EFBFB}" type="pres">
+      <dgm:prSet presAssocID="{CEF6FDC9-903F-4C39-91A5-C01BDA2CC53C}" presName="composite" presStyleCnt="0"/>
+      <dgm:spPr/>
+    </dgm:pt>
+    <dgm:pt modelId="{2E1001BA-3D57-429F-8B1B-CEEA63D1BB74}" type="pres">
+      <dgm:prSet presAssocID="{CEF6FDC9-903F-4C39-91A5-C01BDA2CC53C}" presName="Parent1" presStyleLbl="node1" presStyleIdx="4" presStyleCnt="6">
+        <dgm:presLayoutVars>
+          <dgm:chMax val="1"/>
+          <dgm:chPref val="1"/>
+          <dgm:bulletEnabled val="1"/>
+        </dgm:presLayoutVars>
+      </dgm:prSet>
+      <dgm:spPr/>
+    </dgm:pt>
+    <dgm:pt modelId="{B7EEDBF8-FDB4-4C53-8482-849626A2317C}" type="pres">
+      <dgm:prSet presAssocID="{CEF6FDC9-903F-4C39-91A5-C01BDA2CC53C}" presName="Childtext1" presStyleLbl="revTx" presStyleIdx="2" presStyleCnt="3">
+        <dgm:presLayoutVars>
+          <dgm:chMax val="0"/>
+          <dgm:chPref val="0"/>
+          <dgm:bulletEnabled val="1"/>
+        </dgm:presLayoutVars>
+      </dgm:prSet>
+      <dgm:spPr/>
+    </dgm:pt>
+    <dgm:pt modelId="{B010C079-D9B9-4280-B129-FFA75829BE9B}" type="pres">
+      <dgm:prSet presAssocID="{CEF6FDC9-903F-4C39-91A5-C01BDA2CC53C}" presName="BalanceSpacing" presStyleCnt="0"/>
+      <dgm:spPr/>
+    </dgm:pt>
+    <dgm:pt modelId="{6A36F45D-C928-4D08-8ACC-F811CF53E136}" type="pres">
+      <dgm:prSet presAssocID="{CEF6FDC9-903F-4C39-91A5-C01BDA2CC53C}" presName="BalanceSpacing1" presStyleCnt="0"/>
+      <dgm:spPr/>
+    </dgm:pt>
+    <dgm:pt modelId="{A90F0F5F-D5C5-46FB-A989-111E473F97E1}" type="pres">
+      <dgm:prSet presAssocID="{96DD25AE-A677-44FF-A468-0C639B2A49CE}" presName="Accent1Text" presStyleLbl="node1" presStyleIdx="5" presStyleCnt="6"/>
+      <dgm:spPr/>
+    </dgm:pt>
+  </dgm:ptLst>
+  <dgm:cxnLst>
+    <dgm:cxn modelId="{F7EB180A-131F-4655-A65B-CC3FFE116A2E}" type="presOf" srcId="{17E1D734-E95F-4418-B653-B336801AEEB4}" destId="{0F80E1A6-4748-4A71-951A-8E70A5416C2C}" srcOrd="0" destOrd="0" presId="urn:microsoft.com/office/officeart/2008/layout/AlternatingHexagons"/>
+    <dgm:cxn modelId="{7890CD10-726F-4CF2-9624-58FE59FC37B6}" type="presOf" srcId="{CEF6FDC9-903F-4C39-91A5-C01BDA2CC53C}" destId="{2E1001BA-3D57-429F-8B1B-CEEA63D1BB74}" srcOrd="0" destOrd="0" presId="urn:microsoft.com/office/officeart/2008/layout/AlternatingHexagons"/>
+    <dgm:cxn modelId="{6541DF14-BD1C-429E-8F37-52FF2FDCD517}" type="presOf" srcId="{5B7EE80E-B992-488D-A5B2-08E0B13944DA}" destId="{300AC041-C8E0-430A-BA6B-96ED9005FC09}" srcOrd="0" destOrd="0" presId="urn:microsoft.com/office/officeart/2008/layout/AlternatingHexagons"/>
+    <dgm:cxn modelId="{89A98C15-3A57-4328-A11C-52EEB5E244F4}" type="presOf" srcId="{FEF31D10-F444-42C0-A842-B43968C20B79}" destId="{CA79B623-BAEA-4E7D-97FC-F678C18702C5}" srcOrd="0" destOrd="0" presId="urn:microsoft.com/office/officeart/2008/layout/AlternatingHexagons"/>
+    <dgm:cxn modelId="{663AFF2F-E1C6-4326-85CA-1DC402F2E8D1}" srcId="{FEF31D10-F444-42C0-A842-B43968C20B79}" destId="{CEF6FDC9-903F-4C39-91A5-C01BDA2CC53C}" srcOrd="2" destOrd="0" parTransId="{DB562349-A146-43B9-873B-8A625147B477}" sibTransId="{96DD25AE-A677-44FF-A468-0C639B2A49CE}"/>
+    <dgm:cxn modelId="{03C98134-1461-4C4D-864D-329F4B8BF81F}" srcId="{D301751B-8B21-4FD5-97A6-691166840D4B}" destId="{5C5ABA2E-5CC1-48A5-8B25-DE67683CCEA7}" srcOrd="0" destOrd="0" parTransId="{331EA5DA-DE22-4DB7-A094-8087056F3BE7}" sibTransId="{A71B1E4C-2D73-487D-AB65-81DB948F3F36}"/>
+    <dgm:cxn modelId="{1D204D3B-31FA-4B87-87B8-0DA26AE6B80E}" srcId="{FEF31D10-F444-42C0-A842-B43968C20B79}" destId="{D301751B-8B21-4FD5-97A6-691166840D4B}" srcOrd="1" destOrd="0" parTransId="{C81FFF48-DD85-429B-9D78-E5069AABE02B}" sibTransId="{5B7EE80E-B992-488D-A5B2-08E0B13944DA}"/>
+    <dgm:cxn modelId="{527C0F62-CE07-4B64-AB97-85950F5B204C}" type="presOf" srcId="{5C5ABA2E-5CC1-48A5-8B25-DE67683CCEA7}" destId="{73FB7446-89FA-42F2-B8BA-FF1EEF2DB6C4}" srcOrd="0" destOrd="0" presId="urn:microsoft.com/office/officeart/2008/layout/AlternatingHexagons"/>
+    <dgm:cxn modelId="{FCE3E968-9F5A-46AB-9641-1CBE2334DCAC}" srcId="{FEF31D10-F444-42C0-A842-B43968C20B79}" destId="{CD6023AE-14D2-470A-8DDF-EB8E2C498029}" srcOrd="0" destOrd="0" parTransId="{3FF4AFD3-D2B4-40C8-81B8-2CA85B89FEE4}" sibTransId="{41C1E4F8-5767-4D67-89DD-B9FD77FF414D}"/>
+    <dgm:cxn modelId="{508ED549-D5E9-4F3D-AFA4-BAF54B97F676}" type="presOf" srcId="{D301751B-8B21-4FD5-97A6-691166840D4B}" destId="{E943A7AB-341A-46C7-9668-6101E351D5FD}" srcOrd="0" destOrd="0" presId="urn:microsoft.com/office/officeart/2008/layout/AlternatingHexagons"/>
+    <dgm:cxn modelId="{4BE91C6B-72D3-48D0-88E8-1F1CD7DF4FBB}" type="presOf" srcId="{96DD25AE-A677-44FF-A468-0C639B2A49CE}" destId="{A90F0F5F-D5C5-46FB-A989-111E473F97E1}" srcOrd="0" destOrd="0" presId="urn:microsoft.com/office/officeart/2008/layout/AlternatingHexagons"/>
+    <dgm:cxn modelId="{9C3171B1-C3F3-4CD8-BCF6-CE5910701B05}" type="presOf" srcId="{41C1E4F8-5767-4D67-89DD-B9FD77FF414D}" destId="{6EE67FB9-AB25-4554-A314-B98F7BFA0FD0}" srcOrd="0" destOrd="0" presId="urn:microsoft.com/office/officeart/2008/layout/AlternatingHexagons"/>
+    <dgm:cxn modelId="{749969B9-6856-4C0E-8467-080B64DD9161}" srcId="{CEF6FDC9-903F-4C39-91A5-C01BDA2CC53C}" destId="{37FC82FE-8DE2-4783-8D90-9162714F8C68}" srcOrd="0" destOrd="0" parTransId="{5EB33011-69D3-4459-A2C1-F4A9B5AF81D0}" sibTransId="{F9941125-5F98-4372-9747-2B8813224EE1}"/>
+    <dgm:cxn modelId="{98ADF9B9-3AC6-45F3-AC4A-B63C478604DE}" type="presOf" srcId="{CD6023AE-14D2-470A-8DDF-EB8E2C498029}" destId="{C4DAA743-0D34-4E1E-AD4C-AA42215E55C0}" srcOrd="0" destOrd="0" presId="urn:microsoft.com/office/officeart/2008/layout/AlternatingHexagons"/>
+    <dgm:cxn modelId="{E237A4D6-4960-4C5A-B1D7-33CF7D1592EE}" type="presOf" srcId="{37FC82FE-8DE2-4783-8D90-9162714F8C68}" destId="{B7EEDBF8-FDB4-4C53-8482-849626A2317C}" srcOrd="0" destOrd="0" presId="urn:microsoft.com/office/officeart/2008/layout/AlternatingHexagons"/>
+    <dgm:cxn modelId="{04C88BD8-612A-4B24-83C1-27D4DD978203}" srcId="{CD6023AE-14D2-470A-8DDF-EB8E2C498029}" destId="{17E1D734-E95F-4418-B653-B336801AEEB4}" srcOrd="0" destOrd="0" parTransId="{0E3D2319-E207-4E66-8CBD-B36F8C38693D}" sibTransId="{84B645C2-404D-4128-8DBC-CFAD5EB55BB1}"/>
+    <dgm:cxn modelId="{24368597-9124-4749-B61B-70A7FA04A953}" type="presParOf" srcId="{CA79B623-BAEA-4E7D-97FC-F678C18702C5}" destId="{2A70855D-BF9E-434C-A241-0D5DCFA588D4}" srcOrd="0" destOrd="0" presId="urn:microsoft.com/office/officeart/2008/layout/AlternatingHexagons"/>
+    <dgm:cxn modelId="{5BF736DE-9E57-4576-829B-FFEC6C763463}" type="presParOf" srcId="{2A70855D-BF9E-434C-A241-0D5DCFA588D4}" destId="{C4DAA743-0D34-4E1E-AD4C-AA42215E55C0}" srcOrd="0" destOrd="0" presId="urn:microsoft.com/office/officeart/2008/layout/AlternatingHexagons"/>
+    <dgm:cxn modelId="{88B4F7B5-433F-4538-BCA7-03B3369353DF}" type="presParOf" srcId="{2A70855D-BF9E-434C-A241-0D5DCFA588D4}" destId="{0F80E1A6-4748-4A71-951A-8E70A5416C2C}" srcOrd="1" destOrd="0" presId="urn:microsoft.com/office/officeart/2008/layout/AlternatingHexagons"/>
+    <dgm:cxn modelId="{55DA7F86-DEA0-4993-A2DC-F13075C081CA}" type="presParOf" srcId="{2A70855D-BF9E-434C-A241-0D5DCFA588D4}" destId="{29B3673A-FAD9-4724-B30F-A5475D1D41D4}" srcOrd="2" destOrd="0" presId="urn:microsoft.com/office/officeart/2008/layout/AlternatingHexagons"/>
+    <dgm:cxn modelId="{0CE4B81E-F0CD-49A9-B993-AB8B63E10EA2}" type="presParOf" srcId="{2A70855D-BF9E-434C-A241-0D5DCFA588D4}" destId="{6003A9F7-2ABF-4E06-8949-B616B674EDF5}" srcOrd="3" destOrd="0" presId="urn:microsoft.com/office/officeart/2008/layout/AlternatingHexagons"/>
+    <dgm:cxn modelId="{E76523F0-DE49-4A72-B680-EA52F30500DB}" type="presParOf" srcId="{2A70855D-BF9E-434C-A241-0D5DCFA588D4}" destId="{6EE67FB9-AB25-4554-A314-B98F7BFA0FD0}" srcOrd="4" destOrd="0" presId="urn:microsoft.com/office/officeart/2008/layout/AlternatingHexagons"/>
+    <dgm:cxn modelId="{470A7BEA-6D05-4C2D-80F4-461329D645A9}" type="presParOf" srcId="{CA79B623-BAEA-4E7D-97FC-F678C18702C5}" destId="{CBE25F14-59C2-4AB7-8469-0F1BFDA92FFF}" srcOrd="1" destOrd="0" presId="urn:microsoft.com/office/officeart/2008/layout/AlternatingHexagons"/>
+    <dgm:cxn modelId="{BAAF031B-641D-4097-9890-550924930B6A}" type="presParOf" srcId="{CA79B623-BAEA-4E7D-97FC-F678C18702C5}" destId="{8891C3F3-9F5C-4D77-AE7F-005BD7B93E2D}" srcOrd="2" destOrd="0" presId="urn:microsoft.com/office/officeart/2008/layout/AlternatingHexagons"/>
+    <dgm:cxn modelId="{4FB9006B-603B-427D-87CB-01D63C70D4E1}" type="presParOf" srcId="{8891C3F3-9F5C-4D77-AE7F-005BD7B93E2D}" destId="{E943A7AB-341A-46C7-9668-6101E351D5FD}" srcOrd="0" destOrd="0" presId="urn:microsoft.com/office/officeart/2008/layout/AlternatingHexagons"/>
+    <dgm:cxn modelId="{D043A77A-12C1-4BDB-A74A-99ADEFA3799C}" type="presParOf" srcId="{8891C3F3-9F5C-4D77-AE7F-005BD7B93E2D}" destId="{73FB7446-89FA-42F2-B8BA-FF1EEF2DB6C4}" srcOrd="1" destOrd="0" presId="urn:microsoft.com/office/officeart/2008/layout/AlternatingHexagons"/>
+    <dgm:cxn modelId="{B047D885-E96E-4A42-B4D0-FCA71470974D}" type="presParOf" srcId="{8891C3F3-9F5C-4D77-AE7F-005BD7B93E2D}" destId="{AE398B4B-3CE9-402C-B3B2-4E74E54F17BE}" srcOrd="2" destOrd="0" presId="urn:microsoft.com/office/officeart/2008/layout/AlternatingHexagons"/>
+    <dgm:cxn modelId="{3B9C8D34-646A-4EBA-A5DB-C3474BE6662B}" type="presParOf" srcId="{8891C3F3-9F5C-4D77-AE7F-005BD7B93E2D}" destId="{4AA06A73-459D-4A06-8804-641B2BD9D2B3}" srcOrd="3" destOrd="0" presId="urn:microsoft.com/office/officeart/2008/layout/AlternatingHexagons"/>
+    <dgm:cxn modelId="{6380F610-3426-40F0-BFFD-4D5C4A2C2196}" type="presParOf" srcId="{8891C3F3-9F5C-4D77-AE7F-005BD7B93E2D}" destId="{300AC041-C8E0-430A-BA6B-96ED9005FC09}" srcOrd="4" destOrd="0" presId="urn:microsoft.com/office/officeart/2008/layout/AlternatingHexagons"/>
+    <dgm:cxn modelId="{8994A60B-5019-4C7E-98AB-4590DF76B412}" type="presParOf" srcId="{CA79B623-BAEA-4E7D-97FC-F678C18702C5}" destId="{9BA7C3D9-A646-45B9-B271-2E4D82EFAA4A}" srcOrd="3" destOrd="0" presId="urn:microsoft.com/office/officeart/2008/layout/AlternatingHexagons"/>
+    <dgm:cxn modelId="{E12214B1-3060-4234-BD81-91FE7A116DE2}" type="presParOf" srcId="{CA79B623-BAEA-4E7D-97FC-F678C18702C5}" destId="{0F66D5EC-06E0-4E60-9B3E-B834720EFBFB}" srcOrd="4" destOrd="0" presId="urn:microsoft.com/office/officeart/2008/layout/AlternatingHexagons"/>
+    <dgm:cxn modelId="{8529DB4E-140E-4AAF-87E2-961E52C95A73}" type="presParOf" srcId="{0F66D5EC-06E0-4E60-9B3E-B834720EFBFB}" destId="{2E1001BA-3D57-429F-8B1B-CEEA63D1BB74}" srcOrd="0" destOrd="0" presId="urn:microsoft.com/office/officeart/2008/layout/AlternatingHexagons"/>
+    <dgm:cxn modelId="{480D606D-B741-46DC-BF13-6A05D0281E06}" type="presParOf" srcId="{0F66D5EC-06E0-4E60-9B3E-B834720EFBFB}" destId="{B7EEDBF8-FDB4-4C53-8482-849626A2317C}" srcOrd="1" destOrd="0" presId="urn:microsoft.com/office/officeart/2008/layout/AlternatingHexagons"/>
+    <dgm:cxn modelId="{1FFC5B4E-56E8-46EE-96AF-0B2D63F2B232}" type="presParOf" srcId="{0F66D5EC-06E0-4E60-9B3E-B834720EFBFB}" destId="{B010C079-D9B9-4280-B129-FFA75829BE9B}" srcOrd="2" destOrd="0" presId="urn:microsoft.com/office/officeart/2008/layout/AlternatingHexagons"/>
+    <dgm:cxn modelId="{91137305-FC15-4F88-BAAE-891BEA7AB783}" type="presParOf" srcId="{0F66D5EC-06E0-4E60-9B3E-B834720EFBFB}" destId="{6A36F45D-C928-4D08-8ACC-F811CF53E136}" srcOrd="3" destOrd="0" presId="urn:microsoft.com/office/officeart/2008/layout/AlternatingHexagons"/>
+    <dgm:cxn modelId="{F41EB831-E856-403D-8B1A-A1932AAE18A8}" type="presParOf" srcId="{0F66D5EC-06E0-4E60-9B3E-B834720EFBFB}" destId="{A90F0F5F-D5C5-46FB-A989-111E473F97E1}" srcOrd="4" destOrd="0" presId="urn:microsoft.com/office/officeart/2008/layout/AlternatingHexagons"/>
+  </dgm:cxnLst>
+  <dgm:bg/>
+  <dgm:whole/>
+  <dgm:extLst>
+    <a:ext uri="http://schemas.microsoft.com/office/drawing/2008/diagram">
+      <dsp:dataModelExt xmlns:dsp="http://schemas.microsoft.com/office/drawing/2008/diagram" relId="rId7" minVer="http://schemas.openxmlformats.org/drawingml/2006/diagram"/>
+    </a:ext>
+  </dgm:extLst>
+</dgm:dataModel>
+</file>
+
+<file path=ppt/diagrams/data2.xml><?xml version="1.0" encoding="utf-8"?>
+<dgm:dataModel xmlns:dgm="http://schemas.openxmlformats.org/drawingml/2006/diagram" xmlns:a="http://schemas.openxmlformats.org/drawingml/2006/main">
+  <dgm:ptLst>
+    <dgm:pt modelId="{FEF31D10-F444-42C0-A842-B43968C20B79}" type="doc">
+      <dgm:prSet loTypeId="urn:microsoft.com/office/officeart/2008/layout/AlternatingHexagons" loCatId="list" qsTypeId="urn:microsoft.com/office/officeart/2005/8/quickstyle/simple2" qsCatId="simple" csTypeId="urn:microsoft.com/office/officeart/2005/8/colors/accent2_3" csCatId="accent2" phldr="1"/>
+      <dgm:spPr/>
+      <dgm:t>
+        <a:bodyPr/>
+        <a:lstStyle/>
+        <a:p>
+          <a:endParaRPr lang="en-US"/>
+        </a:p>
+      </dgm:t>
+    </dgm:pt>
+    <dgm:pt modelId="{CD6023AE-14D2-470A-8DDF-EB8E2C498029}">
+      <dgm:prSet phldrT="[Text]"/>
+      <dgm:spPr/>
+      <dgm:t>
+        <a:bodyPr/>
+        <a:lstStyle/>
+        <a:p>
+          <a:r>
+            <a:rPr lang="en-US">
+              <a:solidFill>
+                <a:schemeClr val="bg1"/>
+              </a:solidFill>
+            </a:rPr>
+            <a:t>Time Management</a:t>
+          </a:r>
+          <a:endParaRPr lang="en-US" dirty="0">
+            <a:solidFill>
+              <a:schemeClr val="bg1"/>
+            </a:solidFill>
+          </a:endParaRPr>
+        </a:p>
+      </dgm:t>
+    </dgm:pt>
+    <dgm:pt modelId="{3FF4AFD3-D2B4-40C8-81B8-2CA85B89FEE4}" type="parTrans" cxnId="{FCE3E968-9F5A-46AB-9641-1CBE2334DCAC}">
+      <dgm:prSet/>
+      <dgm:spPr/>
+      <dgm:t>
+        <a:bodyPr/>
+        <a:lstStyle/>
+        <a:p>
+          <a:endParaRPr lang="en-US">
+            <a:solidFill>
+              <a:schemeClr val="bg1"/>
+            </a:solidFill>
+          </a:endParaRPr>
+        </a:p>
+      </dgm:t>
+    </dgm:pt>
+    <dgm:pt modelId="{41C1E4F8-5767-4D67-89DD-B9FD77FF414D}" type="sibTrans" cxnId="{FCE3E968-9F5A-46AB-9641-1CBE2334DCAC}">
+      <dgm:prSet/>
+      <dgm:spPr/>
+      <dgm:t>
+        <a:bodyPr/>
+        <a:lstStyle/>
+        <a:p>
+          <a:endParaRPr lang="en-US">
+            <a:solidFill>
+              <a:schemeClr val="bg1"/>
+            </a:solidFill>
+          </a:endParaRPr>
+        </a:p>
+      </dgm:t>
+    </dgm:pt>
+    <dgm:pt modelId="{17E1D734-E95F-4418-B653-B336801AEEB4}">
+      <dgm:prSet phldrT="[Text]"/>
+      <dgm:spPr/>
+      <dgm:t>
+        <a:bodyPr/>
+        <a:lstStyle/>
+        <a:p>
+          <a:r>
+            <a:rPr lang="en-US">
+              <a:solidFill>
+                <a:schemeClr val="bg1"/>
+              </a:solidFill>
+            </a:rPr>
+            <a:t>Planning</a:t>
+          </a:r>
+          <a:endParaRPr lang="en-US" dirty="0">
+            <a:solidFill>
+              <a:schemeClr val="bg1"/>
+            </a:solidFill>
+          </a:endParaRPr>
+        </a:p>
+      </dgm:t>
+    </dgm:pt>
+    <dgm:pt modelId="{0E3D2319-E207-4E66-8CBD-B36F8C38693D}" type="parTrans" cxnId="{04C88BD8-612A-4B24-83C1-27D4DD978203}">
+      <dgm:prSet/>
+      <dgm:spPr/>
+      <dgm:t>
+        <a:bodyPr/>
+        <a:lstStyle/>
+        <a:p>
+          <a:endParaRPr lang="en-US">
+            <a:solidFill>
+              <a:schemeClr val="bg1"/>
+            </a:solidFill>
+          </a:endParaRPr>
+        </a:p>
+      </dgm:t>
+    </dgm:pt>
+    <dgm:pt modelId="{84B645C2-404D-4128-8DBC-CFAD5EB55BB1}" type="sibTrans" cxnId="{04C88BD8-612A-4B24-83C1-27D4DD978203}">
+      <dgm:prSet/>
+      <dgm:spPr/>
+      <dgm:t>
+        <a:bodyPr/>
+        <a:lstStyle/>
+        <a:p>
+          <a:endParaRPr lang="en-US">
+            <a:solidFill>
+              <a:schemeClr val="bg1"/>
+            </a:solidFill>
+          </a:endParaRPr>
+        </a:p>
+      </dgm:t>
+    </dgm:pt>
+    <dgm:pt modelId="{D301751B-8B21-4FD5-97A6-691166840D4B}">
+      <dgm:prSet phldrT="[Text]"/>
+      <dgm:spPr/>
+      <dgm:t>
+        <a:bodyPr/>
+        <a:lstStyle/>
+        <a:p>
+          <a:r>
+            <a:rPr lang="en-US">
+              <a:solidFill>
+                <a:schemeClr val="bg1"/>
+              </a:solidFill>
+            </a:rPr>
+            <a:t>Finding an API that was reliable and detailed</a:t>
+          </a:r>
+          <a:endParaRPr lang="en-US" dirty="0">
+            <a:solidFill>
+              <a:schemeClr val="bg1"/>
+            </a:solidFill>
+          </a:endParaRPr>
+        </a:p>
+      </dgm:t>
+    </dgm:pt>
+    <dgm:pt modelId="{C81FFF48-DD85-429B-9D78-E5069AABE02B}" type="parTrans" cxnId="{1D204D3B-31FA-4B87-87B8-0DA26AE6B80E}">
+      <dgm:prSet/>
+      <dgm:spPr/>
+      <dgm:t>
+        <a:bodyPr/>
+        <a:lstStyle/>
+        <a:p>
+          <a:endParaRPr lang="en-US">
+            <a:solidFill>
+              <a:schemeClr val="bg1"/>
+            </a:solidFill>
+          </a:endParaRPr>
+        </a:p>
+      </dgm:t>
+    </dgm:pt>
+    <dgm:pt modelId="{5B7EE80E-B992-488D-A5B2-08E0B13944DA}" type="sibTrans" cxnId="{1D204D3B-31FA-4B87-87B8-0DA26AE6B80E}">
+      <dgm:prSet/>
+      <dgm:spPr/>
+      <dgm:t>
+        <a:bodyPr/>
+        <a:lstStyle/>
+        <a:p>
+          <a:endParaRPr lang="en-US">
+            <a:solidFill>
+              <a:schemeClr val="bg1"/>
+            </a:solidFill>
+          </a:endParaRPr>
+        </a:p>
+      </dgm:t>
+    </dgm:pt>
+    <dgm:pt modelId="{5C5ABA2E-5CC1-48A5-8B25-DE67683CCEA7}">
+      <dgm:prSet phldrT="[Text]"/>
+      <dgm:spPr/>
+      <dgm:t>
+        <a:bodyPr/>
+        <a:lstStyle/>
+        <a:p>
+          <a:r>
+            <a:rPr lang="en-US">
+              <a:solidFill>
+                <a:schemeClr val="bg1"/>
+              </a:solidFill>
+            </a:rPr>
+            <a:t>Backend</a:t>
+          </a:r>
+          <a:endParaRPr lang="en-US" dirty="0">
+            <a:solidFill>
+              <a:schemeClr val="bg1"/>
+            </a:solidFill>
+          </a:endParaRPr>
+        </a:p>
+      </dgm:t>
+    </dgm:pt>
+    <dgm:pt modelId="{331EA5DA-DE22-4DB7-A094-8087056F3BE7}" type="parTrans" cxnId="{03C98134-1461-4C4D-864D-329F4B8BF81F}">
+      <dgm:prSet/>
+      <dgm:spPr/>
+      <dgm:t>
+        <a:bodyPr/>
+        <a:lstStyle/>
+        <a:p>
+          <a:endParaRPr lang="en-US">
+            <a:solidFill>
+              <a:schemeClr val="bg1"/>
+            </a:solidFill>
+          </a:endParaRPr>
+        </a:p>
+      </dgm:t>
+    </dgm:pt>
+    <dgm:pt modelId="{A71B1E4C-2D73-487D-AB65-81DB948F3F36}" type="sibTrans" cxnId="{03C98134-1461-4C4D-864D-329F4B8BF81F}">
+      <dgm:prSet/>
+      <dgm:spPr/>
+      <dgm:t>
+        <a:bodyPr/>
+        <a:lstStyle/>
+        <a:p>
+          <a:endParaRPr lang="en-US">
+            <a:solidFill>
+              <a:schemeClr val="bg1"/>
+            </a:solidFill>
+          </a:endParaRPr>
+        </a:p>
+      </dgm:t>
+    </dgm:pt>
+    <dgm:pt modelId="{CEF6FDC9-903F-4C39-91A5-C01BDA2CC53C}">
+      <dgm:prSet phldrT="[Text]"/>
+      <dgm:spPr/>
+      <dgm:t>
+        <a:bodyPr/>
+        <a:lstStyle/>
+        <a:p>
+          <a:r>
+            <a:rPr lang="en-US">
+              <a:solidFill>
+                <a:schemeClr val="bg1"/>
+              </a:solidFill>
+            </a:rPr>
+            <a:t>Dynamic Layout design based on Dynamic content</a:t>
+          </a:r>
+          <a:endParaRPr lang="en-US" dirty="0">
+            <a:solidFill>
+              <a:schemeClr val="bg1"/>
+            </a:solidFill>
+          </a:endParaRPr>
+        </a:p>
+      </dgm:t>
+    </dgm:pt>
+    <dgm:pt modelId="{DB562349-A146-43B9-873B-8A625147B477}" type="parTrans" cxnId="{663AFF2F-E1C6-4326-85CA-1DC402F2E8D1}">
+      <dgm:prSet/>
+      <dgm:spPr/>
+      <dgm:t>
+        <a:bodyPr/>
+        <a:lstStyle/>
+        <a:p>
+          <a:endParaRPr lang="en-US">
+            <a:solidFill>
+              <a:schemeClr val="bg1"/>
+            </a:solidFill>
+          </a:endParaRPr>
+        </a:p>
+      </dgm:t>
+    </dgm:pt>
+    <dgm:pt modelId="{96DD25AE-A677-44FF-A468-0C639B2A49CE}" type="sibTrans" cxnId="{663AFF2F-E1C6-4326-85CA-1DC402F2E8D1}">
+      <dgm:prSet/>
+      <dgm:spPr/>
+      <dgm:t>
+        <a:bodyPr/>
+        <a:lstStyle/>
+        <a:p>
+          <a:endParaRPr lang="en-US">
+            <a:solidFill>
+              <a:schemeClr val="bg1"/>
+            </a:solidFill>
+          </a:endParaRPr>
+        </a:p>
+      </dgm:t>
+    </dgm:pt>
+    <dgm:pt modelId="{37FC82FE-8DE2-4783-8D90-9162714F8C68}">
+      <dgm:prSet phldrT="[Text]"/>
+      <dgm:spPr/>
+      <dgm:t>
+        <a:bodyPr/>
+        <a:lstStyle/>
+        <a:p>
+          <a:r>
+            <a:rPr lang="en-US">
+              <a:solidFill>
+                <a:schemeClr val="bg1"/>
+              </a:solidFill>
+            </a:rPr>
+            <a:t>Frontend</a:t>
+          </a:r>
+          <a:endParaRPr lang="en-US" dirty="0">
+            <a:solidFill>
+              <a:schemeClr val="bg1"/>
+            </a:solidFill>
+          </a:endParaRPr>
+        </a:p>
+      </dgm:t>
+    </dgm:pt>
+    <dgm:pt modelId="{5EB33011-69D3-4459-A2C1-F4A9B5AF81D0}" type="parTrans" cxnId="{749969B9-6856-4C0E-8467-080B64DD9161}">
+      <dgm:prSet/>
+      <dgm:spPr/>
+      <dgm:t>
+        <a:bodyPr/>
+        <a:lstStyle/>
+        <a:p>
+          <a:endParaRPr lang="en-US">
+            <a:solidFill>
+              <a:schemeClr val="bg1"/>
+            </a:solidFill>
+          </a:endParaRPr>
+        </a:p>
+      </dgm:t>
+    </dgm:pt>
+    <dgm:pt modelId="{F9941125-5F98-4372-9747-2B8813224EE1}" type="sibTrans" cxnId="{749969B9-6856-4C0E-8467-080B64DD9161}">
+      <dgm:prSet/>
+      <dgm:spPr/>
+      <dgm:t>
+        <a:bodyPr/>
+        <a:lstStyle/>
+        <a:p>
+          <a:endParaRPr lang="en-US">
+            <a:solidFill>
+              <a:schemeClr val="bg1"/>
+            </a:solidFill>
+          </a:endParaRPr>
+        </a:p>
+      </dgm:t>
+    </dgm:pt>
+    <dgm:pt modelId="{CA79B623-BAEA-4E7D-97FC-F678C18702C5}" type="pres">
+      <dgm:prSet presAssocID="{FEF31D10-F444-42C0-A842-B43968C20B79}" presName="Name0" presStyleCnt="0">
+        <dgm:presLayoutVars>
+          <dgm:chMax/>
+          <dgm:chPref/>
+          <dgm:dir/>
+          <dgm:animLvl val="lvl"/>
+        </dgm:presLayoutVars>
+      </dgm:prSet>
+      <dgm:spPr/>
+    </dgm:pt>
+    <dgm:pt modelId="{2A70855D-BF9E-434C-A241-0D5DCFA588D4}" type="pres">
+      <dgm:prSet presAssocID="{CD6023AE-14D2-470A-8DDF-EB8E2C498029}" presName="composite" presStyleCnt="0"/>
+      <dgm:spPr/>
+    </dgm:pt>
+    <dgm:pt modelId="{C4DAA743-0D34-4E1E-AD4C-AA42215E55C0}" type="pres">
+      <dgm:prSet presAssocID="{CD6023AE-14D2-470A-8DDF-EB8E2C498029}" presName="Parent1" presStyleLbl="node1" presStyleIdx="0" presStyleCnt="6">
+        <dgm:presLayoutVars>
+          <dgm:chMax val="1"/>
+          <dgm:chPref val="1"/>
+          <dgm:bulletEnabled val="1"/>
+        </dgm:presLayoutVars>
+      </dgm:prSet>
+      <dgm:spPr/>
+    </dgm:pt>
+    <dgm:pt modelId="{0F80E1A6-4748-4A71-951A-8E70A5416C2C}" type="pres">
+      <dgm:prSet presAssocID="{CD6023AE-14D2-470A-8DDF-EB8E2C498029}" presName="Childtext1" presStyleLbl="revTx" presStyleIdx="0" presStyleCnt="3">
+        <dgm:presLayoutVars>
+          <dgm:chMax val="0"/>
+          <dgm:chPref val="0"/>
+          <dgm:bulletEnabled val="1"/>
+        </dgm:presLayoutVars>
+      </dgm:prSet>
+      <dgm:spPr/>
+    </dgm:pt>
+    <dgm:pt modelId="{29B3673A-FAD9-4724-B30F-A5475D1D41D4}" type="pres">
+      <dgm:prSet presAssocID="{CD6023AE-14D2-470A-8DDF-EB8E2C498029}" presName="BalanceSpacing" presStyleCnt="0"/>
+      <dgm:spPr/>
+    </dgm:pt>
+    <dgm:pt modelId="{6003A9F7-2ABF-4E06-8949-B616B674EDF5}" type="pres">
+      <dgm:prSet presAssocID="{CD6023AE-14D2-470A-8DDF-EB8E2C498029}" presName="BalanceSpacing1" presStyleCnt="0"/>
+      <dgm:spPr/>
+    </dgm:pt>
+    <dgm:pt modelId="{6EE67FB9-AB25-4554-A314-B98F7BFA0FD0}" type="pres">
+      <dgm:prSet presAssocID="{41C1E4F8-5767-4D67-89DD-B9FD77FF414D}" presName="Accent1Text" presStyleLbl="node1" presStyleIdx="1" presStyleCnt="6"/>
+      <dgm:spPr/>
+    </dgm:pt>
+    <dgm:pt modelId="{CBE25F14-59C2-4AB7-8469-0F1BFDA92FFF}" type="pres">
+      <dgm:prSet presAssocID="{41C1E4F8-5767-4D67-89DD-B9FD77FF414D}" presName="spaceBetweenRectangles" presStyleCnt="0"/>
+      <dgm:spPr/>
+    </dgm:pt>
+    <dgm:pt modelId="{8891C3F3-9F5C-4D77-AE7F-005BD7B93E2D}" type="pres">
+      <dgm:prSet presAssocID="{D301751B-8B21-4FD5-97A6-691166840D4B}" presName="composite" presStyleCnt="0"/>
+      <dgm:spPr/>
+    </dgm:pt>
+    <dgm:pt modelId="{E943A7AB-341A-46C7-9668-6101E351D5FD}" type="pres">
+      <dgm:prSet presAssocID="{D301751B-8B21-4FD5-97A6-691166840D4B}" presName="Parent1" presStyleLbl="node1" presStyleIdx="2" presStyleCnt="6">
+        <dgm:presLayoutVars>
+          <dgm:chMax val="1"/>
+          <dgm:chPref val="1"/>
+          <dgm:bulletEnabled val="1"/>
+        </dgm:presLayoutVars>
+      </dgm:prSet>
+      <dgm:spPr/>
+    </dgm:pt>
+    <dgm:pt modelId="{73FB7446-89FA-42F2-B8BA-FF1EEF2DB6C4}" type="pres">
+      <dgm:prSet presAssocID="{D301751B-8B21-4FD5-97A6-691166840D4B}" presName="Childtext1" presStyleLbl="revTx" presStyleIdx="1" presStyleCnt="3">
+        <dgm:presLayoutVars>
+          <dgm:chMax val="0"/>
+          <dgm:chPref val="0"/>
+          <dgm:bulletEnabled val="1"/>
+        </dgm:presLayoutVars>
+      </dgm:prSet>
+      <dgm:spPr/>
+    </dgm:pt>
+    <dgm:pt modelId="{AE398B4B-3CE9-402C-B3B2-4E74E54F17BE}" type="pres">
+      <dgm:prSet presAssocID="{D301751B-8B21-4FD5-97A6-691166840D4B}" presName="BalanceSpacing" presStyleCnt="0"/>
+      <dgm:spPr/>
+    </dgm:pt>
+    <dgm:pt modelId="{4AA06A73-459D-4A06-8804-641B2BD9D2B3}" type="pres">
+      <dgm:prSet presAssocID="{D301751B-8B21-4FD5-97A6-691166840D4B}" presName="BalanceSpacing1" presStyleCnt="0"/>
+      <dgm:spPr/>
+    </dgm:pt>
+    <dgm:pt modelId="{300AC041-C8E0-430A-BA6B-96ED9005FC09}" type="pres">
+      <dgm:prSet presAssocID="{5B7EE80E-B992-488D-A5B2-08E0B13944DA}" presName="Accent1Text" presStyleLbl="node1" presStyleIdx="3" presStyleCnt="6"/>
+      <dgm:spPr/>
+    </dgm:pt>
+    <dgm:pt modelId="{9BA7C3D9-A646-45B9-B271-2E4D82EFAA4A}" type="pres">
+      <dgm:prSet presAssocID="{5B7EE80E-B992-488D-A5B2-08E0B13944DA}" presName="spaceBetweenRectangles" presStyleCnt="0"/>
+      <dgm:spPr/>
+    </dgm:pt>
+    <dgm:pt modelId="{0F66D5EC-06E0-4E60-9B3E-B834720EFBFB}" type="pres">
+      <dgm:prSet presAssocID="{CEF6FDC9-903F-4C39-91A5-C01BDA2CC53C}" presName="composite" presStyleCnt="0"/>
+      <dgm:spPr/>
+    </dgm:pt>
+    <dgm:pt modelId="{2E1001BA-3D57-429F-8B1B-CEEA63D1BB74}" type="pres">
+      <dgm:prSet presAssocID="{CEF6FDC9-903F-4C39-91A5-C01BDA2CC53C}" presName="Parent1" presStyleLbl="node1" presStyleIdx="4" presStyleCnt="6">
+        <dgm:presLayoutVars>
+          <dgm:chMax val="1"/>
+          <dgm:chPref val="1"/>
+          <dgm:bulletEnabled val="1"/>
+        </dgm:presLayoutVars>
+      </dgm:prSet>
+      <dgm:spPr/>
+    </dgm:pt>
+    <dgm:pt modelId="{B7EEDBF8-FDB4-4C53-8482-849626A2317C}" type="pres">
+      <dgm:prSet presAssocID="{CEF6FDC9-903F-4C39-91A5-C01BDA2CC53C}" presName="Childtext1" presStyleLbl="revTx" presStyleIdx="2" presStyleCnt="3">
+        <dgm:presLayoutVars>
+          <dgm:chMax val="0"/>
+          <dgm:chPref val="0"/>
+          <dgm:bulletEnabled val="1"/>
+        </dgm:presLayoutVars>
+      </dgm:prSet>
+      <dgm:spPr/>
+    </dgm:pt>
+    <dgm:pt modelId="{B010C079-D9B9-4280-B129-FFA75829BE9B}" type="pres">
+      <dgm:prSet presAssocID="{CEF6FDC9-903F-4C39-91A5-C01BDA2CC53C}" presName="BalanceSpacing" presStyleCnt="0"/>
+      <dgm:spPr/>
+    </dgm:pt>
+    <dgm:pt modelId="{6A36F45D-C928-4D08-8ACC-F811CF53E136}" type="pres">
+      <dgm:prSet presAssocID="{CEF6FDC9-903F-4C39-91A5-C01BDA2CC53C}" presName="BalanceSpacing1" presStyleCnt="0"/>
+      <dgm:spPr/>
+    </dgm:pt>
+    <dgm:pt modelId="{A90F0F5F-D5C5-46FB-A989-111E473F97E1}" type="pres">
+      <dgm:prSet presAssocID="{96DD25AE-A677-44FF-A468-0C639B2A49CE}" presName="Accent1Text" presStyleLbl="node1" presStyleIdx="5" presStyleCnt="6"/>
+      <dgm:spPr/>
+    </dgm:pt>
+  </dgm:ptLst>
+  <dgm:cxnLst>
+    <dgm:cxn modelId="{F7EB180A-131F-4655-A65B-CC3FFE116A2E}" type="presOf" srcId="{17E1D734-E95F-4418-B653-B336801AEEB4}" destId="{0F80E1A6-4748-4A71-951A-8E70A5416C2C}" srcOrd="0" destOrd="0" presId="urn:microsoft.com/office/officeart/2008/layout/AlternatingHexagons"/>
+    <dgm:cxn modelId="{7890CD10-726F-4CF2-9624-58FE59FC37B6}" type="presOf" srcId="{CEF6FDC9-903F-4C39-91A5-C01BDA2CC53C}" destId="{2E1001BA-3D57-429F-8B1B-CEEA63D1BB74}" srcOrd="0" destOrd="0" presId="urn:microsoft.com/office/officeart/2008/layout/AlternatingHexagons"/>
+    <dgm:cxn modelId="{6541DF14-BD1C-429E-8F37-52FF2FDCD517}" type="presOf" srcId="{5B7EE80E-B992-488D-A5B2-08E0B13944DA}" destId="{300AC041-C8E0-430A-BA6B-96ED9005FC09}" srcOrd="0" destOrd="0" presId="urn:microsoft.com/office/officeart/2008/layout/AlternatingHexagons"/>
+    <dgm:cxn modelId="{89A98C15-3A57-4328-A11C-52EEB5E244F4}" type="presOf" srcId="{FEF31D10-F444-42C0-A842-B43968C20B79}" destId="{CA79B623-BAEA-4E7D-97FC-F678C18702C5}" srcOrd="0" destOrd="0" presId="urn:microsoft.com/office/officeart/2008/layout/AlternatingHexagons"/>
+    <dgm:cxn modelId="{663AFF2F-E1C6-4326-85CA-1DC402F2E8D1}" srcId="{FEF31D10-F444-42C0-A842-B43968C20B79}" destId="{CEF6FDC9-903F-4C39-91A5-C01BDA2CC53C}" srcOrd="2" destOrd="0" parTransId="{DB562349-A146-43B9-873B-8A625147B477}" sibTransId="{96DD25AE-A677-44FF-A468-0C639B2A49CE}"/>
+    <dgm:cxn modelId="{03C98134-1461-4C4D-864D-329F4B8BF81F}" srcId="{D301751B-8B21-4FD5-97A6-691166840D4B}" destId="{5C5ABA2E-5CC1-48A5-8B25-DE67683CCEA7}" srcOrd="0" destOrd="0" parTransId="{331EA5DA-DE22-4DB7-A094-8087056F3BE7}" sibTransId="{A71B1E4C-2D73-487D-AB65-81DB948F3F36}"/>
+    <dgm:cxn modelId="{1D204D3B-31FA-4B87-87B8-0DA26AE6B80E}" srcId="{FEF31D10-F444-42C0-A842-B43968C20B79}" destId="{D301751B-8B21-4FD5-97A6-691166840D4B}" srcOrd="1" destOrd="0" parTransId="{C81FFF48-DD85-429B-9D78-E5069AABE02B}" sibTransId="{5B7EE80E-B992-488D-A5B2-08E0B13944DA}"/>
+    <dgm:cxn modelId="{527C0F62-CE07-4B64-AB97-85950F5B204C}" type="presOf" srcId="{5C5ABA2E-5CC1-48A5-8B25-DE67683CCEA7}" destId="{73FB7446-89FA-42F2-B8BA-FF1EEF2DB6C4}" srcOrd="0" destOrd="0" presId="urn:microsoft.com/office/officeart/2008/layout/AlternatingHexagons"/>
+    <dgm:cxn modelId="{FCE3E968-9F5A-46AB-9641-1CBE2334DCAC}" srcId="{FEF31D10-F444-42C0-A842-B43968C20B79}" destId="{CD6023AE-14D2-470A-8DDF-EB8E2C498029}" srcOrd="0" destOrd="0" parTransId="{3FF4AFD3-D2B4-40C8-81B8-2CA85B89FEE4}" sibTransId="{41C1E4F8-5767-4D67-89DD-B9FD77FF414D}"/>
+    <dgm:cxn modelId="{508ED549-D5E9-4F3D-AFA4-BAF54B97F676}" type="presOf" srcId="{D301751B-8B21-4FD5-97A6-691166840D4B}" destId="{E943A7AB-341A-46C7-9668-6101E351D5FD}" srcOrd="0" destOrd="0" presId="urn:microsoft.com/office/officeart/2008/layout/AlternatingHexagons"/>
+    <dgm:cxn modelId="{4BE91C6B-72D3-48D0-88E8-1F1CD7DF4FBB}" type="presOf" srcId="{96DD25AE-A677-44FF-A468-0C639B2A49CE}" destId="{A90F0F5F-D5C5-46FB-A989-111E473F97E1}" srcOrd="0" destOrd="0" presId="urn:microsoft.com/office/officeart/2008/layout/AlternatingHexagons"/>
+    <dgm:cxn modelId="{9C3171B1-C3F3-4CD8-BCF6-CE5910701B05}" type="presOf" srcId="{41C1E4F8-5767-4D67-89DD-B9FD77FF414D}" destId="{6EE67FB9-AB25-4554-A314-B98F7BFA0FD0}" srcOrd="0" destOrd="0" presId="urn:microsoft.com/office/officeart/2008/layout/AlternatingHexagons"/>
+    <dgm:cxn modelId="{749969B9-6856-4C0E-8467-080B64DD9161}" srcId="{CEF6FDC9-903F-4C39-91A5-C01BDA2CC53C}" destId="{37FC82FE-8DE2-4783-8D90-9162714F8C68}" srcOrd="0" destOrd="0" parTransId="{5EB33011-69D3-4459-A2C1-F4A9B5AF81D0}" sibTransId="{F9941125-5F98-4372-9747-2B8813224EE1}"/>
+    <dgm:cxn modelId="{98ADF9B9-3AC6-45F3-AC4A-B63C478604DE}" type="presOf" srcId="{CD6023AE-14D2-470A-8DDF-EB8E2C498029}" destId="{C4DAA743-0D34-4E1E-AD4C-AA42215E55C0}" srcOrd="0" destOrd="0" presId="urn:microsoft.com/office/officeart/2008/layout/AlternatingHexagons"/>
+    <dgm:cxn modelId="{E237A4D6-4960-4C5A-B1D7-33CF7D1592EE}" type="presOf" srcId="{37FC82FE-8DE2-4783-8D90-9162714F8C68}" destId="{B7EEDBF8-FDB4-4C53-8482-849626A2317C}" srcOrd="0" destOrd="0" presId="urn:microsoft.com/office/officeart/2008/layout/AlternatingHexagons"/>
+    <dgm:cxn modelId="{04C88BD8-612A-4B24-83C1-27D4DD978203}" srcId="{CD6023AE-14D2-470A-8DDF-EB8E2C498029}" destId="{17E1D734-E95F-4418-B653-B336801AEEB4}" srcOrd="0" destOrd="0" parTransId="{0E3D2319-E207-4E66-8CBD-B36F8C38693D}" sibTransId="{84B645C2-404D-4128-8DBC-CFAD5EB55BB1}"/>
+    <dgm:cxn modelId="{24368597-9124-4749-B61B-70A7FA04A953}" type="presParOf" srcId="{CA79B623-BAEA-4E7D-97FC-F678C18702C5}" destId="{2A70855D-BF9E-434C-A241-0D5DCFA588D4}" srcOrd="0" destOrd="0" presId="urn:microsoft.com/office/officeart/2008/layout/AlternatingHexagons"/>
+    <dgm:cxn modelId="{5BF736DE-9E57-4576-829B-FFEC6C763463}" type="presParOf" srcId="{2A70855D-BF9E-434C-A241-0D5DCFA588D4}" destId="{C4DAA743-0D34-4E1E-AD4C-AA42215E55C0}" srcOrd="0" destOrd="0" presId="urn:microsoft.com/office/officeart/2008/layout/AlternatingHexagons"/>
+    <dgm:cxn modelId="{88B4F7B5-433F-4538-BCA7-03B3369353DF}" type="presParOf" srcId="{2A70855D-BF9E-434C-A241-0D5DCFA588D4}" destId="{0F80E1A6-4748-4A71-951A-8E70A5416C2C}" srcOrd="1" destOrd="0" presId="urn:microsoft.com/office/officeart/2008/layout/AlternatingHexagons"/>
+    <dgm:cxn modelId="{55DA7F86-DEA0-4993-A2DC-F13075C081CA}" type="presParOf" srcId="{2A70855D-BF9E-434C-A241-0D5DCFA588D4}" destId="{29B3673A-FAD9-4724-B30F-A5475D1D41D4}" srcOrd="2" destOrd="0" presId="urn:microsoft.com/office/officeart/2008/layout/AlternatingHexagons"/>
+    <dgm:cxn modelId="{0CE4B81E-F0CD-49A9-B993-AB8B63E10EA2}" type="presParOf" srcId="{2A70855D-BF9E-434C-A241-0D5DCFA588D4}" destId="{6003A9F7-2ABF-4E06-8949-B616B674EDF5}" srcOrd="3" destOrd="0" presId="urn:microsoft.com/office/officeart/2008/layout/AlternatingHexagons"/>
+    <dgm:cxn modelId="{E76523F0-DE49-4A72-B680-EA52F30500DB}" type="presParOf" srcId="{2A70855D-BF9E-434C-A241-0D5DCFA588D4}" destId="{6EE67FB9-AB25-4554-A314-B98F7BFA0FD0}" srcOrd="4" destOrd="0" presId="urn:microsoft.com/office/officeart/2008/layout/AlternatingHexagons"/>
+    <dgm:cxn modelId="{470A7BEA-6D05-4C2D-80F4-461329D645A9}" type="presParOf" srcId="{CA79B623-BAEA-4E7D-97FC-F678C18702C5}" destId="{CBE25F14-59C2-4AB7-8469-0F1BFDA92FFF}" srcOrd="1" destOrd="0" presId="urn:microsoft.com/office/officeart/2008/layout/AlternatingHexagons"/>
+    <dgm:cxn modelId="{BAAF031B-641D-4097-9890-550924930B6A}" type="presParOf" srcId="{CA79B623-BAEA-4E7D-97FC-F678C18702C5}" destId="{8891C3F3-9F5C-4D77-AE7F-005BD7B93E2D}" srcOrd="2" destOrd="0" presId="urn:microsoft.com/office/officeart/2008/layout/AlternatingHexagons"/>
+    <dgm:cxn modelId="{4FB9006B-603B-427D-87CB-01D63C70D4E1}" type="presParOf" srcId="{8891C3F3-9F5C-4D77-AE7F-005BD7B93E2D}" destId="{E943A7AB-341A-46C7-9668-6101E351D5FD}" srcOrd="0" destOrd="0" presId="urn:microsoft.com/office/officeart/2008/layout/AlternatingHexagons"/>
+    <dgm:cxn modelId="{D043A77A-12C1-4BDB-A74A-99ADEFA3799C}" type="presParOf" srcId="{8891C3F3-9F5C-4D77-AE7F-005BD7B93E2D}" destId="{73FB7446-89FA-42F2-B8BA-FF1EEF2DB6C4}" srcOrd="1" destOrd="0" presId="urn:microsoft.com/office/officeart/2008/layout/AlternatingHexagons"/>
+    <dgm:cxn modelId="{B047D885-E96E-4A42-B4D0-FCA71470974D}" type="presParOf" srcId="{8891C3F3-9F5C-4D77-AE7F-005BD7B93E2D}" destId="{AE398B4B-3CE9-402C-B3B2-4E74E54F17BE}" srcOrd="2" destOrd="0" presId="urn:microsoft.com/office/officeart/2008/layout/AlternatingHexagons"/>
+    <dgm:cxn modelId="{3B9C8D34-646A-4EBA-A5DB-C3474BE6662B}" type="presParOf" srcId="{8891C3F3-9F5C-4D77-AE7F-005BD7B93E2D}" destId="{4AA06A73-459D-4A06-8804-641B2BD9D2B3}" srcOrd="3" destOrd="0" presId="urn:microsoft.com/office/officeart/2008/layout/AlternatingHexagons"/>
+    <dgm:cxn modelId="{6380F610-3426-40F0-BFFD-4D5C4A2C2196}" type="presParOf" srcId="{8891C3F3-9F5C-4D77-AE7F-005BD7B93E2D}" destId="{300AC041-C8E0-430A-BA6B-96ED9005FC09}" srcOrd="4" destOrd="0" presId="urn:microsoft.com/office/officeart/2008/layout/AlternatingHexagons"/>
+    <dgm:cxn modelId="{8994A60B-5019-4C7E-98AB-4590DF76B412}" type="presParOf" srcId="{CA79B623-BAEA-4E7D-97FC-F678C18702C5}" destId="{9BA7C3D9-A646-45B9-B271-2E4D82EFAA4A}" srcOrd="3" destOrd="0" presId="urn:microsoft.com/office/officeart/2008/layout/AlternatingHexagons"/>
+    <dgm:cxn modelId="{E12214B1-3060-4234-BD81-91FE7A116DE2}" type="presParOf" srcId="{CA79B623-BAEA-4E7D-97FC-F678C18702C5}" destId="{0F66D5EC-06E0-4E60-9B3E-B834720EFBFB}" srcOrd="4" destOrd="0" presId="urn:microsoft.com/office/officeart/2008/layout/AlternatingHexagons"/>
+    <dgm:cxn modelId="{8529DB4E-140E-4AAF-87E2-961E52C95A73}" type="presParOf" srcId="{0F66D5EC-06E0-4E60-9B3E-B834720EFBFB}" destId="{2E1001BA-3D57-429F-8B1B-CEEA63D1BB74}" srcOrd="0" destOrd="0" presId="urn:microsoft.com/office/officeart/2008/layout/AlternatingHexagons"/>
+    <dgm:cxn modelId="{480D606D-B741-46DC-BF13-6A05D0281E06}" type="presParOf" srcId="{0F66D5EC-06E0-4E60-9B3E-B834720EFBFB}" destId="{B7EEDBF8-FDB4-4C53-8482-849626A2317C}" srcOrd="1" destOrd="0" presId="urn:microsoft.com/office/officeart/2008/layout/AlternatingHexagons"/>
+    <dgm:cxn modelId="{1FFC5B4E-56E8-46EE-96AF-0B2D63F2B232}" type="presParOf" srcId="{0F66D5EC-06E0-4E60-9B3E-B834720EFBFB}" destId="{B010C079-D9B9-4280-B129-FFA75829BE9B}" srcOrd="2" destOrd="0" presId="urn:microsoft.com/office/officeart/2008/layout/AlternatingHexagons"/>
+    <dgm:cxn modelId="{91137305-FC15-4F88-BAAE-891BEA7AB783}" type="presParOf" srcId="{0F66D5EC-06E0-4E60-9B3E-B834720EFBFB}" destId="{6A36F45D-C928-4D08-8ACC-F811CF53E136}" srcOrd="3" destOrd="0" presId="urn:microsoft.com/office/officeart/2008/layout/AlternatingHexagons"/>
+    <dgm:cxn modelId="{F41EB831-E856-403D-8B1A-A1932AAE18A8}" type="presParOf" srcId="{0F66D5EC-06E0-4E60-9B3E-B834720EFBFB}" destId="{A90F0F5F-D5C5-46FB-A989-111E473F97E1}" srcOrd="4" destOrd="0" presId="urn:microsoft.com/office/officeart/2008/layout/AlternatingHexagons"/>
+  </dgm:cxnLst>
+  <dgm:bg/>
+  <dgm:whole/>
+  <dgm:extLst>
+    <a:ext uri="http://schemas.microsoft.com/office/drawing/2008/diagram">
+      <dsp:dataModelExt xmlns:dsp="http://schemas.microsoft.com/office/drawing/2008/diagram" relId="rId7" minVer="http://schemas.openxmlformats.org/drawingml/2006/diagram"/>
+    </a:ext>
+  </dgm:extLst>
+</dgm:dataModel>
+</file>
+
+<file path=ppt/diagrams/data3.xml><?xml version="1.0" encoding="utf-8"?>
+<dgm:dataModel xmlns:dgm="http://schemas.openxmlformats.org/drawingml/2006/diagram" xmlns:a="http://schemas.openxmlformats.org/drawingml/2006/main">
+  <dgm:ptLst>
     <dgm:pt modelId="{681DA36F-6492-4E08-9BDA-2880FF9A0A0F}" type="doc">
       <dgm:prSet loTypeId="urn:microsoft.com/office/officeart/2005/8/layout/hProcess10" loCatId="process" qsTypeId="urn:microsoft.com/office/officeart/2005/8/quickstyle/simple1" qsCatId="simple" csTypeId="urn:microsoft.com/office/officeart/2005/8/colors/accent1_2" csCatId="accent1" phldr="1"/>
       <dgm:spPr/>
@@ -1685,166 +4333,6 @@
         </a:p>
       </dgm:t>
     </dgm:pt>
-    <dgm:pt modelId="{65F2AF61-DCD6-47D5-8F5E-FA48B1830E7F}">
-      <dgm:prSet phldrT="[Text]"/>
-      <dgm:spPr/>
-      <dgm:t>
-        <a:bodyPr/>
-        <a:lstStyle/>
-        <a:p>
-          <a:r>
-            <a:rPr lang="en-US" dirty="0"/>
-            <a:t>Toggle for Subject</a:t>
-          </a:r>
-        </a:p>
-      </dgm:t>
-    </dgm:pt>
-    <dgm:pt modelId="{EC5A3B26-BF8B-4A74-89EB-4FC0753476FE}" type="parTrans" cxnId="{7C3E9064-1B0D-4E46-988E-6CA50833E984}">
-      <dgm:prSet/>
-      <dgm:spPr/>
-      <dgm:t>
-        <a:bodyPr/>
-        <a:lstStyle/>
-        <a:p>
-          <a:endParaRPr lang="en-US"/>
-        </a:p>
-      </dgm:t>
-    </dgm:pt>
-    <dgm:pt modelId="{36E7472C-C536-41CC-9E3B-D4410DB52014}" type="sibTrans" cxnId="{7C3E9064-1B0D-4E46-988E-6CA50833E984}">
-      <dgm:prSet/>
-      <dgm:spPr/>
-      <dgm:t>
-        <a:bodyPr/>
-        <a:lstStyle/>
-        <a:p>
-          <a:endParaRPr lang="en-US"/>
-        </a:p>
-      </dgm:t>
-    </dgm:pt>
-    <dgm:pt modelId="{EB60D37A-A127-48A0-8F24-69B4D39352E5}">
-      <dgm:prSet phldrT="[Text]"/>
-      <dgm:spPr/>
-      <dgm:t>
-        <a:bodyPr/>
-        <a:lstStyle/>
-        <a:p>
-          <a:r>
-            <a:rPr lang="en-US" dirty="0"/>
-            <a:t>Toggle for Author</a:t>
-          </a:r>
-        </a:p>
-      </dgm:t>
-    </dgm:pt>
-    <dgm:pt modelId="{C0ABA0CE-969A-436C-8510-C83FEE7CB377}" type="parTrans" cxnId="{0EFF93FE-B133-4F00-AB1E-BF0BDFC9C152}">
-      <dgm:prSet/>
-      <dgm:spPr/>
-      <dgm:t>
-        <a:bodyPr/>
-        <a:lstStyle/>
-        <a:p>
-          <a:endParaRPr lang="en-US"/>
-        </a:p>
-      </dgm:t>
-    </dgm:pt>
-    <dgm:pt modelId="{01E52F9F-3658-47EA-A662-B52414F1C8D4}" type="sibTrans" cxnId="{0EFF93FE-B133-4F00-AB1E-BF0BDFC9C152}">
-      <dgm:prSet/>
-      <dgm:spPr/>
-      <dgm:t>
-        <a:bodyPr/>
-        <a:lstStyle/>
-        <a:p>
-          <a:endParaRPr lang="en-US"/>
-        </a:p>
-      </dgm:t>
-    </dgm:pt>
-    <dgm:pt modelId="{80D2FE66-3C72-4D11-9777-2D493E6102AF}">
-      <dgm:prSet phldrT="[Text]"/>
-      <dgm:spPr/>
-      <dgm:t>
-        <a:bodyPr/>
-        <a:lstStyle/>
-        <a:p>
-          <a:r>
-            <a:rPr lang="en-US" dirty="0"/>
-            <a:t>If “</a:t>
-          </a:r>
-          <a:r>
-            <a:rPr lang="en-US" dirty="0" err="1"/>
-            <a:t>searchTermInSubject</a:t>
-          </a:r>
-          <a:r>
-            <a:rPr lang="en-US" dirty="0"/>
-            <a:t>” = true, filter results</a:t>
-          </a:r>
-        </a:p>
-      </dgm:t>
-    </dgm:pt>
-    <dgm:pt modelId="{1706571D-358C-490E-8888-0AAF0CEC165C}" type="parTrans" cxnId="{F8E12F3A-F7A9-4659-816F-0B0C0EDFEDE1}">
-      <dgm:prSet/>
-      <dgm:spPr/>
-      <dgm:t>
-        <a:bodyPr/>
-        <a:lstStyle/>
-        <a:p>
-          <a:endParaRPr lang="en-US"/>
-        </a:p>
-      </dgm:t>
-    </dgm:pt>
-    <dgm:pt modelId="{3DD41F85-F526-43CC-90F7-9A355E474ABF}" type="sibTrans" cxnId="{F8E12F3A-F7A9-4659-816F-0B0C0EDFEDE1}">
-      <dgm:prSet/>
-      <dgm:spPr/>
-      <dgm:t>
-        <a:bodyPr/>
-        <a:lstStyle/>
-        <a:p>
-          <a:endParaRPr lang="en-US"/>
-        </a:p>
-      </dgm:t>
-    </dgm:pt>
-    <dgm:pt modelId="{42C8E287-4676-4F6C-B4F2-654532F0C051}">
-      <dgm:prSet phldrT="[Text]"/>
-      <dgm:spPr/>
-      <dgm:t>
-        <a:bodyPr/>
-        <a:lstStyle/>
-        <a:p>
-          <a:r>
-            <a:rPr lang="en-US" dirty="0"/>
-            <a:t>If “</a:t>
-          </a:r>
-          <a:r>
-            <a:rPr lang="en-US" dirty="0" err="1"/>
-            <a:t>searchTermInAuthor</a:t>
-          </a:r>
-          <a:r>
-            <a:rPr lang="en-US" dirty="0"/>
-            <a:t>” = true, filter results</a:t>
-          </a:r>
-        </a:p>
-      </dgm:t>
-    </dgm:pt>
-    <dgm:pt modelId="{B71F05D3-C909-4025-8A56-5D265D627321}" type="parTrans" cxnId="{B51442C1-9C08-4CDD-8F8E-68AC0961CF22}">
-      <dgm:prSet/>
-      <dgm:spPr/>
-      <dgm:t>
-        <a:bodyPr/>
-        <a:lstStyle/>
-        <a:p>
-          <a:endParaRPr lang="en-US"/>
-        </a:p>
-      </dgm:t>
-    </dgm:pt>
-    <dgm:pt modelId="{B967CAB9-D0FD-482F-94DF-52AF705A9034}" type="sibTrans" cxnId="{B51442C1-9C08-4CDD-8F8E-68AC0961CF22}">
-      <dgm:prSet/>
-      <dgm:spPr/>
-      <dgm:t>
-        <a:bodyPr/>
-        <a:lstStyle/>
-        <a:p>
-          <a:endParaRPr lang="en-US"/>
-        </a:p>
-      </dgm:t>
-    </dgm:pt>
     <dgm:pt modelId="{8042FA48-81F6-4DB1-9996-1AE8EF0D106F}" type="pres">
       <dgm:prSet presAssocID="{681DA36F-6492-4E08-9BDA-2880FF9A0A0F}" presName="Name0" presStyleCnt="0">
         <dgm:presLayoutVars>
@@ -1926,17 +4414,13 @@
     <dgm:cxn modelId="{DE1CDE21-5E78-4911-9CA9-726C9F9780CE}" srcId="{681DA36F-6492-4E08-9BDA-2880FF9A0A0F}" destId="{21FAA8CB-D628-4566-9361-CF19B9A7B63A}" srcOrd="1" destOrd="0" parTransId="{3D1D509F-A50C-41C2-8546-D38992C63A3B}" sibTransId="{16AEF0B7-C136-4809-8027-CC8CEA34EF37}"/>
     <dgm:cxn modelId="{B62B5931-20B1-4936-8F36-F8A3CA0B918A}" type="presOf" srcId="{75946CA7-9F3A-4CB4-A023-8CE17C8A6F8D}" destId="{BFC9140C-E584-4122-9648-71323AFE3086}" srcOrd="0" destOrd="11" presId="urn:microsoft.com/office/officeart/2005/8/layout/hProcess10"/>
     <dgm:cxn modelId="{44582438-CB67-4EE9-9BF7-9226AB04EC95}" srcId="{BC31E9B6-484A-495A-B68F-A349A95A244B}" destId="{C5D7D70C-E1DA-4060-B8A9-A2D6FA6D3778}" srcOrd="0" destOrd="0" parTransId="{C930B4D3-5F37-40AF-B4AC-CF0FCA6309F6}" sibTransId="{540CBEC8-A5E3-488A-8390-4DB15D6D35F8}"/>
-    <dgm:cxn modelId="{F8E12F3A-F7A9-4659-816F-0B0C0EDFEDE1}" srcId="{65F2AF61-DCD6-47D5-8F5E-FA48B1830E7F}" destId="{80D2FE66-3C72-4D11-9777-2D493E6102AF}" srcOrd="0" destOrd="0" parTransId="{1706571D-358C-490E-8888-0AAF0CEC165C}" sibTransId="{3DD41F85-F526-43CC-90F7-9A355E474ABF}"/>
-    <dgm:cxn modelId="{7C3E9064-1B0D-4E46-988E-6CA50833E984}" srcId="{F50D3F02-0C43-44F8-87C9-59778A37EB99}" destId="{65F2AF61-DCD6-47D5-8F5E-FA48B1830E7F}" srcOrd="2" destOrd="0" parTransId="{EC5A3B26-BF8B-4A74-89EB-4FC0753476FE}" sibTransId="{36E7472C-C536-41CC-9E3B-D4410DB52014}"/>
     <dgm:cxn modelId="{4E5A2547-5A94-4B4C-BFBE-1B60D8179F20}" type="presOf" srcId="{BC31E9B6-484A-495A-B68F-A349A95A244B}" destId="{443476A2-68DD-4BB4-AB92-0DEABD40878C}" srcOrd="0" destOrd="0" presId="urn:microsoft.com/office/officeart/2005/8/layout/hProcess10"/>
     <dgm:cxn modelId="{88D65367-4154-495B-8F51-D0303BBBE1E0}" type="presOf" srcId="{56A76D16-D060-4D76-906F-7088E297B2CC}" destId="{BFC9140C-E584-4122-9648-71323AFE3086}" srcOrd="0" destOrd="1" presId="urn:microsoft.com/office/officeart/2005/8/layout/hProcess10"/>
     <dgm:cxn modelId="{B0110069-0971-4737-A6E5-7B79747FFB7F}" type="presOf" srcId="{01FA87A1-CBDE-4753-A868-555A7AC4E300}" destId="{BFC9140C-E584-4122-9648-71323AFE3086}" srcOrd="0" destOrd="2" presId="urn:microsoft.com/office/officeart/2005/8/layout/hProcess10"/>
     <dgm:cxn modelId="{6FB2194B-C1FC-4CA1-B5AC-A1B8535B10E7}" srcId="{56A76D16-D060-4D76-906F-7088E297B2CC}" destId="{01FA87A1-CBDE-4753-A868-555A7AC4E300}" srcOrd="0" destOrd="0" parTransId="{D0B10359-C6DF-435A-A3E5-626BDFF8CC53}" sibTransId="{2572453F-FBA9-4EDD-A5D5-C3D156D1EB80}"/>
     <dgm:cxn modelId="{F62AB16D-9A0A-4B81-8300-2FAC99E66DFA}" srcId="{0C2A4AEE-3EBA-40B6-B058-58CF0680FB0E}" destId="{BB127B13-EEEB-401F-ADFA-7AE0E4BCFBDE}" srcOrd="1" destOrd="0" parTransId="{D4F78BDD-1E16-492A-88FE-6A9BE1CCC2A4}" sibTransId="{B6211353-5B45-4870-AC72-E7528922F844}"/>
     <dgm:cxn modelId="{422D476F-23D7-4A32-930D-EB8D1CFC0B77}" type="presOf" srcId="{91DD41B7-2FA3-4D08-92EC-572E8B68111F}" destId="{DE36C79E-E09A-4A24-8C7A-FB7DE751B69F}" srcOrd="0" destOrd="1" presId="urn:microsoft.com/office/officeart/2005/8/layout/hProcess10"/>
-    <dgm:cxn modelId="{F0F9BA71-5272-407C-A80E-D18947F5CD09}" type="presOf" srcId="{EB60D37A-A127-48A0-8F24-69B4D39352E5}" destId="{DE36C79E-E09A-4A24-8C7A-FB7DE751B69F}" srcOrd="0" destOrd="5" presId="urn:microsoft.com/office/officeart/2005/8/layout/hProcess10"/>
     <dgm:cxn modelId="{70115455-996A-41A9-951B-0D38C30D534A}" srcId="{21FAA8CB-D628-4566-9361-CF19B9A7B63A}" destId="{56A76D16-D060-4D76-906F-7088E297B2CC}" srcOrd="0" destOrd="0" parTransId="{C166B363-B441-44E3-89E5-3E49A9D35620}" sibTransId="{8C9695E7-BC44-466B-B63E-F41F22A881E2}"/>
-    <dgm:cxn modelId="{AB87DD55-F398-4022-A1EE-9E67377C2AD4}" type="presOf" srcId="{42C8E287-4676-4F6C-B4F2-654532F0C051}" destId="{DE36C79E-E09A-4A24-8C7A-FB7DE751B69F}" srcOrd="0" destOrd="6" presId="urn:microsoft.com/office/officeart/2005/8/layout/hProcess10"/>
     <dgm:cxn modelId="{AA668477-7ECA-4AE8-87A6-6FB0E4A19C63}" type="presOf" srcId="{7186D38D-9086-4A48-BC37-901589AB0C6C}" destId="{BFC9140C-E584-4122-9648-71323AFE3086}" srcOrd="0" destOrd="12" presId="urn:microsoft.com/office/officeart/2005/8/layout/hProcess10"/>
     <dgm:cxn modelId="{108AC284-4481-4DE1-95DB-F66AAF42CE23}" type="presOf" srcId="{A37DE00B-F48B-4359-B030-349137084385}" destId="{DE36C79E-E09A-4A24-8C7A-FB7DE751B69F}" srcOrd="0" destOrd="2" presId="urn:microsoft.com/office/officeart/2005/8/layout/hProcess10"/>
     <dgm:cxn modelId="{03CFF985-9E15-4041-ACD5-4A0DD1991B3C}" srcId="{F50D3F02-0C43-44F8-87C9-59778A37EB99}" destId="{91DD41B7-2FA3-4D08-92EC-572E8B68111F}" srcOrd="0" destOrd="0" parTransId="{9D630457-2918-4A8B-881A-0E4C1A338341}" sibTransId="{D2B3F96A-71BF-4243-B94E-82256D8F747B}"/>
@@ -1955,11 +4439,8 @@
     <dgm:cxn modelId="{8CECE8AF-1C8E-46A7-AB75-841C840D222E}" type="presOf" srcId="{BB127B13-EEEB-401F-ADFA-7AE0E4BCFBDE}" destId="{BFC9140C-E584-4122-9648-71323AFE3086}" srcOrd="0" destOrd="5" presId="urn:microsoft.com/office/officeart/2005/8/layout/hProcess10"/>
     <dgm:cxn modelId="{EF01ECB0-CFBF-49E7-A1E7-83EE390A9A53}" srcId="{F50D3F02-0C43-44F8-87C9-59778A37EB99}" destId="{A37DE00B-F48B-4359-B030-349137084385}" srcOrd="1" destOrd="0" parTransId="{39CB6C89-5BCE-4DFB-BF8E-CC42854BA874}" sibTransId="{749198A7-A5A7-4A3E-AFAD-CCCAFB2B568F}"/>
     <dgm:cxn modelId="{CDA93EBA-7B7F-4D76-80B0-9EE4FF67C2F7}" type="presOf" srcId="{0AAA878F-1C1B-4923-9740-34EA4ADC0ECF}" destId="{FCD8637E-D600-41B9-8013-3BDC528F04DD}" srcOrd="0" destOrd="0" presId="urn:microsoft.com/office/officeart/2005/8/layout/hProcess10"/>
-    <dgm:cxn modelId="{6ECDE0BB-3CCB-423E-BEA5-1AC1F1A914B8}" type="presOf" srcId="{65F2AF61-DCD6-47D5-8F5E-FA48B1830E7F}" destId="{DE36C79E-E09A-4A24-8C7A-FB7DE751B69F}" srcOrd="0" destOrd="3" presId="urn:microsoft.com/office/officeart/2005/8/layout/hProcess10"/>
     <dgm:cxn modelId="{E071B3BD-6460-444B-A725-E925EA1CA09F}" type="presOf" srcId="{2F374E17-6197-46B9-AA49-93C79156F183}" destId="{BFC9140C-E584-4122-9648-71323AFE3086}" srcOrd="0" destOrd="4" presId="urn:microsoft.com/office/officeart/2005/8/layout/hProcess10"/>
-    <dgm:cxn modelId="{B51442C1-9C08-4CDD-8F8E-68AC0961CF22}" srcId="{EB60D37A-A127-48A0-8F24-69B4D39352E5}" destId="{42C8E287-4676-4F6C-B4F2-654532F0C051}" srcOrd="0" destOrd="0" parTransId="{B71F05D3-C909-4025-8A56-5D265D627321}" sibTransId="{B967CAB9-D0FD-482F-94DF-52AF705A9034}"/>
     <dgm:cxn modelId="{14014FC3-1EEC-4D93-B8C5-18343BBF9CF1}" type="presOf" srcId="{21FAA8CB-D628-4566-9361-CF19B9A7B63A}" destId="{BFC9140C-E584-4122-9648-71323AFE3086}" srcOrd="0" destOrd="0" presId="urn:microsoft.com/office/officeart/2005/8/layout/hProcess10"/>
-    <dgm:cxn modelId="{46C84FC5-0874-48DD-A23A-C9F5392099C8}" type="presOf" srcId="{80D2FE66-3C72-4D11-9777-2D493E6102AF}" destId="{DE36C79E-E09A-4A24-8C7A-FB7DE751B69F}" srcOrd="0" destOrd="4" presId="urn:microsoft.com/office/officeart/2005/8/layout/hProcess10"/>
     <dgm:cxn modelId="{20C7A5D7-D7E0-4A01-87C2-859A4D6235AC}" srcId="{681DA36F-6492-4E08-9BDA-2880FF9A0A0F}" destId="{F50D3F02-0C43-44F8-87C9-59778A37EB99}" srcOrd="2" destOrd="0" parTransId="{CEEBC2AC-486D-4FD2-9F9E-ACB83C9FEBB5}" sibTransId="{35684B87-CC9C-494A-902E-89C81BD52C5F}"/>
     <dgm:cxn modelId="{C498EFDE-3645-4096-8EB1-354A2FC6E6FD}" type="presOf" srcId="{6CB82122-1914-45E3-9FBB-0269E11295C2}" destId="{BFC9140C-E584-4122-9648-71323AFE3086}" srcOrd="0" destOrd="6" presId="urn:microsoft.com/office/officeart/2005/8/layout/hProcess10"/>
     <dgm:cxn modelId="{77F24CE9-9ADF-446A-9EEA-B605494F576A}" type="presOf" srcId="{C5D7D70C-E1DA-4060-B8A9-A2D6FA6D3778}" destId="{443476A2-68DD-4BB4-AB92-0DEABD40878C}" srcOrd="0" destOrd="1" presId="urn:microsoft.com/office/officeart/2005/8/layout/hProcess10"/>
@@ -1968,7 +4449,6 @@
     <dgm:cxn modelId="{2D98F8EB-504A-4CE0-8501-3C88861D52E1}" srcId="{0C2A4AEE-3EBA-40B6-B058-58CF0680FB0E}" destId="{75946CA7-9F3A-4CB4-A023-8CE17C8A6F8D}" srcOrd="7" destOrd="0" parTransId="{A510450D-9290-44CF-B5F3-DCE65CF523C6}" sibTransId="{FF74E6CF-053B-4248-83A4-BD16E911147D}"/>
     <dgm:cxn modelId="{614FF8F2-7E0F-4A7A-8181-3CE794BBA695}" type="presOf" srcId="{0AAA878F-1C1B-4923-9740-34EA4ADC0ECF}" destId="{B5A4FAFB-566A-4EEF-9A00-609780D3664C}" srcOrd="1" destOrd="0" presId="urn:microsoft.com/office/officeart/2005/8/layout/hProcess10"/>
     <dgm:cxn modelId="{4FFC2BF8-5D3C-4F9F-ADCA-D4F601DB1F80}" srcId="{0C2A4AEE-3EBA-40B6-B058-58CF0680FB0E}" destId="{D46AF262-3C7D-47E2-81B3-C143923D6BAB}" srcOrd="3" destOrd="0" parTransId="{748FBBAC-969D-4497-93BB-A0C0F536A5CC}" sibTransId="{6A40D14B-3EE9-41C1-AB46-37BC58B3CFFF}"/>
-    <dgm:cxn modelId="{0EFF93FE-B133-4F00-AB1E-BF0BDFC9C152}" srcId="{F50D3F02-0C43-44F8-87C9-59778A37EB99}" destId="{EB60D37A-A127-48A0-8F24-69B4D39352E5}" srcOrd="3" destOrd="0" parTransId="{C0ABA0CE-969A-436C-8510-C83FEE7CB377}" sibTransId="{01E52F9F-3658-47EA-A662-B52414F1C8D4}"/>
     <dgm:cxn modelId="{1ACBE16D-4426-4990-894C-A6930E273758}" type="presParOf" srcId="{8042FA48-81F6-4DB1-9996-1AE8EF0D106F}" destId="{BB0FCC99-D250-4864-96B5-13DB95FFFC38}" srcOrd="0" destOrd="0" presId="urn:microsoft.com/office/officeart/2005/8/layout/hProcess10"/>
     <dgm:cxn modelId="{0EB93EAC-42BB-4D81-BE63-9D5555AC9E88}" type="presParOf" srcId="{BB0FCC99-D250-4864-96B5-13DB95FFFC38}" destId="{A947FAAD-8608-41B9-A528-05E3EEF24911}" srcOrd="0" destOrd="0" presId="urn:microsoft.com/office/officeart/2005/8/layout/hProcess10"/>
     <dgm:cxn modelId="{4D3E67DA-2EBE-4BBD-81B0-13C2A6AC4DAC}" type="presParOf" srcId="{BB0FCC99-D250-4864-96B5-13DB95FFFC38}" destId="{443476A2-68DD-4BB4-AB92-0DEABD40878C}" srcOrd="1" destOrd="0" presId="urn:microsoft.com/office/officeart/2005/8/layout/hProcess10"/>
@@ -1994,6 +4474,1564 @@
 </file>
 
 <file path=ppt/diagrams/drawing1.xml><?xml version="1.0" encoding="utf-8"?>
+<dsp:drawing xmlns:dgm="http://schemas.openxmlformats.org/drawingml/2006/diagram" xmlns:dsp="http://schemas.microsoft.com/office/drawing/2008/diagram" xmlns:a="http://schemas.openxmlformats.org/drawingml/2006/main">
+  <dsp:spTree>
+    <dsp:nvGrpSpPr>
+      <dsp:cNvPr id="0" name=""/>
+      <dsp:cNvGrpSpPr/>
+    </dsp:nvGrpSpPr>
+    <dsp:grpSpPr/>
+    <dsp:sp modelId="{C4DAA743-0D34-4E1E-AD4C-AA42215E55C0}">
+      <dsp:nvSpPr>
+        <dsp:cNvPr id="0" name=""/>
+        <dsp:cNvSpPr/>
+      </dsp:nvSpPr>
+      <dsp:spPr>
+        <a:xfrm rot="5400000">
+          <a:off x="1067283" y="437435"/>
+          <a:ext cx="700961" cy="609836"/>
+        </a:xfrm>
+        <a:prstGeom prst="hexagon">
+          <a:avLst>
+            <a:gd name="adj" fmla="val 25000"/>
+            <a:gd name="vf" fmla="val 115470"/>
+          </a:avLst>
+        </a:prstGeom>
+        <a:solidFill>
+          <a:schemeClr val="accent5">
+            <a:hueOff val="0"/>
+            <a:satOff val="0"/>
+            <a:lumOff val="0"/>
+            <a:alphaOff val="0"/>
+          </a:schemeClr>
+        </a:solidFill>
+        <a:ln w="38100" cap="flat" cmpd="sng" algn="ctr">
+          <a:solidFill>
+            <a:schemeClr val="lt1">
+              <a:hueOff val="0"/>
+              <a:satOff val="0"/>
+              <a:lumOff val="0"/>
+              <a:alphaOff val="0"/>
+            </a:schemeClr>
+          </a:solidFill>
+          <a:prstDash val="solid"/>
+        </a:ln>
+        <a:effectLst>
+          <a:outerShdw blurRad="40000" dist="20000" dir="5400000" rotWithShape="0">
+            <a:srgbClr val="000000">
+              <a:alpha val="38000"/>
+            </a:srgbClr>
+          </a:outerShdw>
+        </a:effectLst>
+      </dsp:spPr>
+      <dsp:style>
+        <a:lnRef idx="3">
+          <a:scrgbClr r="0" g="0" b="0"/>
+        </a:lnRef>
+        <a:fillRef idx="1">
+          <a:scrgbClr r="0" g="0" b="0"/>
+        </a:fillRef>
+        <a:effectRef idx="1">
+          <a:scrgbClr r="0" g="0" b="0"/>
+        </a:effectRef>
+        <a:fontRef idx="minor">
+          <a:schemeClr val="lt1"/>
+        </a:fontRef>
+      </dsp:style>
+      <dsp:txBody>
+        <a:bodyPr spcFirstLastPara="0" vert="horz" wrap="square" lIns="22860" tIns="22860" rIns="22860" bIns="22860" numCol="1" spcCol="1270" anchor="ctr" anchorCtr="0">
+          <a:noAutofit/>
+        </a:bodyPr>
+        <a:lstStyle/>
+        <a:p>
+          <a:pPr marL="0" lvl="0" indent="0" algn="ctr" defTabSz="266700">
+            <a:lnSpc>
+              <a:spcPct val="90000"/>
+            </a:lnSpc>
+            <a:spcBef>
+              <a:spcPct val="0"/>
+            </a:spcBef>
+            <a:spcAft>
+              <a:spcPct val="35000"/>
+            </a:spcAft>
+            <a:buNone/>
+          </a:pPr>
+          <a:r>
+            <a:rPr lang="en-US" sz="600" kern="1200">
+              <a:solidFill>
+                <a:schemeClr val="bg1"/>
+              </a:solidFill>
+            </a:rPr>
+            <a:t>Decision on what to Do</a:t>
+          </a:r>
+          <a:endParaRPr lang="en-US" sz="600" kern="1200" dirty="0">
+            <a:solidFill>
+              <a:schemeClr val="bg1"/>
+            </a:solidFill>
+          </a:endParaRPr>
+        </a:p>
+      </dsp:txBody>
+      <dsp:txXfrm rot="-5400000">
+        <a:off x="1207878" y="501106"/>
+        <a:ext cx="419770" cy="482495"/>
+      </dsp:txXfrm>
+    </dsp:sp>
+    <dsp:sp modelId="{0F80E1A6-4748-4A71-951A-8E70A5416C2C}">
+      <dsp:nvSpPr>
+        <dsp:cNvPr id="0" name=""/>
+        <dsp:cNvSpPr/>
+      </dsp:nvSpPr>
+      <dsp:spPr>
+        <a:xfrm>
+          <a:off x="1741188" y="532065"/>
+          <a:ext cx="782272" cy="420576"/>
+        </a:xfrm>
+        <a:prstGeom prst="rect">
+          <a:avLst/>
+        </a:prstGeom>
+        <a:noFill/>
+        <a:ln>
+          <a:noFill/>
+        </a:ln>
+        <a:effectLst/>
+      </dsp:spPr>
+      <dsp:style>
+        <a:lnRef idx="0">
+          <a:scrgbClr r="0" g="0" b="0"/>
+        </a:lnRef>
+        <a:fillRef idx="0">
+          <a:scrgbClr r="0" g="0" b="0"/>
+        </a:fillRef>
+        <a:effectRef idx="0">
+          <a:scrgbClr r="0" g="0" b="0"/>
+        </a:effectRef>
+        <a:fontRef idx="minor"/>
+      </dsp:style>
+      <dsp:txBody>
+        <a:bodyPr spcFirstLastPara="0" vert="horz" wrap="square" lIns="22860" tIns="22860" rIns="22860" bIns="22860" numCol="1" spcCol="1270" anchor="ctr" anchorCtr="0">
+          <a:noAutofit/>
+        </a:bodyPr>
+        <a:lstStyle/>
+        <a:p>
+          <a:pPr marL="0" lvl="0" indent="0" algn="l" defTabSz="266700">
+            <a:lnSpc>
+              <a:spcPct val="90000"/>
+            </a:lnSpc>
+            <a:spcBef>
+              <a:spcPct val="0"/>
+            </a:spcBef>
+            <a:spcAft>
+              <a:spcPct val="35000"/>
+            </a:spcAft>
+            <a:buNone/>
+          </a:pPr>
+          <a:r>
+            <a:rPr lang="en-US" sz="600" kern="1200">
+              <a:solidFill>
+                <a:schemeClr val="bg1"/>
+              </a:solidFill>
+            </a:rPr>
+            <a:t>Planning</a:t>
+          </a:r>
+          <a:endParaRPr lang="en-US" sz="600" kern="1200" dirty="0">
+            <a:solidFill>
+              <a:schemeClr val="bg1"/>
+            </a:solidFill>
+          </a:endParaRPr>
+        </a:p>
+      </dsp:txBody>
+      <dsp:txXfrm>
+        <a:off x="1741188" y="532065"/>
+        <a:ext cx="782272" cy="420576"/>
+      </dsp:txXfrm>
+    </dsp:sp>
+    <dsp:sp modelId="{6EE67FB9-AB25-4554-A314-B98F7BFA0FD0}">
+      <dsp:nvSpPr>
+        <dsp:cNvPr id="0" name=""/>
+        <dsp:cNvSpPr/>
+      </dsp:nvSpPr>
+      <dsp:spPr>
+        <a:xfrm rot="5400000">
+          <a:off x="408660" y="437435"/>
+          <a:ext cx="700961" cy="609836"/>
+        </a:xfrm>
+        <a:prstGeom prst="hexagon">
+          <a:avLst>
+            <a:gd name="adj" fmla="val 25000"/>
+            <a:gd name="vf" fmla="val 115470"/>
+          </a:avLst>
+        </a:prstGeom>
+        <a:solidFill>
+          <a:schemeClr val="accent5">
+            <a:hueOff val="0"/>
+            <a:satOff val="0"/>
+            <a:lumOff val="0"/>
+            <a:alphaOff val="0"/>
+          </a:schemeClr>
+        </a:solidFill>
+        <a:ln w="38100" cap="flat" cmpd="sng" algn="ctr">
+          <a:solidFill>
+            <a:schemeClr val="lt1">
+              <a:hueOff val="0"/>
+              <a:satOff val="0"/>
+              <a:lumOff val="0"/>
+              <a:alphaOff val="0"/>
+            </a:schemeClr>
+          </a:solidFill>
+          <a:prstDash val="solid"/>
+        </a:ln>
+        <a:effectLst>
+          <a:outerShdw blurRad="40000" dist="20000" dir="5400000" rotWithShape="0">
+            <a:srgbClr val="000000">
+              <a:alpha val="38000"/>
+            </a:srgbClr>
+          </a:outerShdw>
+        </a:effectLst>
+      </dsp:spPr>
+      <dsp:style>
+        <a:lnRef idx="3">
+          <a:scrgbClr r="0" g="0" b="0"/>
+        </a:lnRef>
+        <a:fillRef idx="1">
+          <a:scrgbClr r="0" g="0" b="0"/>
+        </a:fillRef>
+        <a:effectRef idx="1">
+          <a:scrgbClr r="0" g="0" b="0"/>
+        </a:effectRef>
+        <a:fontRef idx="minor">
+          <a:schemeClr val="lt1"/>
+        </a:fontRef>
+      </dsp:style>
+      <dsp:txBody>
+        <a:bodyPr spcFirstLastPara="0" vert="horz" wrap="square" lIns="0" tIns="0" rIns="0" bIns="0" numCol="1" spcCol="1270" anchor="ctr" anchorCtr="0">
+          <a:noAutofit/>
+        </a:bodyPr>
+        <a:lstStyle/>
+        <a:p>
+          <a:pPr marL="0" lvl="0" indent="0" algn="ctr" defTabSz="1600200">
+            <a:lnSpc>
+              <a:spcPct val="90000"/>
+            </a:lnSpc>
+            <a:spcBef>
+              <a:spcPct val="0"/>
+            </a:spcBef>
+            <a:spcAft>
+              <a:spcPct val="35000"/>
+            </a:spcAft>
+            <a:buNone/>
+          </a:pPr>
+          <a:endParaRPr lang="en-US" sz="3600" kern="1200">
+            <a:solidFill>
+              <a:schemeClr val="bg1"/>
+            </a:solidFill>
+          </a:endParaRPr>
+        </a:p>
+      </dsp:txBody>
+      <dsp:txXfrm rot="-5400000">
+        <a:off x="549255" y="501106"/>
+        <a:ext cx="419770" cy="482495"/>
+      </dsp:txXfrm>
+    </dsp:sp>
+    <dsp:sp modelId="{E943A7AB-341A-46C7-9668-6101E351D5FD}">
+      <dsp:nvSpPr>
+        <dsp:cNvPr id="0" name=""/>
+        <dsp:cNvSpPr/>
+      </dsp:nvSpPr>
+      <dsp:spPr>
+        <a:xfrm rot="5400000">
+          <a:off x="736710" y="1032411"/>
+          <a:ext cx="700961" cy="609836"/>
+        </a:xfrm>
+        <a:prstGeom prst="hexagon">
+          <a:avLst>
+            <a:gd name="adj" fmla="val 25000"/>
+            <a:gd name="vf" fmla="val 115470"/>
+          </a:avLst>
+        </a:prstGeom>
+        <a:solidFill>
+          <a:schemeClr val="accent5">
+            <a:hueOff val="0"/>
+            <a:satOff val="0"/>
+            <a:lumOff val="0"/>
+            <a:alphaOff val="0"/>
+          </a:schemeClr>
+        </a:solidFill>
+        <a:ln w="38100" cap="flat" cmpd="sng" algn="ctr">
+          <a:solidFill>
+            <a:schemeClr val="lt1">
+              <a:hueOff val="0"/>
+              <a:satOff val="0"/>
+              <a:lumOff val="0"/>
+              <a:alphaOff val="0"/>
+            </a:schemeClr>
+          </a:solidFill>
+          <a:prstDash val="solid"/>
+        </a:ln>
+        <a:effectLst>
+          <a:outerShdw blurRad="40000" dist="20000" dir="5400000" rotWithShape="0">
+            <a:srgbClr val="000000">
+              <a:alpha val="38000"/>
+            </a:srgbClr>
+          </a:outerShdw>
+        </a:effectLst>
+      </dsp:spPr>
+      <dsp:style>
+        <a:lnRef idx="3">
+          <a:scrgbClr r="0" g="0" b="0"/>
+        </a:lnRef>
+        <a:fillRef idx="1">
+          <a:scrgbClr r="0" g="0" b="0"/>
+        </a:fillRef>
+        <a:effectRef idx="1">
+          <a:scrgbClr r="0" g="0" b="0"/>
+        </a:effectRef>
+        <a:fontRef idx="minor">
+          <a:schemeClr val="lt1"/>
+        </a:fontRef>
+      </dsp:style>
+      <dsp:txBody>
+        <a:bodyPr spcFirstLastPara="0" vert="horz" wrap="square" lIns="22860" tIns="22860" rIns="22860" bIns="22860" numCol="1" spcCol="1270" anchor="ctr" anchorCtr="0">
+          <a:noAutofit/>
+        </a:bodyPr>
+        <a:lstStyle/>
+        <a:p>
+          <a:pPr marL="0" lvl="0" indent="0" algn="ctr" defTabSz="266700">
+            <a:lnSpc>
+              <a:spcPct val="90000"/>
+            </a:lnSpc>
+            <a:spcBef>
+              <a:spcPct val="0"/>
+            </a:spcBef>
+            <a:spcAft>
+              <a:spcPct val="35000"/>
+            </a:spcAft>
+            <a:buNone/>
+          </a:pPr>
+          <a:r>
+            <a:rPr lang="en-US" sz="600" kern="1200">
+              <a:solidFill>
+                <a:schemeClr val="bg1"/>
+              </a:solidFill>
+            </a:rPr>
+            <a:t>API</a:t>
+          </a:r>
+        </a:p>
+        <a:p>
+          <a:pPr marL="0" lvl="0" indent="0" algn="ctr" defTabSz="266700">
+            <a:lnSpc>
+              <a:spcPct val="90000"/>
+            </a:lnSpc>
+            <a:spcBef>
+              <a:spcPct val="0"/>
+            </a:spcBef>
+            <a:spcAft>
+              <a:spcPct val="35000"/>
+            </a:spcAft>
+            <a:buNone/>
+          </a:pPr>
+          <a:r>
+            <a:rPr lang="en-US" sz="600" kern="1200">
+              <a:solidFill>
+                <a:schemeClr val="bg1"/>
+              </a:solidFill>
+            </a:rPr>
+            <a:t>Integration with Google</a:t>
+          </a:r>
+          <a:endParaRPr lang="en-US" sz="600" kern="1200" dirty="0">
+            <a:solidFill>
+              <a:schemeClr val="bg1"/>
+            </a:solidFill>
+          </a:endParaRPr>
+        </a:p>
+      </dsp:txBody>
+      <dsp:txXfrm rot="-5400000">
+        <a:off x="877305" y="1096082"/>
+        <a:ext cx="419770" cy="482495"/>
+      </dsp:txXfrm>
+    </dsp:sp>
+    <dsp:sp modelId="{73FB7446-89FA-42F2-B8BA-FF1EEF2DB6C4}">
+      <dsp:nvSpPr>
+        <dsp:cNvPr id="0" name=""/>
+        <dsp:cNvSpPr/>
+      </dsp:nvSpPr>
+      <dsp:spPr>
+        <a:xfrm>
+          <a:off x="0" y="1127041"/>
+          <a:ext cx="757038" cy="420576"/>
+        </a:xfrm>
+        <a:prstGeom prst="rect">
+          <a:avLst/>
+        </a:prstGeom>
+        <a:noFill/>
+        <a:ln>
+          <a:noFill/>
+        </a:ln>
+        <a:effectLst/>
+      </dsp:spPr>
+      <dsp:style>
+        <a:lnRef idx="0">
+          <a:scrgbClr r="0" g="0" b="0"/>
+        </a:lnRef>
+        <a:fillRef idx="0">
+          <a:scrgbClr r="0" g="0" b="0"/>
+        </a:fillRef>
+        <a:effectRef idx="0">
+          <a:scrgbClr r="0" g="0" b="0"/>
+        </a:effectRef>
+        <a:fontRef idx="minor"/>
+      </dsp:style>
+      <dsp:txBody>
+        <a:bodyPr spcFirstLastPara="0" vert="horz" wrap="square" lIns="22860" tIns="22860" rIns="22860" bIns="22860" numCol="1" spcCol="1270" anchor="ctr" anchorCtr="0">
+          <a:noAutofit/>
+        </a:bodyPr>
+        <a:lstStyle/>
+        <a:p>
+          <a:pPr marL="0" lvl="0" indent="0" algn="r" defTabSz="266700">
+            <a:lnSpc>
+              <a:spcPct val="90000"/>
+            </a:lnSpc>
+            <a:spcBef>
+              <a:spcPct val="0"/>
+            </a:spcBef>
+            <a:spcAft>
+              <a:spcPct val="35000"/>
+            </a:spcAft>
+            <a:buNone/>
+          </a:pPr>
+          <a:r>
+            <a:rPr lang="en-US" sz="600" kern="1200">
+              <a:solidFill>
+                <a:schemeClr val="bg1"/>
+              </a:solidFill>
+            </a:rPr>
+            <a:t>Backend</a:t>
+          </a:r>
+          <a:endParaRPr lang="en-US" sz="600" kern="1200" dirty="0">
+            <a:solidFill>
+              <a:schemeClr val="bg1"/>
+            </a:solidFill>
+          </a:endParaRPr>
+        </a:p>
+      </dsp:txBody>
+      <dsp:txXfrm>
+        <a:off x="0" y="1127041"/>
+        <a:ext cx="757038" cy="420576"/>
+      </dsp:txXfrm>
+    </dsp:sp>
+    <dsp:sp modelId="{300AC041-C8E0-430A-BA6B-96ED9005FC09}">
+      <dsp:nvSpPr>
+        <dsp:cNvPr id="0" name=""/>
+        <dsp:cNvSpPr/>
+      </dsp:nvSpPr>
+      <dsp:spPr>
+        <a:xfrm rot="5400000">
+          <a:off x="1395333" y="1032411"/>
+          <a:ext cx="700961" cy="609836"/>
+        </a:xfrm>
+        <a:prstGeom prst="hexagon">
+          <a:avLst>
+            <a:gd name="adj" fmla="val 25000"/>
+            <a:gd name="vf" fmla="val 115470"/>
+          </a:avLst>
+        </a:prstGeom>
+        <a:solidFill>
+          <a:schemeClr val="accent5">
+            <a:hueOff val="0"/>
+            <a:satOff val="0"/>
+            <a:lumOff val="0"/>
+            <a:alphaOff val="0"/>
+          </a:schemeClr>
+        </a:solidFill>
+        <a:ln w="38100" cap="flat" cmpd="sng" algn="ctr">
+          <a:solidFill>
+            <a:schemeClr val="lt1">
+              <a:hueOff val="0"/>
+              <a:satOff val="0"/>
+              <a:lumOff val="0"/>
+              <a:alphaOff val="0"/>
+            </a:schemeClr>
+          </a:solidFill>
+          <a:prstDash val="solid"/>
+        </a:ln>
+        <a:effectLst>
+          <a:outerShdw blurRad="40000" dist="20000" dir="5400000" rotWithShape="0">
+            <a:srgbClr val="000000">
+              <a:alpha val="38000"/>
+            </a:srgbClr>
+          </a:outerShdw>
+        </a:effectLst>
+      </dsp:spPr>
+      <dsp:style>
+        <a:lnRef idx="3">
+          <a:scrgbClr r="0" g="0" b="0"/>
+        </a:lnRef>
+        <a:fillRef idx="1">
+          <a:scrgbClr r="0" g="0" b="0"/>
+        </a:fillRef>
+        <a:effectRef idx="1">
+          <a:scrgbClr r="0" g="0" b="0"/>
+        </a:effectRef>
+        <a:fontRef idx="minor">
+          <a:schemeClr val="lt1"/>
+        </a:fontRef>
+      </dsp:style>
+      <dsp:txBody>
+        <a:bodyPr spcFirstLastPara="0" vert="horz" wrap="square" lIns="0" tIns="0" rIns="0" bIns="0" numCol="1" spcCol="1270" anchor="ctr" anchorCtr="0">
+          <a:noAutofit/>
+        </a:bodyPr>
+        <a:lstStyle/>
+        <a:p>
+          <a:pPr marL="0" lvl="0" indent="0" algn="ctr" defTabSz="1600200">
+            <a:lnSpc>
+              <a:spcPct val="90000"/>
+            </a:lnSpc>
+            <a:spcBef>
+              <a:spcPct val="0"/>
+            </a:spcBef>
+            <a:spcAft>
+              <a:spcPct val="35000"/>
+            </a:spcAft>
+            <a:buNone/>
+          </a:pPr>
+          <a:endParaRPr lang="en-US" sz="3600" kern="1200">
+            <a:solidFill>
+              <a:schemeClr val="bg1"/>
+            </a:solidFill>
+          </a:endParaRPr>
+        </a:p>
+      </dsp:txBody>
+      <dsp:txXfrm rot="-5400000">
+        <a:off x="1535928" y="1096082"/>
+        <a:ext cx="419770" cy="482495"/>
+      </dsp:txXfrm>
+    </dsp:sp>
+    <dsp:sp modelId="{2E1001BA-3D57-429F-8B1B-CEEA63D1BB74}">
+      <dsp:nvSpPr>
+        <dsp:cNvPr id="0" name=""/>
+        <dsp:cNvSpPr/>
+      </dsp:nvSpPr>
+      <dsp:spPr>
+        <a:xfrm rot="5400000">
+          <a:off x="1067283" y="1627387"/>
+          <a:ext cx="700961" cy="609836"/>
+        </a:xfrm>
+        <a:prstGeom prst="hexagon">
+          <a:avLst>
+            <a:gd name="adj" fmla="val 25000"/>
+            <a:gd name="vf" fmla="val 115470"/>
+          </a:avLst>
+        </a:prstGeom>
+        <a:solidFill>
+          <a:schemeClr val="accent5">
+            <a:hueOff val="0"/>
+            <a:satOff val="0"/>
+            <a:lumOff val="0"/>
+            <a:alphaOff val="0"/>
+          </a:schemeClr>
+        </a:solidFill>
+        <a:ln w="38100" cap="flat" cmpd="sng" algn="ctr">
+          <a:solidFill>
+            <a:schemeClr val="lt1">
+              <a:hueOff val="0"/>
+              <a:satOff val="0"/>
+              <a:lumOff val="0"/>
+              <a:alphaOff val="0"/>
+            </a:schemeClr>
+          </a:solidFill>
+          <a:prstDash val="solid"/>
+        </a:ln>
+        <a:effectLst>
+          <a:outerShdw blurRad="40000" dist="20000" dir="5400000" rotWithShape="0">
+            <a:srgbClr val="000000">
+              <a:alpha val="38000"/>
+            </a:srgbClr>
+          </a:outerShdw>
+        </a:effectLst>
+      </dsp:spPr>
+      <dsp:style>
+        <a:lnRef idx="3">
+          <a:scrgbClr r="0" g="0" b="0"/>
+        </a:lnRef>
+        <a:fillRef idx="1">
+          <a:scrgbClr r="0" g="0" b="0"/>
+        </a:fillRef>
+        <a:effectRef idx="1">
+          <a:scrgbClr r="0" g="0" b="0"/>
+        </a:effectRef>
+        <a:fontRef idx="minor">
+          <a:schemeClr val="lt1"/>
+        </a:fontRef>
+      </dsp:style>
+      <dsp:txBody>
+        <a:bodyPr spcFirstLastPara="0" vert="horz" wrap="square" lIns="22860" tIns="22860" rIns="22860" bIns="22860" numCol="1" spcCol="1270" anchor="ctr" anchorCtr="0">
+          <a:noAutofit/>
+        </a:bodyPr>
+        <a:lstStyle/>
+        <a:p>
+          <a:pPr marL="0" lvl="0" indent="0" algn="ctr" defTabSz="266700">
+            <a:lnSpc>
+              <a:spcPct val="90000"/>
+            </a:lnSpc>
+            <a:spcBef>
+              <a:spcPct val="0"/>
+            </a:spcBef>
+            <a:spcAft>
+              <a:spcPct val="35000"/>
+            </a:spcAft>
+            <a:buNone/>
+          </a:pPr>
+          <a:r>
+            <a:rPr lang="en-US" sz="600" kern="1200">
+              <a:solidFill>
+                <a:schemeClr val="bg1"/>
+              </a:solidFill>
+            </a:rPr>
+            <a:t>Dynamic Filter with Sliders</a:t>
+          </a:r>
+          <a:endParaRPr lang="en-US" sz="600" kern="1200" dirty="0">
+            <a:solidFill>
+              <a:schemeClr val="bg1"/>
+            </a:solidFill>
+          </a:endParaRPr>
+        </a:p>
+      </dsp:txBody>
+      <dsp:txXfrm rot="-5400000">
+        <a:off x="1207878" y="1691058"/>
+        <a:ext cx="419770" cy="482495"/>
+      </dsp:txXfrm>
+    </dsp:sp>
+    <dsp:sp modelId="{B7EEDBF8-FDB4-4C53-8482-849626A2317C}">
+      <dsp:nvSpPr>
+        <dsp:cNvPr id="0" name=""/>
+        <dsp:cNvSpPr/>
+      </dsp:nvSpPr>
+      <dsp:spPr>
+        <a:xfrm>
+          <a:off x="1741188" y="1722017"/>
+          <a:ext cx="782272" cy="420576"/>
+        </a:xfrm>
+        <a:prstGeom prst="rect">
+          <a:avLst/>
+        </a:prstGeom>
+        <a:noFill/>
+        <a:ln>
+          <a:noFill/>
+        </a:ln>
+        <a:effectLst/>
+      </dsp:spPr>
+      <dsp:style>
+        <a:lnRef idx="0">
+          <a:scrgbClr r="0" g="0" b="0"/>
+        </a:lnRef>
+        <a:fillRef idx="0">
+          <a:scrgbClr r="0" g="0" b="0"/>
+        </a:fillRef>
+        <a:effectRef idx="0">
+          <a:scrgbClr r="0" g="0" b="0"/>
+        </a:effectRef>
+        <a:fontRef idx="minor"/>
+      </dsp:style>
+      <dsp:txBody>
+        <a:bodyPr spcFirstLastPara="0" vert="horz" wrap="square" lIns="22860" tIns="22860" rIns="22860" bIns="22860" numCol="1" spcCol="1270" anchor="ctr" anchorCtr="0">
+          <a:noAutofit/>
+        </a:bodyPr>
+        <a:lstStyle/>
+        <a:p>
+          <a:pPr marL="0" lvl="0" indent="0" algn="l" defTabSz="266700">
+            <a:lnSpc>
+              <a:spcPct val="90000"/>
+            </a:lnSpc>
+            <a:spcBef>
+              <a:spcPct val="0"/>
+            </a:spcBef>
+            <a:spcAft>
+              <a:spcPct val="35000"/>
+            </a:spcAft>
+            <a:buNone/>
+          </a:pPr>
+          <a:r>
+            <a:rPr lang="en-US" sz="600" kern="1200">
+              <a:solidFill>
+                <a:schemeClr val="bg1"/>
+              </a:solidFill>
+            </a:rPr>
+            <a:t>Frontend</a:t>
+          </a:r>
+          <a:endParaRPr lang="en-US" sz="600" kern="1200" dirty="0">
+            <a:solidFill>
+              <a:schemeClr val="bg1"/>
+            </a:solidFill>
+          </a:endParaRPr>
+        </a:p>
+      </dsp:txBody>
+      <dsp:txXfrm>
+        <a:off x="1741188" y="1722017"/>
+        <a:ext cx="782272" cy="420576"/>
+      </dsp:txXfrm>
+    </dsp:sp>
+    <dsp:sp modelId="{A90F0F5F-D5C5-46FB-A989-111E473F97E1}">
+      <dsp:nvSpPr>
+        <dsp:cNvPr id="0" name=""/>
+        <dsp:cNvSpPr/>
+      </dsp:nvSpPr>
+      <dsp:spPr>
+        <a:xfrm rot="5400000">
+          <a:off x="408660" y="1627387"/>
+          <a:ext cx="700961" cy="609836"/>
+        </a:xfrm>
+        <a:prstGeom prst="hexagon">
+          <a:avLst>
+            <a:gd name="adj" fmla="val 25000"/>
+            <a:gd name="vf" fmla="val 115470"/>
+          </a:avLst>
+        </a:prstGeom>
+        <a:solidFill>
+          <a:schemeClr val="accent5">
+            <a:hueOff val="0"/>
+            <a:satOff val="0"/>
+            <a:lumOff val="0"/>
+            <a:alphaOff val="0"/>
+          </a:schemeClr>
+        </a:solidFill>
+        <a:ln w="38100" cap="flat" cmpd="sng" algn="ctr">
+          <a:solidFill>
+            <a:schemeClr val="lt1">
+              <a:hueOff val="0"/>
+              <a:satOff val="0"/>
+              <a:lumOff val="0"/>
+              <a:alphaOff val="0"/>
+            </a:schemeClr>
+          </a:solidFill>
+          <a:prstDash val="solid"/>
+        </a:ln>
+        <a:effectLst>
+          <a:outerShdw blurRad="40000" dist="20000" dir="5400000" rotWithShape="0">
+            <a:srgbClr val="000000">
+              <a:alpha val="38000"/>
+            </a:srgbClr>
+          </a:outerShdw>
+        </a:effectLst>
+      </dsp:spPr>
+      <dsp:style>
+        <a:lnRef idx="3">
+          <a:scrgbClr r="0" g="0" b="0"/>
+        </a:lnRef>
+        <a:fillRef idx="1">
+          <a:scrgbClr r="0" g="0" b="0"/>
+        </a:fillRef>
+        <a:effectRef idx="1">
+          <a:scrgbClr r="0" g="0" b="0"/>
+        </a:effectRef>
+        <a:fontRef idx="minor">
+          <a:schemeClr val="lt1"/>
+        </a:fontRef>
+      </dsp:style>
+      <dsp:txBody>
+        <a:bodyPr spcFirstLastPara="0" vert="horz" wrap="square" lIns="0" tIns="0" rIns="0" bIns="0" numCol="1" spcCol="1270" anchor="ctr" anchorCtr="0">
+          <a:noAutofit/>
+        </a:bodyPr>
+        <a:lstStyle/>
+        <a:p>
+          <a:pPr marL="0" lvl="0" indent="0" algn="ctr" defTabSz="1600200">
+            <a:lnSpc>
+              <a:spcPct val="90000"/>
+            </a:lnSpc>
+            <a:spcBef>
+              <a:spcPct val="0"/>
+            </a:spcBef>
+            <a:spcAft>
+              <a:spcPct val="35000"/>
+            </a:spcAft>
+            <a:buNone/>
+          </a:pPr>
+          <a:endParaRPr lang="en-US" sz="3600" kern="1200">
+            <a:solidFill>
+              <a:schemeClr val="bg1"/>
+            </a:solidFill>
+          </a:endParaRPr>
+        </a:p>
+      </dsp:txBody>
+      <dsp:txXfrm rot="-5400000">
+        <a:off x="549255" y="1691058"/>
+        <a:ext cx="419770" cy="482495"/>
+      </dsp:txXfrm>
+    </dsp:sp>
+  </dsp:spTree>
+</dsp:drawing>
+</file>
+
+<file path=ppt/diagrams/drawing2.xml><?xml version="1.0" encoding="utf-8"?>
+<dsp:drawing xmlns:dgm="http://schemas.openxmlformats.org/drawingml/2006/diagram" xmlns:dsp="http://schemas.microsoft.com/office/drawing/2008/diagram" xmlns:a="http://schemas.openxmlformats.org/drawingml/2006/main">
+  <dsp:spTree>
+    <dsp:nvGrpSpPr>
+      <dsp:cNvPr id="0" name=""/>
+      <dsp:cNvGrpSpPr/>
+    </dsp:nvGrpSpPr>
+    <dsp:grpSpPr/>
+    <dsp:sp modelId="{C4DAA743-0D34-4E1E-AD4C-AA42215E55C0}">
+      <dsp:nvSpPr>
+        <dsp:cNvPr id="0" name=""/>
+        <dsp:cNvSpPr/>
+      </dsp:nvSpPr>
+      <dsp:spPr>
+        <a:xfrm rot="5400000">
+          <a:off x="1067283" y="437435"/>
+          <a:ext cx="700961" cy="609836"/>
+        </a:xfrm>
+        <a:prstGeom prst="hexagon">
+          <a:avLst>
+            <a:gd name="adj" fmla="val 25000"/>
+            <a:gd name="vf" fmla="val 115470"/>
+          </a:avLst>
+        </a:prstGeom>
+        <a:solidFill>
+          <a:schemeClr val="accent2">
+            <a:shade val="80000"/>
+            <a:hueOff val="0"/>
+            <a:satOff val="0"/>
+            <a:lumOff val="0"/>
+            <a:alphaOff val="0"/>
+          </a:schemeClr>
+        </a:solidFill>
+        <a:ln w="38100" cap="flat" cmpd="sng" algn="ctr">
+          <a:solidFill>
+            <a:schemeClr val="lt1">
+              <a:hueOff val="0"/>
+              <a:satOff val="0"/>
+              <a:lumOff val="0"/>
+              <a:alphaOff val="0"/>
+            </a:schemeClr>
+          </a:solidFill>
+          <a:prstDash val="solid"/>
+        </a:ln>
+        <a:effectLst>
+          <a:outerShdw blurRad="40000" dist="20000" dir="5400000" rotWithShape="0">
+            <a:srgbClr val="000000">
+              <a:alpha val="38000"/>
+            </a:srgbClr>
+          </a:outerShdw>
+        </a:effectLst>
+      </dsp:spPr>
+      <dsp:style>
+        <a:lnRef idx="3">
+          <a:scrgbClr r="0" g="0" b="0"/>
+        </a:lnRef>
+        <a:fillRef idx="1">
+          <a:scrgbClr r="0" g="0" b="0"/>
+        </a:fillRef>
+        <a:effectRef idx="1">
+          <a:scrgbClr r="0" g="0" b="0"/>
+        </a:effectRef>
+        <a:fontRef idx="minor">
+          <a:schemeClr val="lt1"/>
+        </a:fontRef>
+      </dsp:style>
+      <dsp:txBody>
+        <a:bodyPr spcFirstLastPara="0" vert="horz" wrap="square" lIns="19050" tIns="19050" rIns="19050" bIns="19050" numCol="1" spcCol="1270" anchor="ctr" anchorCtr="0">
+          <a:noAutofit/>
+        </a:bodyPr>
+        <a:lstStyle/>
+        <a:p>
+          <a:pPr marL="0" lvl="0" indent="0" algn="ctr" defTabSz="222250">
+            <a:lnSpc>
+              <a:spcPct val="90000"/>
+            </a:lnSpc>
+            <a:spcBef>
+              <a:spcPct val="0"/>
+            </a:spcBef>
+            <a:spcAft>
+              <a:spcPct val="35000"/>
+            </a:spcAft>
+            <a:buNone/>
+          </a:pPr>
+          <a:r>
+            <a:rPr lang="en-US" sz="500" kern="1200">
+              <a:solidFill>
+                <a:schemeClr val="bg1"/>
+              </a:solidFill>
+            </a:rPr>
+            <a:t>Time Management</a:t>
+          </a:r>
+          <a:endParaRPr lang="en-US" sz="500" kern="1200" dirty="0">
+            <a:solidFill>
+              <a:schemeClr val="bg1"/>
+            </a:solidFill>
+          </a:endParaRPr>
+        </a:p>
+      </dsp:txBody>
+      <dsp:txXfrm rot="-5400000">
+        <a:off x="1207878" y="501106"/>
+        <a:ext cx="419770" cy="482495"/>
+      </dsp:txXfrm>
+    </dsp:sp>
+    <dsp:sp modelId="{0F80E1A6-4748-4A71-951A-8E70A5416C2C}">
+      <dsp:nvSpPr>
+        <dsp:cNvPr id="0" name=""/>
+        <dsp:cNvSpPr/>
+      </dsp:nvSpPr>
+      <dsp:spPr>
+        <a:xfrm>
+          <a:off x="1741188" y="532065"/>
+          <a:ext cx="782272" cy="420576"/>
+        </a:xfrm>
+        <a:prstGeom prst="rect">
+          <a:avLst/>
+        </a:prstGeom>
+        <a:noFill/>
+        <a:ln>
+          <a:noFill/>
+        </a:ln>
+        <a:effectLst/>
+      </dsp:spPr>
+      <dsp:style>
+        <a:lnRef idx="0">
+          <a:scrgbClr r="0" g="0" b="0"/>
+        </a:lnRef>
+        <a:fillRef idx="0">
+          <a:scrgbClr r="0" g="0" b="0"/>
+        </a:fillRef>
+        <a:effectRef idx="0">
+          <a:scrgbClr r="0" g="0" b="0"/>
+        </a:effectRef>
+        <a:fontRef idx="minor"/>
+      </dsp:style>
+      <dsp:txBody>
+        <a:bodyPr spcFirstLastPara="0" vert="horz" wrap="square" lIns="19050" tIns="19050" rIns="19050" bIns="19050" numCol="1" spcCol="1270" anchor="ctr" anchorCtr="0">
+          <a:noAutofit/>
+        </a:bodyPr>
+        <a:lstStyle/>
+        <a:p>
+          <a:pPr marL="0" lvl="0" indent="0" algn="l" defTabSz="222250">
+            <a:lnSpc>
+              <a:spcPct val="90000"/>
+            </a:lnSpc>
+            <a:spcBef>
+              <a:spcPct val="0"/>
+            </a:spcBef>
+            <a:spcAft>
+              <a:spcPct val="35000"/>
+            </a:spcAft>
+            <a:buNone/>
+          </a:pPr>
+          <a:r>
+            <a:rPr lang="en-US" sz="500" kern="1200">
+              <a:solidFill>
+                <a:schemeClr val="bg1"/>
+              </a:solidFill>
+            </a:rPr>
+            <a:t>Planning</a:t>
+          </a:r>
+          <a:endParaRPr lang="en-US" sz="500" kern="1200" dirty="0">
+            <a:solidFill>
+              <a:schemeClr val="bg1"/>
+            </a:solidFill>
+          </a:endParaRPr>
+        </a:p>
+      </dsp:txBody>
+      <dsp:txXfrm>
+        <a:off x="1741188" y="532065"/>
+        <a:ext cx="782272" cy="420576"/>
+      </dsp:txXfrm>
+    </dsp:sp>
+    <dsp:sp modelId="{6EE67FB9-AB25-4554-A314-B98F7BFA0FD0}">
+      <dsp:nvSpPr>
+        <dsp:cNvPr id="0" name=""/>
+        <dsp:cNvSpPr/>
+      </dsp:nvSpPr>
+      <dsp:spPr>
+        <a:xfrm rot="5400000">
+          <a:off x="408660" y="437435"/>
+          <a:ext cx="700961" cy="609836"/>
+        </a:xfrm>
+        <a:prstGeom prst="hexagon">
+          <a:avLst>
+            <a:gd name="adj" fmla="val 25000"/>
+            <a:gd name="vf" fmla="val 115470"/>
+          </a:avLst>
+        </a:prstGeom>
+        <a:solidFill>
+          <a:schemeClr val="accent2">
+            <a:shade val="80000"/>
+            <a:hueOff val="0"/>
+            <a:satOff val="0"/>
+            <a:lumOff val="9602"/>
+            <a:alphaOff val="0"/>
+          </a:schemeClr>
+        </a:solidFill>
+        <a:ln w="38100" cap="flat" cmpd="sng" algn="ctr">
+          <a:solidFill>
+            <a:schemeClr val="lt1">
+              <a:hueOff val="0"/>
+              <a:satOff val="0"/>
+              <a:lumOff val="0"/>
+              <a:alphaOff val="0"/>
+            </a:schemeClr>
+          </a:solidFill>
+          <a:prstDash val="solid"/>
+        </a:ln>
+        <a:effectLst>
+          <a:outerShdw blurRad="40000" dist="20000" dir="5400000" rotWithShape="0">
+            <a:srgbClr val="000000">
+              <a:alpha val="38000"/>
+            </a:srgbClr>
+          </a:outerShdw>
+        </a:effectLst>
+      </dsp:spPr>
+      <dsp:style>
+        <a:lnRef idx="3">
+          <a:scrgbClr r="0" g="0" b="0"/>
+        </a:lnRef>
+        <a:fillRef idx="1">
+          <a:scrgbClr r="0" g="0" b="0"/>
+        </a:fillRef>
+        <a:effectRef idx="1">
+          <a:scrgbClr r="0" g="0" b="0"/>
+        </a:effectRef>
+        <a:fontRef idx="minor">
+          <a:schemeClr val="lt1"/>
+        </a:fontRef>
+      </dsp:style>
+      <dsp:txBody>
+        <a:bodyPr spcFirstLastPara="0" vert="horz" wrap="square" lIns="0" tIns="0" rIns="0" bIns="0" numCol="1" spcCol="1270" anchor="ctr" anchorCtr="0">
+          <a:noAutofit/>
+        </a:bodyPr>
+        <a:lstStyle/>
+        <a:p>
+          <a:pPr marL="0" lvl="0" indent="0" algn="ctr" defTabSz="1600200">
+            <a:lnSpc>
+              <a:spcPct val="90000"/>
+            </a:lnSpc>
+            <a:spcBef>
+              <a:spcPct val="0"/>
+            </a:spcBef>
+            <a:spcAft>
+              <a:spcPct val="35000"/>
+            </a:spcAft>
+            <a:buNone/>
+          </a:pPr>
+          <a:endParaRPr lang="en-US" sz="3600" kern="1200">
+            <a:solidFill>
+              <a:schemeClr val="bg1"/>
+            </a:solidFill>
+          </a:endParaRPr>
+        </a:p>
+      </dsp:txBody>
+      <dsp:txXfrm rot="-5400000">
+        <a:off x="549255" y="501106"/>
+        <a:ext cx="419770" cy="482495"/>
+      </dsp:txXfrm>
+    </dsp:sp>
+    <dsp:sp modelId="{E943A7AB-341A-46C7-9668-6101E351D5FD}">
+      <dsp:nvSpPr>
+        <dsp:cNvPr id="0" name=""/>
+        <dsp:cNvSpPr/>
+      </dsp:nvSpPr>
+      <dsp:spPr>
+        <a:xfrm rot="5400000">
+          <a:off x="736710" y="1032411"/>
+          <a:ext cx="700961" cy="609836"/>
+        </a:xfrm>
+        <a:prstGeom prst="hexagon">
+          <a:avLst>
+            <a:gd name="adj" fmla="val 25000"/>
+            <a:gd name="vf" fmla="val 115470"/>
+          </a:avLst>
+        </a:prstGeom>
+        <a:solidFill>
+          <a:schemeClr val="accent2">
+            <a:shade val="80000"/>
+            <a:hueOff val="0"/>
+            <a:satOff val="0"/>
+            <a:lumOff val="19205"/>
+            <a:alphaOff val="0"/>
+          </a:schemeClr>
+        </a:solidFill>
+        <a:ln w="38100" cap="flat" cmpd="sng" algn="ctr">
+          <a:solidFill>
+            <a:schemeClr val="lt1">
+              <a:hueOff val="0"/>
+              <a:satOff val="0"/>
+              <a:lumOff val="0"/>
+              <a:alphaOff val="0"/>
+            </a:schemeClr>
+          </a:solidFill>
+          <a:prstDash val="solid"/>
+        </a:ln>
+        <a:effectLst>
+          <a:outerShdw blurRad="40000" dist="20000" dir="5400000" rotWithShape="0">
+            <a:srgbClr val="000000">
+              <a:alpha val="38000"/>
+            </a:srgbClr>
+          </a:outerShdw>
+        </a:effectLst>
+      </dsp:spPr>
+      <dsp:style>
+        <a:lnRef idx="3">
+          <a:scrgbClr r="0" g="0" b="0"/>
+        </a:lnRef>
+        <a:fillRef idx="1">
+          <a:scrgbClr r="0" g="0" b="0"/>
+        </a:fillRef>
+        <a:effectRef idx="1">
+          <a:scrgbClr r="0" g="0" b="0"/>
+        </a:effectRef>
+        <a:fontRef idx="minor">
+          <a:schemeClr val="lt1"/>
+        </a:fontRef>
+      </dsp:style>
+      <dsp:txBody>
+        <a:bodyPr spcFirstLastPara="0" vert="horz" wrap="square" lIns="19050" tIns="19050" rIns="19050" bIns="19050" numCol="1" spcCol="1270" anchor="ctr" anchorCtr="0">
+          <a:noAutofit/>
+        </a:bodyPr>
+        <a:lstStyle/>
+        <a:p>
+          <a:pPr marL="0" lvl="0" indent="0" algn="ctr" defTabSz="222250">
+            <a:lnSpc>
+              <a:spcPct val="90000"/>
+            </a:lnSpc>
+            <a:spcBef>
+              <a:spcPct val="0"/>
+            </a:spcBef>
+            <a:spcAft>
+              <a:spcPct val="35000"/>
+            </a:spcAft>
+            <a:buNone/>
+          </a:pPr>
+          <a:r>
+            <a:rPr lang="en-US" sz="500" kern="1200">
+              <a:solidFill>
+                <a:schemeClr val="bg1"/>
+              </a:solidFill>
+            </a:rPr>
+            <a:t>Finding an API that was reliable and detailed</a:t>
+          </a:r>
+          <a:endParaRPr lang="en-US" sz="500" kern="1200" dirty="0">
+            <a:solidFill>
+              <a:schemeClr val="bg1"/>
+            </a:solidFill>
+          </a:endParaRPr>
+        </a:p>
+      </dsp:txBody>
+      <dsp:txXfrm rot="-5400000">
+        <a:off x="877305" y="1096082"/>
+        <a:ext cx="419770" cy="482495"/>
+      </dsp:txXfrm>
+    </dsp:sp>
+    <dsp:sp modelId="{73FB7446-89FA-42F2-B8BA-FF1EEF2DB6C4}">
+      <dsp:nvSpPr>
+        <dsp:cNvPr id="0" name=""/>
+        <dsp:cNvSpPr/>
+      </dsp:nvSpPr>
+      <dsp:spPr>
+        <a:xfrm>
+          <a:off x="0" y="1127041"/>
+          <a:ext cx="757038" cy="420576"/>
+        </a:xfrm>
+        <a:prstGeom prst="rect">
+          <a:avLst/>
+        </a:prstGeom>
+        <a:noFill/>
+        <a:ln>
+          <a:noFill/>
+        </a:ln>
+        <a:effectLst/>
+      </dsp:spPr>
+      <dsp:style>
+        <a:lnRef idx="0">
+          <a:scrgbClr r="0" g="0" b="0"/>
+        </a:lnRef>
+        <a:fillRef idx="0">
+          <a:scrgbClr r="0" g="0" b="0"/>
+        </a:fillRef>
+        <a:effectRef idx="0">
+          <a:scrgbClr r="0" g="0" b="0"/>
+        </a:effectRef>
+        <a:fontRef idx="minor"/>
+      </dsp:style>
+      <dsp:txBody>
+        <a:bodyPr spcFirstLastPara="0" vert="horz" wrap="square" lIns="19050" tIns="19050" rIns="19050" bIns="19050" numCol="1" spcCol="1270" anchor="ctr" anchorCtr="0">
+          <a:noAutofit/>
+        </a:bodyPr>
+        <a:lstStyle/>
+        <a:p>
+          <a:pPr marL="0" lvl="0" indent="0" algn="r" defTabSz="222250">
+            <a:lnSpc>
+              <a:spcPct val="90000"/>
+            </a:lnSpc>
+            <a:spcBef>
+              <a:spcPct val="0"/>
+            </a:spcBef>
+            <a:spcAft>
+              <a:spcPct val="35000"/>
+            </a:spcAft>
+            <a:buNone/>
+          </a:pPr>
+          <a:r>
+            <a:rPr lang="en-US" sz="500" kern="1200">
+              <a:solidFill>
+                <a:schemeClr val="bg1"/>
+              </a:solidFill>
+            </a:rPr>
+            <a:t>Backend</a:t>
+          </a:r>
+          <a:endParaRPr lang="en-US" sz="500" kern="1200" dirty="0">
+            <a:solidFill>
+              <a:schemeClr val="bg1"/>
+            </a:solidFill>
+          </a:endParaRPr>
+        </a:p>
+      </dsp:txBody>
+      <dsp:txXfrm>
+        <a:off x="0" y="1127041"/>
+        <a:ext cx="757038" cy="420576"/>
+      </dsp:txXfrm>
+    </dsp:sp>
+    <dsp:sp modelId="{300AC041-C8E0-430A-BA6B-96ED9005FC09}">
+      <dsp:nvSpPr>
+        <dsp:cNvPr id="0" name=""/>
+        <dsp:cNvSpPr/>
+      </dsp:nvSpPr>
+      <dsp:spPr>
+        <a:xfrm rot="5400000">
+          <a:off x="1395333" y="1032411"/>
+          <a:ext cx="700961" cy="609836"/>
+        </a:xfrm>
+        <a:prstGeom prst="hexagon">
+          <a:avLst>
+            <a:gd name="adj" fmla="val 25000"/>
+            <a:gd name="vf" fmla="val 115470"/>
+          </a:avLst>
+        </a:prstGeom>
+        <a:solidFill>
+          <a:schemeClr val="accent2">
+            <a:shade val="80000"/>
+            <a:hueOff val="0"/>
+            <a:satOff val="0"/>
+            <a:lumOff val="28807"/>
+            <a:alphaOff val="0"/>
+          </a:schemeClr>
+        </a:solidFill>
+        <a:ln w="38100" cap="flat" cmpd="sng" algn="ctr">
+          <a:solidFill>
+            <a:schemeClr val="lt1">
+              <a:hueOff val="0"/>
+              <a:satOff val="0"/>
+              <a:lumOff val="0"/>
+              <a:alphaOff val="0"/>
+            </a:schemeClr>
+          </a:solidFill>
+          <a:prstDash val="solid"/>
+        </a:ln>
+        <a:effectLst>
+          <a:outerShdw blurRad="40000" dist="20000" dir="5400000" rotWithShape="0">
+            <a:srgbClr val="000000">
+              <a:alpha val="38000"/>
+            </a:srgbClr>
+          </a:outerShdw>
+        </a:effectLst>
+      </dsp:spPr>
+      <dsp:style>
+        <a:lnRef idx="3">
+          <a:scrgbClr r="0" g="0" b="0"/>
+        </a:lnRef>
+        <a:fillRef idx="1">
+          <a:scrgbClr r="0" g="0" b="0"/>
+        </a:fillRef>
+        <a:effectRef idx="1">
+          <a:scrgbClr r="0" g="0" b="0"/>
+        </a:effectRef>
+        <a:fontRef idx="minor">
+          <a:schemeClr val="lt1"/>
+        </a:fontRef>
+      </dsp:style>
+      <dsp:txBody>
+        <a:bodyPr spcFirstLastPara="0" vert="horz" wrap="square" lIns="0" tIns="0" rIns="0" bIns="0" numCol="1" spcCol="1270" anchor="ctr" anchorCtr="0">
+          <a:noAutofit/>
+        </a:bodyPr>
+        <a:lstStyle/>
+        <a:p>
+          <a:pPr marL="0" lvl="0" indent="0" algn="ctr" defTabSz="1600200">
+            <a:lnSpc>
+              <a:spcPct val="90000"/>
+            </a:lnSpc>
+            <a:spcBef>
+              <a:spcPct val="0"/>
+            </a:spcBef>
+            <a:spcAft>
+              <a:spcPct val="35000"/>
+            </a:spcAft>
+            <a:buNone/>
+          </a:pPr>
+          <a:endParaRPr lang="en-US" sz="3600" kern="1200">
+            <a:solidFill>
+              <a:schemeClr val="bg1"/>
+            </a:solidFill>
+          </a:endParaRPr>
+        </a:p>
+      </dsp:txBody>
+      <dsp:txXfrm rot="-5400000">
+        <a:off x="1535928" y="1096082"/>
+        <a:ext cx="419770" cy="482495"/>
+      </dsp:txXfrm>
+    </dsp:sp>
+    <dsp:sp modelId="{2E1001BA-3D57-429F-8B1B-CEEA63D1BB74}">
+      <dsp:nvSpPr>
+        <dsp:cNvPr id="0" name=""/>
+        <dsp:cNvSpPr/>
+      </dsp:nvSpPr>
+      <dsp:spPr>
+        <a:xfrm rot="5400000">
+          <a:off x="1067283" y="1627387"/>
+          <a:ext cx="700961" cy="609836"/>
+        </a:xfrm>
+        <a:prstGeom prst="hexagon">
+          <a:avLst>
+            <a:gd name="adj" fmla="val 25000"/>
+            <a:gd name="vf" fmla="val 115470"/>
+          </a:avLst>
+        </a:prstGeom>
+        <a:solidFill>
+          <a:schemeClr val="accent2">
+            <a:shade val="80000"/>
+            <a:hueOff val="0"/>
+            <a:satOff val="0"/>
+            <a:lumOff val="38410"/>
+            <a:alphaOff val="0"/>
+          </a:schemeClr>
+        </a:solidFill>
+        <a:ln w="38100" cap="flat" cmpd="sng" algn="ctr">
+          <a:solidFill>
+            <a:schemeClr val="lt1">
+              <a:hueOff val="0"/>
+              <a:satOff val="0"/>
+              <a:lumOff val="0"/>
+              <a:alphaOff val="0"/>
+            </a:schemeClr>
+          </a:solidFill>
+          <a:prstDash val="solid"/>
+        </a:ln>
+        <a:effectLst>
+          <a:outerShdw blurRad="40000" dist="20000" dir="5400000" rotWithShape="0">
+            <a:srgbClr val="000000">
+              <a:alpha val="38000"/>
+            </a:srgbClr>
+          </a:outerShdw>
+        </a:effectLst>
+      </dsp:spPr>
+      <dsp:style>
+        <a:lnRef idx="3">
+          <a:scrgbClr r="0" g="0" b="0"/>
+        </a:lnRef>
+        <a:fillRef idx="1">
+          <a:scrgbClr r="0" g="0" b="0"/>
+        </a:fillRef>
+        <a:effectRef idx="1">
+          <a:scrgbClr r="0" g="0" b="0"/>
+        </a:effectRef>
+        <a:fontRef idx="minor">
+          <a:schemeClr val="lt1"/>
+        </a:fontRef>
+      </dsp:style>
+      <dsp:txBody>
+        <a:bodyPr spcFirstLastPara="0" vert="horz" wrap="square" lIns="19050" tIns="19050" rIns="19050" bIns="19050" numCol="1" spcCol="1270" anchor="ctr" anchorCtr="0">
+          <a:noAutofit/>
+        </a:bodyPr>
+        <a:lstStyle/>
+        <a:p>
+          <a:pPr marL="0" lvl="0" indent="0" algn="ctr" defTabSz="222250">
+            <a:lnSpc>
+              <a:spcPct val="90000"/>
+            </a:lnSpc>
+            <a:spcBef>
+              <a:spcPct val="0"/>
+            </a:spcBef>
+            <a:spcAft>
+              <a:spcPct val="35000"/>
+            </a:spcAft>
+            <a:buNone/>
+          </a:pPr>
+          <a:r>
+            <a:rPr lang="en-US" sz="500" kern="1200">
+              <a:solidFill>
+                <a:schemeClr val="bg1"/>
+              </a:solidFill>
+            </a:rPr>
+            <a:t>Dynamic Layout design based on Dynamic content</a:t>
+          </a:r>
+          <a:endParaRPr lang="en-US" sz="500" kern="1200" dirty="0">
+            <a:solidFill>
+              <a:schemeClr val="bg1"/>
+            </a:solidFill>
+          </a:endParaRPr>
+        </a:p>
+      </dsp:txBody>
+      <dsp:txXfrm rot="-5400000">
+        <a:off x="1207878" y="1691058"/>
+        <a:ext cx="419770" cy="482495"/>
+      </dsp:txXfrm>
+    </dsp:sp>
+    <dsp:sp modelId="{B7EEDBF8-FDB4-4C53-8482-849626A2317C}">
+      <dsp:nvSpPr>
+        <dsp:cNvPr id="0" name=""/>
+        <dsp:cNvSpPr/>
+      </dsp:nvSpPr>
+      <dsp:spPr>
+        <a:xfrm>
+          <a:off x="1741188" y="1722017"/>
+          <a:ext cx="782272" cy="420576"/>
+        </a:xfrm>
+        <a:prstGeom prst="rect">
+          <a:avLst/>
+        </a:prstGeom>
+        <a:noFill/>
+        <a:ln>
+          <a:noFill/>
+        </a:ln>
+        <a:effectLst/>
+      </dsp:spPr>
+      <dsp:style>
+        <a:lnRef idx="0">
+          <a:scrgbClr r="0" g="0" b="0"/>
+        </a:lnRef>
+        <a:fillRef idx="0">
+          <a:scrgbClr r="0" g="0" b="0"/>
+        </a:fillRef>
+        <a:effectRef idx="0">
+          <a:scrgbClr r="0" g="0" b="0"/>
+        </a:effectRef>
+        <a:fontRef idx="minor"/>
+      </dsp:style>
+      <dsp:txBody>
+        <a:bodyPr spcFirstLastPara="0" vert="horz" wrap="square" lIns="19050" tIns="19050" rIns="19050" bIns="19050" numCol="1" spcCol="1270" anchor="ctr" anchorCtr="0">
+          <a:noAutofit/>
+        </a:bodyPr>
+        <a:lstStyle/>
+        <a:p>
+          <a:pPr marL="0" lvl="0" indent="0" algn="l" defTabSz="222250">
+            <a:lnSpc>
+              <a:spcPct val="90000"/>
+            </a:lnSpc>
+            <a:spcBef>
+              <a:spcPct val="0"/>
+            </a:spcBef>
+            <a:spcAft>
+              <a:spcPct val="35000"/>
+            </a:spcAft>
+            <a:buNone/>
+          </a:pPr>
+          <a:r>
+            <a:rPr lang="en-US" sz="500" kern="1200">
+              <a:solidFill>
+                <a:schemeClr val="bg1"/>
+              </a:solidFill>
+            </a:rPr>
+            <a:t>Frontend</a:t>
+          </a:r>
+          <a:endParaRPr lang="en-US" sz="500" kern="1200" dirty="0">
+            <a:solidFill>
+              <a:schemeClr val="bg1"/>
+            </a:solidFill>
+          </a:endParaRPr>
+        </a:p>
+      </dsp:txBody>
+      <dsp:txXfrm>
+        <a:off x="1741188" y="1722017"/>
+        <a:ext cx="782272" cy="420576"/>
+      </dsp:txXfrm>
+    </dsp:sp>
+    <dsp:sp modelId="{A90F0F5F-D5C5-46FB-A989-111E473F97E1}">
+      <dsp:nvSpPr>
+        <dsp:cNvPr id="0" name=""/>
+        <dsp:cNvSpPr/>
+      </dsp:nvSpPr>
+      <dsp:spPr>
+        <a:xfrm rot="5400000">
+          <a:off x="408660" y="1627387"/>
+          <a:ext cx="700961" cy="609836"/>
+        </a:xfrm>
+        <a:prstGeom prst="hexagon">
+          <a:avLst>
+            <a:gd name="adj" fmla="val 25000"/>
+            <a:gd name="vf" fmla="val 115470"/>
+          </a:avLst>
+        </a:prstGeom>
+        <a:solidFill>
+          <a:schemeClr val="accent2">
+            <a:shade val="80000"/>
+            <a:hueOff val="0"/>
+            <a:satOff val="0"/>
+            <a:lumOff val="48012"/>
+            <a:alphaOff val="0"/>
+          </a:schemeClr>
+        </a:solidFill>
+        <a:ln w="38100" cap="flat" cmpd="sng" algn="ctr">
+          <a:solidFill>
+            <a:schemeClr val="lt1">
+              <a:hueOff val="0"/>
+              <a:satOff val="0"/>
+              <a:lumOff val="0"/>
+              <a:alphaOff val="0"/>
+            </a:schemeClr>
+          </a:solidFill>
+          <a:prstDash val="solid"/>
+        </a:ln>
+        <a:effectLst>
+          <a:outerShdw blurRad="40000" dist="20000" dir="5400000" rotWithShape="0">
+            <a:srgbClr val="000000">
+              <a:alpha val="38000"/>
+            </a:srgbClr>
+          </a:outerShdw>
+        </a:effectLst>
+      </dsp:spPr>
+      <dsp:style>
+        <a:lnRef idx="3">
+          <a:scrgbClr r="0" g="0" b="0"/>
+        </a:lnRef>
+        <a:fillRef idx="1">
+          <a:scrgbClr r="0" g="0" b="0"/>
+        </a:fillRef>
+        <a:effectRef idx="1">
+          <a:scrgbClr r="0" g="0" b="0"/>
+        </a:effectRef>
+        <a:fontRef idx="minor">
+          <a:schemeClr val="lt1"/>
+        </a:fontRef>
+      </dsp:style>
+      <dsp:txBody>
+        <a:bodyPr spcFirstLastPara="0" vert="horz" wrap="square" lIns="0" tIns="0" rIns="0" bIns="0" numCol="1" spcCol="1270" anchor="ctr" anchorCtr="0">
+          <a:noAutofit/>
+        </a:bodyPr>
+        <a:lstStyle/>
+        <a:p>
+          <a:pPr marL="0" lvl="0" indent="0" algn="ctr" defTabSz="1600200">
+            <a:lnSpc>
+              <a:spcPct val="90000"/>
+            </a:lnSpc>
+            <a:spcBef>
+              <a:spcPct val="0"/>
+            </a:spcBef>
+            <a:spcAft>
+              <a:spcPct val="35000"/>
+            </a:spcAft>
+            <a:buNone/>
+          </a:pPr>
+          <a:endParaRPr lang="en-US" sz="3600" kern="1200">
+            <a:solidFill>
+              <a:schemeClr val="bg1"/>
+            </a:solidFill>
+          </a:endParaRPr>
+        </a:p>
+      </dsp:txBody>
+      <dsp:txXfrm rot="-5400000">
+        <a:off x="549255" y="1691058"/>
+        <a:ext cx="419770" cy="482495"/>
+      </dsp:txXfrm>
+    </dsp:sp>
+  </dsp:spTree>
+</dsp:drawing>
+</file>
+
+<file path=ppt/diagrams/drawing3.xml><?xml version="1.0" encoding="utf-8"?>
 <dsp:drawing xmlns:dgm="http://schemas.openxmlformats.org/drawingml/2006/diagram" xmlns:dsp="http://schemas.microsoft.com/office/drawing/2008/diagram" xmlns:a="http://schemas.openxmlformats.org/drawingml/2006/main">
   <dsp:spTree>
     <dsp:nvGrpSpPr>
@@ -2802,94 +6840,6 @@
             <a:t>Slider for rating</a:t>
           </a:r>
         </a:p>
-        <a:p>
-          <a:pPr marL="57150" lvl="1" indent="-57150" algn="l" defTabSz="266700">
-            <a:lnSpc>
-              <a:spcPct val="90000"/>
-            </a:lnSpc>
-            <a:spcBef>
-              <a:spcPct val="0"/>
-            </a:spcBef>
-            <a:spcAft>
-              <a:spcPct val="15000"/>
-            </a:spcAft>
-            <a:buChar char="•"/>
-          </a:pPr>
-          <a:r>
-            <a:rPr lang="en-US" sz="600" kern="1200" dirty="0"/>
-            <a:t>Toggle for Subject</a:t>
-          </a:r>
-        </a:p>
-        <a:p>
-          <a:pPr marL="114300" lvl="2" indent="-57150" algn="l" defTabSz="266700">
-            <a:lnSpc>
-              <a:spcPct val="90000"/>
-            </a:lnSpc>
-            <a:spcBef>
-              <a:spcPct val="0"/>
-            </a:spcBef>
-            <a:spcAft>
-              <a:spcPct val="15000"/>
-            </a:spcAft>
-            <a:buChar char="•"/>
-          </a:pPr>
-          <a:r>
-            <a:rPr lang="en-US" sz="600" kern="1200" dirty="0"/>
-            <a:t>If “</a:t>
-          </a:r>
-          <a:r>
-            <a:rPr lang="en-US" sz="600" kern="1200" dirty="0" err="1"/>
-            <a:t>searchTermInSubject</a:t>
-          </a:r>
-          <a:r>
-            <a:rPr lang="en-US" sz="600" kern="1200" dirty="0"/>
-            <a:t>” = true, filter results</a:t>
-          </a:r>
-        </a:p>
-        <a:p>
-          <a:pPr marL="57150" lvl="1" indent="-57150" algn="l" defTabSz="266700">
-            <a:lnSpc>
-              <a:spcPct val="90000"/>
-            </a:lnSpc>
-            <a:spcBef>
-              <a:spcPct val="0"/>
-            </a:spcBef>
-            <a:spcAft>
-              <a:spcPct val="15000"/>
-            </a:spcAft>
-            <a:buChar char="•"/>
-          </a:pPr>
-          <a:r>
-            <a:rPr lang="en-US" sz="600" kern="1200" dirty="0"/>
-            <a:t>Toggle for Author</a:t>
-          </a:r>
-        </a:p>
-        <a:p>
-          <a:pPr marL="114300" lvl="2" indent="-57150" algn="l" defTabSz="266700">
-            <a:lnSpc>
-              <a:spcPct val="90000"/>
-            </a:lnSpc>
-            <a:spcBef>
-              <a:spcPct val="0"/>
-            </a:spcBef>
-            <a:spcAft>
-              <a:spcPct val="15000"/>
-            </a:spcAft>
-            <a:buChar char="•"/>
-          </a:pPr>
-          <a:r>
-            <a:rPr lang="en-US" sz="600" kern="1200" dirty="0"/>
-            <a:t>If “</a:t>
-          </a:r>
-          <a:r>
-            <a:rPr lang="en-US" sz="600" kern="1200" dirty="0" err="1"/>
-            <a:t>searchTermInAuthor</a:t>
-          </a:r>
-          <a:r>
-            <a:rPr lang="en-US" sz="600" kern="1200" dirty="0"/>
-            <a:t>” = true, filter results</a:t>
-          </a:r>
-        </a:p>
       </dsp:txBody>
       <dsp:txXfrm>
         <a:off x="4706411" y="1788157"/>
@@ -2901,6 +6851,716 @@
 </file>
 
 <file path=ppt/diagrams/layout1.xml><?xml version="1.0" encoding="utf-8"?>
+<dgm:layoutDef xmlns:dgm="http://schemas.openxmlformats.org/drawingml/2006/diagram" xmlns:a="http://schemas.openxmlformats.org/drawingml/2006/main" uniqueId="urn:microsoft.com/office/officeart/2008/layout/AlternatingHexagons">
+  <dgm:title val=""/>
+  <dgm:desc val=""/>
+  <dgm:catLst>
+    <dgm:cat type="list" pri="1500"/>
+  </dgm:catLst>
+  <dgm:sampData>
+    <dgm:dataModel>
+      <dgm:ptLst>
+        <dgm:pt modelId="0" type="doc"/>
+        <dgm:pt modelId="10">
+          <dgm:prSet phldr="1"/>
+        </dgm:pt>
+        <dgm:pt modelId="11">
+          <dgm:prSet phldr="1"/>
+        </dgm:pt>
+        <dgm:pt modelId="20">
+          <dgm:prSet phldr="1"/>
+        </dgm:pt>
+        <dgm:pt modelId="21">
+          <dgm:prSet phldr="1"/>
+        </dgm:pt>
+        <dgm:pt modelId="30">
+          <dgm:prSet phldr="1"/>
+        </dgm:pt>
+        <dgm:pt modelId="31">
+          <dgm:prSet phldr="1"/>
+        </dgm:pt>
+      </dgm:ptLst>
+      <dgm:cxnLst>
+        <dgm:cxn modelId="40" srcId="0" destId="10" srcOrd="0" destOrd="0"/>
+        <dgm:cxn modelId="12" srcId="10" destId="11" srcOrd="0" destOrd="0"/>
+        <dgm:cxn modelId="50" srcId="0" destId="20" srcOrd="1" destOrd="0"/>
+        <dgm:cxn modelId="22" srcId="20" destId="21" srcOrd="0" destOrd="0"/>
+        <dgm:cxn modelId="60" srcId="0" destId="30" srcOrd="1" destOrd="0"/>
+        <dgm:cxn modelId="32" srcId="30" destId="31" srcOrd="0" destOrd="0"/>
+      </dgm:cxnLst>
+      <dgm:bg/>
+      <dgm:whole/>
+    </dgm:dataModel>
+  </dgm:sampData>
+  <dgm:styleData>
+    <dgm:dataModel>
+      <dgm:ptLst>
+        <dgm:pt modelId="0" type="doc"/>
+        <dgm:pt modelId="10">
+          <dgm:prSet phldr="1"/>
+        </dgm:pt>
+        <dgm:pt modelId="20">
+          <dgm:prSet phldr="1"/>
+        </dgm:pt>
+      </dgm:ptLst>
+      <dgm:cxnLst>
+        <dgm:cxn modelId="60" srcId="0" destId="10" srcOrd="0" destOrd="0"/>
+        <dgm:cxn modelId="70" srcId="0" destId="20" srcOrd="1" destOrd="0"/>
+      </dgm:cxnLst>
+      <dgm:bg/>
+      <dgm:whole/>
+    </dgm:dataModel>
+  </dgm:styleData>
+  <dgm:clrData>
+    <dgm:dataModel>
+      <dgm:ptLst>
+        <dgm:pt modelId="0" type="doc"/>
+        <dgm:pt modelId="10">
+          <dgm:prSet phldr="1"/>
+        </dgm:pt>
+        <dgm:pt modelId="20">
+          <dgm:prSet phldr="1"/>
+        </dgm:pt>
+        <dgm:pt modelId="30">
+          <dgm:prSet phldr="1"/>
+        </dgm:pt>
+        <dgm:pt modelId="40">
+          <dgm:prSet phldr="1"/>
+        </dgm:pt>
+      </dgm:ptLst>
+      <dgm:cxnLst>
+        <dgm:cxn modelId="60" srcId="0" destId="10" srcOrd="0" destOrd="0"/>
+        <dgm:cxn modelId="70" srcId="0" destId="20" srcOrd="1" destOrd="0"/>
+        <dgm:cxn modelId="80" srcId="0" destId="30" srcOrd="2" destOrd="0"/>
+        <dgm:cxn modelId="90" srcId="0" destId="40" srcOrd="3" destOrd="0"/>
+      </dgm:cxnLst>
+      <dgm:bg/>
+      <dgm:whole/>
+    </dgm:dataModel>
+  </dgm:clrData>
+  <dgm:layoutNode name="Name0">
+    <dgm:varLst>
+      <dgm:chMax/>
+      <dgm:chPref/>
+      <dgm:dir/>
+      <dgm:animLvl val="lvl"/>
+    </dgm:varLst>
+    <dgm:alg type="lin">
+      <dgm:param type="linDir" val="fromT"/>
+    </dgm:alg>
+    <dgm:shape xmlns:r="http://schemas.openxmlformats.org/officeDocument/2006/relationships" r:blip="">
+      <dgm:adjLst/>
+    </dgm:shape>
+    <dgm:constrLst>
+      <dgm:constr type="primFontSz" for="des" forName="Parent1" val="65"/>
+      <dgm:constr type="primFontSz" for="des" forName="Childtext1" refType="primFontSz" refFor="des" refForName="Parent1" op="lte"/>
+      <dgm:constr type="w" for="ch" forName="composite" refType="w"/>
+      <dgm:constr type="h" for="ch" forName="composite" refType="h"/>
+      <dgm:constr type="h" for="ch" forName="spaceBetweenRectangles" refType="w" refFor="ch" refForName="composite" fact="-0.042"/>
+      <dgm:constr type="sp" refType="h" refFor="ch" refForName="composite" op="equ" fact="0.1"/>
+    </dgm:constrLst>
+    <dgm:forEach name="nodesForEach" axis="ch" ptType="node">
+      <dgm:layoutNode name="composite">
+        <dgm:alg type="composite">
+          <dgm:param type="ar" val="3.6"/>
+        </dgm:alg>
+        <dgm:shape xmlns:r="http://schemas.openxmlformats.org/officeDocument/2006/relationships" r:blip="">
+          <dgm:adjLst/>
+        </dgm:shape>
+        <dgm:choose name="Name1">
+          <dgm:if name="Name2" func="var" arg="dir" op="equ" val="norm">
+            <dgm:choose name="Name3">
+              <dgm:if name="Name4" axis="self" ptType="node" func="posOdd" op="equ" val="1">
+                <dgm:constrLst>
+                  <dgm:constr type="l" for="ch" forName="Accent1" refType="w" fact="0.18"/>
+                  <dgm:constr type="t" for="ch" forName="Accent1" refType="h" fact="0"/>
+                  <dgm:constr type="h" for="ch" forName="Accent1" refType="h"/>
+                  <dgm:constr type="w" for="ch" forName="Accent1" refType="h" fact="0.87"/>
+                  <dgm:constr type="l" for="ch" forName="Accent1Text" refType="w" fact="0.18"/>
+                  <dgm:constr type="t" for="ch" forName="Accent1Text" refType="h" fact="0"/>
+                  <dgm:constr type="h" for="ch" forName="Accent1Text" refType="h"/>
+                  <dgm:constr type="w" for="ch" forName="Accent1Text" refType="h" fact="0.87"/>
+                  <dgm:constr type="l" for="ch" forName="Parent1" refType="w" fact="0.441"/>
+                  <dgm:constr type="t" for="ch" forName="Parent1" refType="h" fact="0"/>
+                  <dgm:constr type="h" for="ch" forName="Parent1" refType="h"/>
+                  <dgm:constr type="w" for="ch" forName="Parent1" refType="h" fact="0.87"/>
+                  <dgm:constr type="l" for="ch" forName="Childtext1" refType="w" fact="0.69"/>
+                  <dgm:constr type="t" for="ch" forName="Childtext1" refType="h" fact="0.2"/>
+                  <dgm:constr type="w" for="ch" forName="Childtext1" refType="w" fact="0.31"/>
+                  <dgm:constr type="h" for="ch" forName="Childtext1" refType="h" fact="0.6"/>
+                  <dgm:constr type="l" for="ch" forName="BalanceSpacing" refType="w" fact="0"/>
+                  <dgm:constr type="t" for="ch" forName="BalanceSpacing" refType="h" fact="0"/>
+                  <dgm:constr type="w" for="ch" forName="BalanceSpacing" refType="w"/>
+                  <dgm:constr type="h" for="ch" forName="BalanceSpacing" refType="h" fact="0.1"/>
+                  <dgm:constr type="l" for="ch" forName="BalanceSpacing1" refType="w" fact="0.69"/>
+                  <dgm:constr type="t" for="ch" forName="BalanceSpacing1" refType="h" fact="0.2"/>
+                  <dgm:constr type="w" for="ch" forName="BalanceSpacing1" refType="w" fact="0.31"/>
+                  <dgm:constr type="h" for="ch" forName="BalanceSpacing1" refType="h" fact="0.6"/>
+                </dgm:constrLst>
+              </dgm:if>
+              <dgm:else name="Name5">
+                <dgm:constrLst>
+                  <dgm:constr type="l" for="ch" forName="Accent1" refType="w" fact="0.571"/>
+                  <dgm:constr type="t" for="ch" forName="Accent1" refType="h" fact="0"/>
+                  <dgm:constr type="h" for="ch" forName="Accent1" refType="h"/>
+                  <dgm:constr type="w" for="ch" forName="Accent1" refType="h" fact="0.87"/>
+                  <dgm:constr type="l" for="ch" forName="Accent1Text" refType="w" fact="0.571"/>
+                  <dgm:constr type="t" for="ch" forName="Accent1Text" refType="h" fact="0"/>
+                  <dgm:constr type="h" for="ch" forName="Accent1Text" refType="h"/>
+                  <dgm:constr type="w" for="ch" forName="Accent1Text" refType="h" fact="0.87"/>
+                  <dgm:constr type="l" for="ch" forName="Parent1" refType="w" fact="0.31"/>
+                  <dgm:constr type="t" for="ch" forName="Parent1" refType="h" fact="0"/>
+                  <dgm:constr type="h" for="ch" forName="Parent1" refType="h"/>
+                  <dgm:constr type="w" for="ch" forName="Parent1" refType="h" fact="0.87"/>
+                  <dgm:constr type="l" for="ch" forName="Childtext1" refType="w" fact="0"/>
+                  <dgm:constr type="t" for="ch" forName="Childtext1" refType="h" fact="0.2"/>
+                  <dgm:constr type="w" for="ch" forName="Childtext1" refType="w" fact="0.3"/>
+                  <dgm:constr type="h" for="ch" forName="Childtext1" refType="h" fact="0.6"/>
+                  <dgm:constr type="l" for="ch" forName="BalanceSpacing" refType="w" fact="0.82"/>
+                  <dgm:constr type="t" for="ch" forName="BalanceSpacing" refType="h" fact="0"/>
+                  <dgm:constr type="w" for="ch" forName="BalanceSpacing" refType="w" fact="0.18"/>
+                  <dgm:constr type="h" for="ch" forName="BalanceSpacing" refType="h"/>
+                  <dgm:constr type="l" for="ch" forName="BalanceSpacing1" refType="w" fact="0"/>
+                  <dgm:constr type="t" for="ch" forName="BalanceSpacing1" refType="h" fact="0.2"/>
+                  <dgm:constr type="w" for="ch" forName="BalanceSpacing1" refType="w" fact="0.3"/>
+                  <dgm:constr type="h" for="ch" forName="BalanceSpacing1" refType="h" fact="0.6"/>
+                </dgm:constrLst>
+              </dgm:else>
+            </dgm:choose>
+          </dgm:if>
+          <dgm:else name="Name6">
+            <dgm:choose name="Name7">
+              <dgm:if name="Name8" axis="self" ptType="node" func="posOdd" op="equ" val="1">
+                <dgm:constrLst>
+                  <dgm:constr type="l" for="ch" forName="Accent1" refType="w" fact="0.571"/>
+                  <dgm:constr type="t" for="ch" forName="Accent1" refType="h" fact="0"/>
+                  <dgm:constr type="h" for="ch" forName="Accent1" refType="h"/>
+                  <dgm:constr type="w" for="ch" forName="Accent1" refType="h" fact="0.87"/>
+                  <dgm:constr type="l" for="ch" forName="Accent1Text" refType="w" fact="0.571"/>
+                  <dgm:constr type="t" for="ch" forName="Accent1Text" refType="h" fact="0"/>
+                  <dgm:constr type="h" for="ch" forName="Accent1Text" refType="h"/>
+                  <dgm:constr type="w" for="ch" forName="Accent1Text" refType="h" fact="0.87"/>
+                  <dgm:constr type="l" for="ch" forName="Parent1" refType="w" fact="0.31"/>
+                  <dgm:constr type="t" for="ch" forName="Parent1" refType="h" fact="0"/>
+                  <dgm:constr type="h" for="ch" forName="Parent1" refType="h"/>
+                  <dgm:constr type="w" for="ch" forName="Parent1" refType="h" fact="0.87"/>
+                  <dgm:constr type="l" for="ch" forName="Childtext1" refType="w" fact="0"/>
+                  <dgm:constr type="t" for="ch" forName="Childtext1" refType="h" fact="0.2"/>
+                  <dgm:constr type="w" for="ch" forName="Childtext1" refType="w" fact="0.3"/>
+                  <dgm:constr type="h" for="ch" forName="Childtext1" refType="h" fact="0.6"/>
+                  <dgm:constr type="l" for="ch" forName="BalanceSpacing" refType="w" fact="0.82"/>
+                  <dgm:constr type="t" for="ch" forName="BalanceSpacing" refType="h" fact="0"/>
+                  <dgm:constr type="w" for="ch" forName="BalanceSpacing" refType="w" fact="0.18"/>
+                  <dgm:constr type="h" for="ch" forName="BalanceSpacing" refType="h"/>
+                </dgm:constrLst>
+              </dgm:if>
+              <dgm:else name="Name9">
+                <dgm:constrLst>
+                  <dgm:constr type="l" for="ch" forName="Accent1" refType="w" fact="0.18"/>
+                  <dgm:constr type="t" for="ch" forName="Accent1" refType="h" fact="0"/>
+                  <dgm:constr type="h" for="ch" forName="Accent1" refType="h"/>
+                  <dgm:constr type="w" for="ch" forName="Accent1" refType="h" fact="0.87"/>
+                  <dgm:constr type="l" for="ch" forName="Accent1Text" refType="w" fact="0.18"/>
+                  <dgm:constr type="t" for="ch" forName="Accent1Text" refType="h" fact="0"/>
+                  <dgm:constr type="h" for="ch" forName="Accent1Text" refType="h"/>
+                  <dgm:constr type="w" for="ch" forName="Accent1Text" refType="h" fact="0.87"/>
+                  <dgm:constr type="l" for="ch" forName="Parent1" refType="w" fact="0.441"/>
+                  <dgm:constr type="t" for="ch" forName="Parent1" refType="h" fact="0"/>
+                  <dgm:constr type="h" for="ch" forName="Parent1" refType="h"/>
+                  <dgm:constr type="w" for="ch" forName="Parent1" refType="h" fact="0.87"/>
+                  <dgm:constr type="l" for="ch" forName="Childtext1" refType="w" fact="0.69"/>
+                  <dgm:constr type="t" for="ch" forName="Childtext1" refType="h" fact="0.2"/>
+                  <dgm:constr type="w" for="ch" forName="Childtext1" refType="w" fact="0.31"/>
+                  <dgm:constr type="h" for="ch" forName="Childtext1" refType="h" fact="0.6"/>
+                  <dgm:constr type="l" for="ch" forName="BalanceSpacing" refType="w" fact="0"/>
+                  <dgm:constr type="t" for="ch" forName="BalanceSpacing" refType="h" fact="0"/>
+                  <dgm:constr type="w" for="ch" forName="BalanceSpacing" refType="w" fact="0.18"/>
+                  <dgm:constr type="h" for="ch" forName="BalanceSpacing" refType="h"/>
+                </dgm:constrLst>
+              </dgm:else>
+            </dgm:choose>
+          </dgm:else>
+        </dgm:choose>
+        <dgm:layoutNode name="Parent1" styleLbl="node1">
+          <dgm:varLst>
+            <dgm:chMax val="1"/>
+            <dgm:chPref val="1"/>
+            <dgm:bulletEnabled val="1"/>
+          </dgm:varLst>
+          <dgm:alg type="tx"/>
+          <dgm:shape xmlns:r="http://schemas.openxmlformats.org/officeDocument/2006/relationships" rot="90" type="hexagon" r:blip="">
+            <dgm:adjLst>
+              <dgm:adj idx="1" val="0.25"/>
+              <dgm:adj idx="2" val="1.1547"/>
+            </dgm:adjLst>
+          </dgm:shape>
+          <dgm:presOf axis="self" ptType="node"/>
+          <dgm:constrLst>
+            <dgm:constr type="lMarg" refType="primFontSz" fact="0.3"/>
+            <dgm:constr type="rMarg" refType="primFontSz" fact="0.3"/>
+            <dgm:constr type="tMarg" refType="primFontSz" fact="0.3"/>
+            <dgm:constr type="bMarg" refType="primFontSz" fact="0.3"/>
+          </dgm:constrLst>
+          <dgm:ruleLst>
+            <dgm:rule type="primFontSz" val="5" fact="NaN" max="NaN"/>
+          </dgm:ruleLst>
+        </dgm:layoutNode>
+        <dgm:layoutNode name="Childtext1" styleLbl="revTx">
+          <dgm:varLst>
+            <dgm:chMax val="0"/>
+            <dgm:chPref val="0"/>
+            <dgm:bulletEnabled val="1"/>
+          </dgm:varLst>
+          <dgm:choose name="Name10">
+            <dgm:if name="Name11" func="var" arg="dir" op="equ" val="norm">
+              <dgm:choose name="Name12">
+                <dgm:if name="Name13" axis="self" ptType="node" func="posOdd" op="equ" val="1">
+                  <dgm:alg type="tx">
+                    <dgm:param type="parTxLTRAlign" val="l"/>
+                  </dgm:alg>
+                </dgm:if>
+                <dgm:else name="Name14">
+                  <dgm:alg type="tx">
+                    <dgm:param type="parTxLTRAlign" val="r"/>
+                  </dgm:alg>
+                </dgm:else>
+              </dgm:choose>
+            </dgm:if>
+            <dgm:else name="Name15">
+              <dgm:choose name="Name16">
+                <dgm:if name="Name17" axis="self" ptType="node" func="posOdd" op="equ" val="1">
+                  <dgm:alg type="tx">
+                    <dgm:param type="parTxLTRAlign" val="r"/>
+                  </dgm:alg>
+                </dgm:if>
+                <dgm:else name="Name18">
+                  <dgm:alg type="tx">
+                    <dgm:param type="parTxLTRAlign" val="l"/>
+                  </dgm:alg>
+                </dgm:else>
+              </dgm:choose>
+            </dgm:else>
+          </dgm:choose>
+          <dgm:shape xmlns:r="http://schemas.openxmlformats.org/officeDocument/2006/relationships" type="rect" r:blip="">
+            <dgm:adjLst/>
+          </dgm:shape>
+          <dgm:presOf axis="des" ptType="node"/>
+          <dgm:constrLst>
+            <dgm:constr type="lMarg" refType="primFontSz" fact="0.3"/>
+            <dgm:constr type="rMarg" refType="primFontSz" fact="0.3"/>
+            <dgm:constr type="tMarg" refType="primFontSz" fact="0.3"/>
+            <dgm:constr type="bMarg" refType="primFontSz" fact="0.3"/>
+          </dgm:constrLst>
+          <dgm:ruleLst>
+            <dgm:rule type="primFontSz" val="5" fact="NaN" max="NaN"/>
+          </dgm:ruleLst>
+        </dgm:layoutNode>
+        <dgm:layoutNode name="BalanceSpacing">
+          <dgm:alg type="sp"/>
+          <dgm:shape xmlns:r="http://schemas.openxmlformats.org/officeDocument/2006/relationships" r:blip="">
+            <dgm:adjLst/>
+          </dgm:shape>
+        </dgm:layoutNode>
+        <dgm:layoutNode name="BalanceSpacing1">
+          <dgm:alg type="sp"/>
+          <dgm:shape xmlns:r="http://schemas.openxmlformats.org/officeDocument/2006/relationships" r:blip="">
+            <dgm:adjLst/>
+          </dgm:shape>
+        </dgm:layoutNode>
+        <dgm:forEach name="Name19" axis="followSib" ptType="sibTrans" hideLastTrans="0" cnt="1">
+          <dgm:layoutNode name="Accent1Text" styleLbl="node1">
+            <dgm:alg type="tx"/>
+            <dgm:shape xmlns:r="http://schemas.openxmlformats.org/officeDocument/2006/relationships" rot="90" type="hexagon" r:blip="">
+              <dgm:adjLst>
+                <dgm:adj idx="1" val="0.25"/>
+                <dgm:adj idx="2" val="1.1547"/>
+              </dgm:adjLst>
+            </dgm:shape>
+            <dgm:presOf axis="self" ptType="sibTrans"/>
+            <dgm:constrLst>
+              <dgm:constr type="lMarg"/>
+              <dgm:constr type="rMarg"/>
+              <dgm:constr type="tMarg"/>
+              <dgm:constr type="bMarg"/>
+            </dgm:constrLst>
+            <dgm:ruleLst>
+              <dgm:rule type="primFontSz" val="5" fact="NaN" max="NaN"/>
+            </dgm:ruleLst>
+          </dgm:layoutNode>
+        </dgm:forEach>
+      </dgm:layoutNode>
+      <dgm:forEach name="Name20" axis="followSib" ptType="sibTrans" cnt="1">
+        <dgm:layoutNode name="spaceBetweenRectangles">
+          <dgm:alg type="sp"/>
+          <dgm:shape xmlns:r="http://schemas.openxmlformats.org/officeDocument/2006/relationships" r:blip="">
+            <dgm:adjLst/>
+          </dgm:shape>
+          <dgm:presOf/>
+          <dgm:constrLst/>
+          <dgm:ruleLst/>
+        </dgm:layoutNode>
+      </dgm:forEach>
+    </dgm:forEach>
+  </dgm:layoutNode>
+</dgm:layoutDef>
+</file>
+
+<file path=ppt/diagrams/layout2.xml><?xml version="1.0" encoding="utf-8"?>
+<dgm:layoutDef xmlns:dgm="http://schemas.openxmlformats.org/drawingml/2006/diagram" xmlns:a="http://schemas.openxmlformats.org/drawingml/2006/main" uniqueId="urn:microsoft.com/office/officeart/2008/layout/AlternatingHexagons">
+  <dgm:title val=""/>
+  <dgm:desc val=""/>
+  <dgm:catLst>
+    <dgm:cat type="list" pri="1500"/>
+  </dgm:catLst>
+  <dgm:sampData>
+    <dgm:dataModel>
+      <dgm:ptLst>
+        <dgm:pt modelId="0" type="doc"/>
+        <dgm:pt modelId="10">
+          <dgm:prSet phldr="1"/>
+        </dgm:pt>
+        <dgm:pt modelId="11">
+          <dgm:prSet phldr="1"/>
+        </dgm:pt>
+        <dgm:pt modelId="20">
+          <dgm:prSet phldr="1"/>
+        </dgm:pt>
+        <dgm:pt modelId="21">
+          <dgm:prSet phldr="1"/>
+        </dgm:pt>
+        <dgm:pt modelId="30">
+          <dgm:prSet phldr="1"/>
+        </dgm:pt>
+        <dgm:pt modelId="31">
+          <dgm:prSet phldr="1"/>
+        </dgm:pt>
+      </dgm:ptLst>
+      <dgm:cxnLst>
+        <dgm:cxn modelId="40" srcId="0" destId="10" srcOrd="0" destOrd="0"/>
+        <dgm:cxn modelId="12" srcId="10" destId="11" srcOrd="0" destOrd="0"/>
+        <dgm:cxn modelId="50" srcId="0" destId="20" srcOrd="1" destOrd="0"/>
+        <dgm:cxn modelId="22" srcId="20" destId="21" srcOrd="0" destOrd="0"/>
+        <dgm:cxn modelId="60" srcId="0" destId="30" srcOrd="1" destOrd="0"/>
+        <dgm:cxn modelId="32" srcId="30" destId="31" srcOrd="0" destOrd="0"/>
+      </dgm:cxnLst>
+      <dgm:bg/>
+      <dgm:whole/>
+    </dgm:dataModel>
+  </dgm:sampData>
+  <dgm:styleData>
+    <dgm:dataModel>
+      <dgm:ptLst>
+        <dgm:pt modelId="0" type="doc"/>
+        <dgm:pt modelId="10">
+          <dgm:prSet phldr="1"/>
+        </dgm:pt>
+        <dgm:pt modelId="20">
+          <dgm:prSet phldr="1"/>
+        </dgm:pt>
+      </dgm:ptLst>
+      <dgm:cxnLst>
+        <dgm:cxn modelId="60" srcId="0" destId="10" srcOrd="0" destOrd="0"/>
+        <dgm:cxn modelId="70" srcId="0" destId="20" srcOrd="1" destOrd="0"/>
+      </dgm:cxnLst>
+      <dgm:bg/>
+      <dgm:whole/>
+    </dgm:dataModel>
+  </dgm:styleData>
+  <dgm:clrData>
+    <dgm:dataModel>
+      <dgm:ptLst>
+        <dgm:pt modelId="0" type="doc"/>
+        <dgm:pt modelId="10">
+          <dgm:prSet phldr="1"/>
+        </dgm:pt>
+        <dgm:pt modelId="20">
+          <dgm:prSet phldr="1"/>
+        </dgm:pt>
+        <dgm:pt modelId="30">
+          <dgm:prSet phldr="1"/>
+        </dgm:pt>
+        <dgm:pt modelId="40">
+          <dgm:prSet phldr="1"/>
+        </dgm:pt>
+      </dgm:ptLst>
+      <dgm:cxnLst>
+        <dgm:cxn modelId="60" srcId="0" destId="10" srcOrd="0" destOrd="0"/>
+        <dgm:cxn modelId="70" srcId="0" destId="20" srcOrd="1" destOrd="0"/>
+        <dgm:cxn modelId="80" srcId="0" destId="30" srcOrd="2" destOrd="0"/>
+        <dgm:cxn modelId="90" srcId="0" destId="40" srcOrd="3" destOrd="0"/>
+      </dgm:cxnLst>
+      <dgm:bg/>
+      <dgm:whole/>
+    </dgm:dataModel>
+  </dgm:clrData>
+  <dgm:layoutNode name="Name0">
+    <dgm:varLst>
+      <dgm:chMax/>
+      <dgm:chPref/>
+      <dgm:dir/>
+      <dgm:animLvl val="lvl"/>
+    </dgm:varLst>
+    <dgm:alg type="lin">
+      <dgm:param type="linDir" val="fromT"/>
+    </dgm:alg>
+    <dgm:shape xmlns:r="http://schemas.openxmlformats.org/officeDocument/2006/relationships" r:blip="">
+      <dgm:adjLst/>
+    </dgm:shape>
+    <dgm:constrLst>
+      <dgm:constr type="primFontSz" for="des" forName="Parent1" val="65"/>
+      <dgm:constr type="primFontSz" for="des" forName="Childtext1" refType="primFontSz" refFor="des" refForName="Parent1" op="lte"/>
+      <dgm:constr type="w" for="ch" forName="composite" refType="w"/>
+      <dgm:constr type="h" for="ch" forName="composite" refType="h"/>
+      <dgm:constr type="h" for="ch" forName="spaceBetweenRectangles" refType="w" refFor="ch" refForName="composite" fact="-0.042"/>
+      <dgm:constr type="sp" refType="h" refFor="ch" refForName="composite" op="equ" fact="0.1"/>
+    </dgm:constrLst>
+    <dgm:forEach name="nodesForEach" axis="ch" ptType="node">
+      <dgm:layoutNode name="composite">
+        <dgm:alg type="composite">
+          <dgm:param type="ar" val="3.6"/>
+        </dgm:alg>
+        <dgm:shape xmlns:r="http://schemas.openxmlformats.org/officeDocument/2006/relationships" r:blip="">
+          <dgm:adjLst/>
+        </dgm:shape>
+        <dgm:choose name="Name1">
+          <dgm:if name="Name2" func="var" arg="dir" op="equ" val="norm">
+            <dgm:choose name="Name3">
+              <dgm:if name="Name4" axis="self" ptType="node" func="posOdd" op="equ" val="1">
+                <dgm:constrLst>
+                  <dgm:constr type="l" for="ch" forName="Accent1" refType="w" fact="0.18"/>
+                  <dgm:constr type="t" for="ch" forName="Accent1" refType="h" fact="0"/>
+                  <dgm:constr type="h" for="ch" forName="Accent1" refType="h"/>
+                  <dgm:constr type="w" for="ch" forName="Accent1" refType="h" fact="0.87"/>
+                  <dgm:constr type="l" for="ch" forName="Accent1Text" refType="w" fact="0.18"/>
+                  <dgm:constr type="t" for="ch" forName="Accent1Text" refType="h" fact="0"/>
+                  <dgm:constr type="h" for="ch" forName="Accent1Text" refType="h"/>
+                  <dgm:constr type="w" for="ch" forName="Accent1Text" refType="h" fact="0.87"/>
+                  <dgm:constr type="l" for="ch" forName="Parent1" refType="w" fact="0.441"/>
+                  <dgm:constr type="t" for="ch" forName="Parent1" refType="h" fact="0"/>
+                  <dgm:constr type="h" for="ch" forName="Parent1" refType="h"/>
+                  <dgm:constr type="w" for="ch" forName="Parent1" refType="h" fact="0.87"/>
+                  <dgm:constr type="l" for="ch" forName="Childtext1" refType="w" fact="0.69"/>
+                  <dgm:constr type="t" for="ch" forName="Childtext1" refType="h" fact="0.2"/>
+                  <dgm:constr type="w" for="ch" forName="Childtext1" refType="w" fact="0.31"/>
+                  <dgm:constr type="h" for="ch" forName="Childtext1" refType="h" fact="0.6"/>
+                  <dgm:constr type="l" for="ch" forName="BalanceSpacing" refType="w" fact="0"/>
+                  <dgm:constr type="t" for="ch" forName="BalanceSpacing" refType="h" fact="0"/>
+                  <dgm:constr type="w" for="ch" forName="BalanceSpacing" refType="w"/>
+                  <dgm:constr type="h" for="ch" forName="BalanceSpacing" refType="h" fact="0.1"/>
+                  <dgm:constr type="l" for="ch" forName="BalanceSpacing1" refType="w" fact="0.69"/>
+                  <dgm:constr type="t" for="ch" forName="BalanceSpacing1" refType="h" fact="0.2"/>
+                  <dgm:constr type="w" for="ch" forName="BalanceSpacing1" refType="w" fact="0.31"/>
+                  <dgm:constr type="h" for="ch" forName="BalanceSpacing1" refType="h" fact="0.6"/>
+                </dgm:constrLst>
+              </dgm:if>
+              <dgm:else name="Name5">
+                <dgm:constrLst>
+                  <dgm:constr type="l" for="ch" forName="Accent1" refType="w" fact="0.571"/>
+                  <dgm:constr type="t" for="ch" forName="Accent1" refType="h" fact="0"/>
+                  <dgm:constr type="h" for="ch" forName="Accent1" refType="h"/>
+                  <dgm:constr type="w" for="ch" forName="Accent1" refType="h" fact="0.87"/>
+                  <dgm:constr type="l" for="ch" forName="Accent1Text" refType="w" fact="0.571"/>
+                  <dgm:constr type="t" for="ch" forName="Accent1Text" refType="h" fact="0"/>
+                  <dgm:constr type="h" for="ch" forName="Accent1Text" refType="h"/>
+                  <dgm:constr type="w" for="ch" forName="Accent1Text" refType="h" fact="0.87"/>
+                  <dgm:constr type="l" for="ch" forName="Parent1" refType="w" fact="0.31"/>
+                  <dgm:constr type="t" for="ch" forName="Parent1" refType="h" fact="0"/>
+                  <dgm:constr type="h" for="ch" forName="Parent1" refType="h"/>
+                  <dgm:constr type="w" for="ch" forName="Parent1" refType="h" fact="0.87"/>
+                  <dgm:constr type="l" for="ch" forName="Childtext1" refType="w" fact="0"/>
+                  <dgm:constr type="t" for="ch" forName="Childtext1" refType="h" fact="0.2"/>
+                  <dgm:constr type="w" for="ch" forName="Childtext1" refType="w" fact="0.3"/>
+                  <dgm:constr type="h" for="ch" forName="Childtext1" refType="h" fact="0.6"/>
+                  <dgm:constr type="l" for="ch" forName="BalanceSpacing" refType="w" fact="0.82"/>
+                  <dgm:constr type="t" for="ch" forName="BalanceSpacing" refType="h" fact="0"/>
+                  <dgm:constr type="w" for="ch" forName="BalanceSpacing" refType="w" fact="0.18"/>
+                  <dgm:constr type="h" for="ch" forName="BalanceSpacing" refType="h"/>
+                  <dgm:constr type="l" for="ch" forName="BalanceSpacing1" refType="w" fact="0"/>
+                  <dgm:constr type="t" for="ch" forName="BalanceSpacing1" refType="h" fact="0.2"/>
+                  <dgm:constr type="w" for="ch" forName="BalanceSpacing1" refType="w" fact="0.3"/>
+                  <dgm:constr type="h" for="ch" forName="BalanceSpacing1" refType="h" fact="0.6"/>
+                </dgm:constrLst>
+              </dgm:else>
+            </dgm:choose>
+          </dgm:if>
+          <dgm:else name="Name6">
+            <dgm:choose name="Name7">
+              <dgm:if name="Name8" axis="self" ptType="node" func="posOdd" op="equ" val="1">
+                <dgm:constrLst>
+                  <dgm:constr type="l" for="ch" forName="Accent1" refType="w" fact="0.571"/>
+                  <dgm:constr type="t" for="ch" forName="Accent1" refType="h" fact="0"/>
+                  <dgm:constr type="h" for="ch" forName="Accent1" refType="h"/>
+                  <dgm:constr type="w" for="ch" forName="Accent1" refType="h" fact="0.87"/>
+                  <dgm:constr type="l" for="ch" forName="Accent1Text" refType="w" fact="0.571"/>
+                  <dgm:constr type="t" for="ch" forName="Accent1Text" refType="h" fact="0"/>
+                  <dgm:constr type="h" for="ch" forName="Accent1Text" refType="h"/>
+                  <dgm:constr type="w" for="ch" forName="Accent1Text" refType="h" fact="0.87"/>
+                  <dgm:constr type="l" for="ch" forName="Parent1" refType="w" fact="0.31"/>
+                  <dgm:constr type="t" for="ch" forName="Parent1" refType="h" fact="0"/>
+                  <dgm:constr type="h" for="ch" forName="Parent1" refType="h"/>
+                  <dgm:constr type="w" for="ch" forName="Parent1" refType="h" fact="0.87"/>
+                  <dgm:constr type="l" for="ch" forName="Childtext1" refType="w" fact="0"/>
+                  <dgm:constr type="t" for="ch" forName="Childtext1" refType="h" fact="0.2"/>
+                  <dgm:constr type="w" for="ch" forName="Childtext1" refType="w" fact="0.3"/>
+                  <dgm:constr type="h" for="ch" forName="Childtext1" refType="h" fact="0.6"/>
+                  <dgm:constr type="l" for="ch" forName="BalanceSpacing" refType="w" fact="0.82"/>
+                  <dgm:constr type="t" for="ch" forName="BalanceSpacing" refType="h" fact="0"/>
+                  <dgm:constr type="w" for="ch" forName="BalanceSpacing" refType="w" fact="0.18"/>
+                  <dgm:constr type="h" for="ch" forName="BalanceSpacing" refType="h"/>
+                </dgm:constrLst>
+              </dgm:if>
+              <dgm:else name="Name9">
+                <dgm:constrLst>
+                  <dgm:constr type="l" for="ch" forName="Accent1" refType="w" fact="0.18"/>
+                  <dgm:constr type="t" for="ch" forName="Accent1" refType="h" fact="0"/>
+                  <dgm:constr type="h" for="ch" forName="Accent1" refType="h"/>
+                  <dgm:constr type="w" for="ch" forName="Accent1" refType="h" fact="0.87"/>
+                  <dgm:constr type="l" for="ch" forName="Accent1Text" refType="w" fact="0.18"/>
+                  <dgm:constr type="t" for="ch" forName="Accent1Text" refType="h" fact="0"/>
+                  <dgm:constr type="h" for="ch" forName="Accent1Text" refType="h"/>
+                  <dgm:constr type="w" for="ch" forName="Accent1Text" refType="h" fact="0.87"/>
+                  <dgm:constr type="l" for="ch" forName="Parent1" refType="w" fact="0.441"/>
+                  <dgm:constr type="t" for="ch" forName="Parent1" refType="h" fact="0"/>
+                  <dgm:constr type="h" for="ch" forName="Parent1" refType="h"/>
+                  <dgm:constr type="w" for="ch" forName="Parent1" refType="h" fact="0.87"/>
+                  <dgm:constr type="l" for="ch" forName="Childtext1" refType="w" fact="0.69"/>
+                  <dgm:constr type="t" for="ch" forName="Childtext1" refType="h" fact="0.2"/>
+                  <dgm:constr type="w" for="ch" forName="Childtext1" refType="w" fact="0.31"/>
+                  <dgm:constr type="h" for="ch" forName="Childtext1" refType="h" fact="0.6"/>
+                  <dgm:constr type="l" for="ch" forName="BalanceSpacing" refType="w" fact="0"/>
+                  <dgm:constr type="t" for="ch" forName="BalanceSpacing" refType="h" fact="0"/>
+                  <dgm:constr type="w" for="ch" forName="BalanceSpacing" refType="w" fact="0.18"/>
+                  <dgm:constr type="h" for="ch" forName="BalanceSpacing" refType="h"/>
+                </dgm:constrLst>
+              </dgm:else>
+            </dgm:choose>
+          </dgm:else>
+        </dgm:choose>
+        <dgm:layoutNode name="Parent1" styleLbl="node1">
+          <dgm:varLst>
+            <dgm:chMax val="1"/>
+            <dgm:chPref val="1"/>
+            <dgm:bulletEnabled val="1"/>
+          </dgm:varLst>
+          <dgm:alg type="tx"/>
+          <dgm:shape xmlns:r="http://schemas.openxmlformats.org/officeDocument/2006/relationships" rot="90" type="hexagon" r:blip="">
+            <dgm:adjLst>
+              <dgm:adj idx="1" val="0.25"/>
+              <dgm:adj idx="2" val="1.1547"/>
+            </dgm:adjLst>
+          </dgm:shape>
+          <dgm:presOf axis="self" ptType="node"/>
+          <dgm:constrLst>
+            <dgm:constr type="lMarg" refType="primFontSz" fact="0.3"/>
+            <dgm:constr type="rMarg" refType="primFontSz" fact="0.3"/>
+            <dgm:constr type="tMarg" refType="primFontSz" fact="0.3"/>
+            <dgm:constr type="bMarg" refType="primFontSz" fact="0.3"/>
+          </dgm:constrLst>
+          <dgm:ruleLst>
+            <dgm:rule type="primFontSz" val="5" fact="NaN" max="NaN"/>
+          </dgm:ruleLst>
+        </dgm:layoutNode>
+        <dgm:layoutNode name="Childtext1" styleLbl="revTx">
+          <dgm:varLst>
+            <dgm:chMax val="0"/>
+            <dgm:chPref val="0"/>
+            <dgm:bulletEnabled val="1"/>
+          </dgm:varLst>
+          <dgm:choose name="Name10">
+            <dgm:if name="Name11" func="var" arg="dir" op="equ" val="norm">
+              <dgm:choose name="Name12">
+                <dgm:if name="Name13" axis="self" ptType="node" func="posOdd" op="equ" val="1">
+                  <dgm:alg type="tx">
+                    <dgm:param type="parTxLTRAlign" val="l"/>
+                  </dgm:alg>
+                </dgm:if>
+                <dgm:else name="Name14">
+                  <dgm:alg type="tx">
+                    <dgm:param type="parTxLTRAlign" val="r"/>
+                  </dgm:alg>
+                </dgm:else>
+              </dgm:choose>
+            </dgm:if>
+            <dgm:else name="Name15">
+              <dgm:choose name="Name16">
+                <dgm:if name="Name17" axis="self" ptType="node" func="posOdd" op="equ" val="1">
+                  <dgm:alg type="tx">
+                    <dgm:param type="parTxLTRAlign" val="r"/>
+                  </dgm:alg>
+                </dgm:if>
+                <dgm:else name="Name18">
+                  <dgm:alg type="tx">
+                    <dgm:param type="parTxLTRAlign" val="l"/>
+                  </dgm:alg>
+                </dgm:else>
+              </dgm:choose>
+            </dgm:else>
+          </dgm:choose>
+          <dgm:shape xmlns:r="http://schemas.openxmlformats.org/officeDocument/2006/relationships" type="rect" r:blip="">
+            <dgm:adjLst/>
+          </dgm:shape>
+          <dgm:presOf axis="des" ptType="node"/>
+          <dgm:constrLst>
+            <dgm:constr type="lMarg" refType="primFontSz" fact="0.3"/>
+            <dgm:constr type="rMarg" refType="primFontSz" fact="0.3"/>
+            <dgm:constr type="tMarg" refType="primFontSz" fact="0.3"/>
+            <dgm:constr type="bMarg" refType="primFontSz" fact="0.3"/>
+          </dgm:constrLst>
+          <dgm:ruleLst>
+            <dgm:rule type="primFontSz" val="5" fact="NaN" max="NaN"/>
+          </dgm:ruleLst>
+        </dgm:layoutNode>
+        <dgm:layoutNode name="BalanceSpacing">
+          <dgm:alg type="sp"/>
+          <dgm:shape xmlns:r="http://schemas.openxmlformats.org/officeDocument/2006/relationships" r:blip="">
+            <dgm:adjLst/>
+          </dgm:shape>
+        </dgm:layoutNode>
+        <dgm:layoutNode name="BalanceSpacing1">
+          <dgm:alg type="sp"/>
+          <dgm:shape xmlns:r="http://schemas.openxmlformats.org/officeDocument/2006/relationships" r:blip="">
+            <dgm:adjLst/>
+          </dgm:shape>
+        </dgm:layoutNode>
+        <dgm:forEach name="Name19" axis="followSib" ptType="sibTrans" hideLastTrans="0" cnt="1">
+          <dgm:layoutNode name="Accent1Text" styleLbl="node1">
+            <dgm:alg type="tx"/>
+            <dgm:shape xmlns:r="http://schemas.openxmlformats.org/officeDocument/2006/relationships" rot="90" type="hexagon" r:blip="">
+              <dgm:adjLst>
+                <dgm:adj idx="1" val="0.25"/>
+                <dgm:adj idx="2" val="1.1547"/>
+              </dgm:adjLst>
+            </dgm:shape>
+            <dgm:presOf axis="self" ptType="sibTrans"/>
+            <dgm:constrLst>
+              <dgm:constr type="lMarg"/>
+              <dgm:constr type="rMarg"/>
+              <dgm:constr type="tMarg"/>
+              <dgm:constr type="bMarg"/>
+            </dgm:constrLst>
+            <dgm:ruleLst>
+              <dgm:rule type="primFontSz" val="5" fact="NaN" max="NaN"/>
+            </dgm:ruleLst>
+          </dgm:layoutNode>
+        </dgm:forEach>
+      </dgm:layoutNode>
+      <dgm:forEach name="Name20" axis="followSib" ptType="sibTrans" cnt="1">
+        <dgm:layoutNode name="spaceBetweenRectangles">
+          <dgm:alg type="sp"/>
+          <dgm:shape xmlns:r="http://schemas.openxmlformats.org/officeDocument/2006/relationships" r:blip="">
+            <dgm:adjLst/>
+          </dgm:shape>
+          <dgm:presOf/>
+          <dgm:constrLst/>
+          <dgm:ruleLst/>
+        </dgm:layoutNode>
+      </dgm:forEach>
+    </dgm:forEach>
+  </dgm:layoutNode>
+</dgm:layoutDef>
+</file>
+
+<file path=ppt/diagrams/layout3.xml><?xml version="1.0" encoding="utf-8"?>
 <dgm:layoutDef xmlns:dgm="http://schemas.openxmlformats.org/drawingml/2006/diagram" xmlns:a="http://schemas.openxmlformats.org/drawingml/2006/main" uniqueId="urn:microsoft.com/office/officeart/2005/8/layout/hProcess10">
   <dgm:title val=""/>
   <dgm:desc val=""/>
@@ -3141,6 +7801,2074 @@
 </file>
 
 <file path=ppt/diagrams/quickStyle1.xml><?xml version="1.0" encoding="utf-8"?>
+<dgm:styleDef xmlns:dgm="http://schemas.openxmlformats.org/drawingml/2006/diagram" xmlns:a="http://schemas.openxmlformats.org/drawingml/2006/main" uniqueId="urn:microsoft.com/office/officeart/2005/8/quickstyle/simple2">
+  <dgm:title val=""/>
+  <dgm:desc val=""/>
+  <dgm:catLst>
+    <dgm:cat type="simple" pri="10200"/>
+  </dgm:catLst>
+  <dgm:scene3d>
+    <a:camera prst="orthographicFront"/>
+    <a:lightRig rig="threePt" dir="t"/>
+  </dgm:scene3d>
+  <dgm:styleLbl name="node0">
+    <dgm:scene3d>
+      <a:camera prst="orthographicFront"/>
+      <a:lightRig rig="threePt" dir="t"/>
+    </dgm:scene3d>
+    <dgm:sp3d/>
+    <dgm:txPr/>
+    <dgm:style>
+      <a:lnRef idx="3">
+        <a:scrgbClr r="0" g="0" b="0"/>
+      </a:lnRef>
+      <a:fillRef idx="1">
+        <a:scrgbClr r="0" g="0" b="0"/>
+      </a:fillRef>
+      <a:effectRef idx="1">
+        <a:scrgbClr r="0" g="0" b="0"/>
+      </a:effectRef>
+      <a:fontRef idx="minor">
+        <a:schemeClr val="lt1"/>
+      </a:fontRef>
+    </dgm:style>
+  </dgm:styleLbl>
+  <dgm:styleLbl name="lnNode1">
+    <dgm:scene3d>
+      <a:camera prst="orthographicFront"/>
+      <a:lightRig rig="threePt" dir="t"/>
+    </dgm:scene3d>
+    <dgm:sp3d/>
+    <dgm:txPr/>
+    <dgm:style>
+      <a:lnRef idx="3">
+        <a:scrgbClr r="0" g="0" b="0"/>
+      </a:lnRef>
+      <a:fillRef idx="1">
+        <a:scrgbClr r="0" g="0" b="0"/>
+      </a:fillRef>
+      <a:effectRef idx="1">
+        <a:scrgbClr r="0" g="0" b="0"/>
+      </a:effectRef>
+      <a:fontRef idx="minor">
+        <a:schemeClr val="lt1"/>
+      </a:fontRef>
+    </dgm:style>
+  </dgm:styleLbl>
+  <dgm:styleLbl name="vennNode1">
+    <dgm:scene3d>
+      <a:camera prst="orthographicFront"/>
+      <a:lightRig rig="threePt" dir="t"/>
+    </dgm:scene3d>
+    <dgm:sp3d/>
+    <dgm:txPr/>
+    <dgm:style>
+      <a:lnRef idx="3">
+        <a:scrgbClr r="0" g="0" b="0"/>
+      </a:lnRef>
+      <a:fillRef idx="1">
+        <a:scrgbClr r="0" g="0" b="0"/>
+      </a:fillRef>
+      <a:effectRef idx="0">
+        <a:scrgbClr r="0" g="0" b="0"/>
+      </a:effectRef>
+      <a:fontRef idx="minor">
+        <a:schemeClr val="tx1"/>
+      </a:fontRef>
+    </dgm:style>
+  </dgm:styleLbl>
+  <dgm:styleLbl name="alignNode1">
+    <dgm:scene3d>
+      <a:camera prst="orthographicFront"/>
+      <a:lightRig rig="threePt" dir="t"/>
+    </dgm:scene3d>
+    <dgm:sp3d/>
+    <dgm:txPr/>
+    <dgm:style>
+      <a:lnRef idx="2">
+        <a:scrgbClr r="0" g="0" b="0"/>
+      </a:lnRef>
+      <a:fillRef idx="1">
+        <a:scrgbClr r="0" g="0" b="0"/>
+      </a:fillRef>
+      <a:effectRef idx="1">
+        <a:scrgbClr r="0" g="0" b="0"/>
+      </a:effectRef>
+      <a:fontRef idx="minor">
+        <a:schemeClr val="lt1"/>
+      </a:fontRef>
+    </dgm:style>
+  </dgm:styleLbl>
+  <dgm:styleLbl name="node1">
+    <dgm:scene3d>
+      <a:camera prst="orthographicFront"/>
+      <a:lightRig rig="threePt" dir="t"/>
+    </dgm:scene3d>
+    <dgm:sp3d/>
+    <dgm:txPr/>
+    <dgm:style>
+      <a:lnRef idx="3">
+        <a:scrgbClr r="0" g="0" b="0"/>
+      </a:lnRef>
+      <a:fillRef idx="1">
+        <a:scrgbClr r="0" g="0" b="0"/>
+      </a:fillRef>
+      <a:effectRef idx="1">
+        <a:scrgbClr r="0" g="0" b="0"/>
+      </a:effectRef>
+      <a:fontRef idx="minor">
+        <a:schemeClr val="lt1"/>
+      </a:fontRef>
+    </dgm:style>
+  </dgm:styleLbl>
+  <dgm:styleLbl name="node2">
+    <dgm:scene3d>
+      <a:camera prst="orthographicFront"/>
+      <a:lightRig rig="threePt" dir="t"/>
+    </dgm:scene3d>
+    <dgm:sp3d/>
+    <dgm:txPr/>
+    <dgm:style>
+      <a:lnRef idx="3">
+        <a:scrgbClr r="0" g="0" b="0"/>
+      </a:lnRef>
+      <a:fillRef idx="1">
+        <a:scrgbClr r="0" g="0" b="0"/>
+      </a:fillRef>
+      <a:effectRef idx="1">
+        <a:scrgbClr r="0" g="0" b="0"/>
+      </a:effectRef>
+      <a:fontRef idx="minor">
+        <a:schemeClr val="lt1"/>
+      </a:fontRef>
+    </dgm:style>
+  </dgm:styleLbl>
+  <dgm:styleLbl name="node3">
+    <dgm:scene3d>
+      <a:camera prst="orthographicFront"/>
+      <a:lightRig rig="threePt" dir="t"/>
+    </dgm:scene3d>
+    <dgm:sp3d/>
+    <dgm:txPr/>
+    <dgm:style>
+      <a:lnRef idx="3">
+        <a:scrgbClr r="0" g="0" b="0"/>
+      </a:lnRef>
+      <a:fillRef idx="1">
+        <a:scrgbClr r="0" g="0" b="0"/>
+      </a:fillRef>
+      <a:effectRef idx="1">
+        <a:scrgbClr r="0" g="0" b="0"/>
+      </a:effectRef>
+      <a:fontRef idx="minor">
+        <a:schemeClr val="lt1"/>
+      </a:fontRef>
+    </dgm:style>
+  </dgm:styleLbl>
+  <dgm:styleLbl name="node4">
+    <dgm:scene3d>
+      <a:camera prst="orthographicFront"/>
+      <a:lightRig rig="threePt" dir="t"/>
+    </dgm:scene3d>
+    <dgm:sp3d/>
+    <dgm:txPr/>
+    <dgm:style>
+      <a:lnRef idx="3">
+        <a:scrgbClr r="0" g="0" b="0"/>
+      </a:lnRef>
+      <a:fillRef idx="1">
+        <a:scrgbClr r="0" g="0" b="0"/>
+      </a:fillRef>
+      <a:effectRef idx="1">
+        <a:scrgbClr r="0" g="0" b="0"/>
+      </a:effectRef>
+      <a:fontRef idx="minor">
+        <a:schemeClr val="lt1"/>
+      </a:fontRef>
+    </dgm:style>
+  </dgm:styleLbl>
+  <dgm:styleLbl name="fgImgPlace1">
+    <dgm:scene3d>
+      <a:camera prst="orthographicFront"/>
+      <a:lightRig rig="threePt" dir="t"/>
+    </dgm:scene3d>
+    <dgm:sp3d/>
+    <dgm:txPr/>
+    <dgm:style>
+      <a:lnRef idx="3">
+        <a:scrgbClr r="0" g="0" b="0"/>
+      </a:lnRef>
+      <a:fillRef idx="1">
+        <a:scrgbClr r="0" g="0" b="0"/>
+      </a:fillRef>
+      <a:effectRef idx="1">
+        <a:scrgbClr r="0" g="0" b="0"/>
+      </a:effectRef>
+      <a:fontRef idx="minor"/>
+    </dgm:style>
+  </dgm:styleLbl>
+  <dgm:styleLbl name="alignImgPlace1">
+    <dgm:scene3d>
+      <a:camera prst="orthographicFront"/>
+      <a:lightRig rig="threePt" dir="t"/>
+    </dgm:scene3d>
+    <dgm:sp3d/>
+    <dgm:txPr/>
+    <dgm:style>
+      <a:lnRef idx="3">
+        <a:scrgbClr r="0" g="0" b="0"/>
+      </a:lnRef>
+      <a:fillRef idx="1">
+        <a:scrgbClr r="0" g="0" b="0"/>
+      </a:fillRef>
+      <a:effectRef idx="1">
+        <a:scrgbClr r="0" g="0" b="0"/>
+      </a:effectRef>
+      <a:fontRef idx="minor"/>
+    </dgm:style>
+  </dgm:styleLbl>
+  <dgm:styleLbl name="bgImgPlace1">
+    <dgm:scene3d>
+      <a:camera prst="orthographicFront"/>
+      <a:lightRig rig="threePt" dir="t"/>
+    </dgm:scene3d>
+    <dgm:sp3d/>
+    <dgm:txPr/>
+    <dgm:style>
+      <a:lnRef idx="3">
+        <a:scrgbClr r="0" g="0" b="0"/>
+      </a:lnRef>
+      <a:fillRef idx="1">
+        <a:scrgbClr r="0" g="0" b="0"/>
+      </a:fillRef>
+      <a:effectRef idx="1">
+        <a:scrgbClr r="0" g="0" b="0"/>
+      </a:effectRef>
+      <a:fontRef idx="minor"/>
+    </dgm:style>
+  </dgm:styleLbl>
+  <dgm:styleLbl name="sibTrans2D1">
+    <dgm:scene3d>
+      <a:camera prst="orthographicFront"/>
+      <a:lightRig rig="threePt" dir="t"/>
+    </dgm:scene3d>
+    <dgm:sp3d/>
+    <dgm:txPr/>
+    <dgm:style>
+      <a:lnRef idx="0">
+        <a:scrgbClr r="0" g="0" b="0"/>
+      </a:lnRef>
+      <a:fillRef idx="1">
+        <a:scrgbClr r="0" g="0" b="0"/>
+      </a:fillRef>
+      <a:effectRef idx="1">
+        <a:scrgbClr r="0" g="0" b="0"/>
+      </a:effectRef>
+      <a:fontRef idx="minor">
+        <a:schemeClr val="lt1"/>
+      </a:fontRef>
+    </dgm:style>
+  </dgm:styleLbl>
+  <dgm:styleLbl name="fgSibTrans2D1">
+    <dgm:scene3d>
+      <a:camera prst="orthographicFront"/>
+      <a:lightRig rig="threePt" dir="t"/>
+    </dgm:scene3d>
+    <dgm:sp3d/>
+    <dgm:txPr/>
+    <dgm:style>
+      <a:lnRef idx="0">
+        <a:scrgbClr r="0" g="0" b="0"/>
+      </a:lnRef>
+      <a:fillRef idx="1">
+        <a:scrgbClr r="0" g="0" b="0"/>
+      </a:fillRef>
+      <a:effectRef idx="1">
+        <a:scrgbClr r="0" g="0" b="0"/>
+      </a:effectRef>
+      <a:fontRef idx="minor">
+        <a:schemeClr val="lt1"/>
+      </a:fontRef>
+    </dgm:style>
+  </dgm:styleLbl>
+  <dgm:styleLbl name="bgSibTrans2D1">
+    <dgm:scene3d>
+      <a:camera prst="orthographicFront"/>
+      <a:lightRig rig="threePt" dir="t"/>
+    </dgm:scene3d>
+    <dgm:sp3d/>
+    <dgm:txPr/>
+    <dgm:style>
+      <a:lnRef idx="0">
+        <a:scrgbClr r="0" g="0" b="0"/>
+      </a:lnRef>
+      <a:fillRef idx="1">
+        <a:scrgbClr r="0" g="0" b="0"/>
+      </a:fillRef>
+      <a:effectRef idx="1">
+        <a:scrgbClr r="0" g="0" b="0"/>
+      </a:effectRef>
+      <a:fontRef idx="minor">
+        <a:schemeClr val="lt1"/>
+      </a:fontRef>
+    </dgm:style>
+  </dgm:styleLbl>
+  <dgm:styleLbl name="sibTrans1D1">
+    <dgm:scene3d>
+      <a:camera prst="orthographicFront"/>
+      <a:lightRig rig="threePt" dir="t"/>
+    </dgm:scene3d>
+    <dgm:sp3d/>
+    <dgm:txPr/>
+    <dgm:style>
+      <a:lnRef idx="1">
+        <a:scrgbClr r="0" g="0" b="0"/>
+      </a:lnRef>
+      <a:fillRef idx="0">
+        <a:scrgbClr r="0" g="0" b="0"/>
+      </a:fillRef>
+      <a:effectRef idx="0">
+        <a:scrgbClr r="0" g="0" b="0"/>
+      </a:effectRef>
+      <a:fontRef idx="minor"/>
+    </dgm:style>
+  </dgm:styleLbl>
+  <dgm:styleLbl name="callout">
+    <dgm:scene3d>
+      <a:camera prst="orthographicFront"/>
+      <a:lightRig rig="threePt" dir="t"/>
+    </dgm:scene3d>
+    <dgm:sp3d/>
+    <dgm:txPr/>
+    <dgm:style>
+      <a:lnRef idx="2">
+        <a:scrgbClr r="0" g="0" b="0"/>
+      </a:lnRef>
+      <a:fillRef idx="1">
+        <a:scrgbClr r="0" g="0" b="0"/>
+      </a:fillRef>
+      <a:effectRef idx="1">
+        <a:scrgbClr r="0" g="0" b="0"/>
+      </a:effectRef>
+      <a:fontRef idx="minor"/>
+    </dgm:style>
+  </dgm:styleLbl>
+  <dgm:styleLbl name="asst0">
+    <dgm:scene3d>
+      <a:camera prst="orthographicFront"/>
+      <a:lightRig rig="threePt" dir="t"/>
+    </dgm:scene3d>
+    <dgm:sp3d/>
+    <dgm:txPr/>
+    <dgm:style>
+      <a:lnRef idx="3">
+        <a:scrgbClr r="0" g="0" b="0"/>
+      </a:lnRef>
+      <a:fillRef idx="1">
+        <a:scrgbClr r="0" g="0" b="0"/>
+      </a:fillRef>
+      <a:effectRef idx="1">
+        <a:scrgbClr r="0" g="0" b="0"/>
+      </a:effectRef>
+      <a:fontRef idx="minor">
+        <a:schemeClr val="lt1"/>
+      </a:fontRef>
+    </dgm:style>
+  </dgm:styleLbl>
+  <dgm:styleLbl name="asst1">
+    <dgm:scene3d>
+      <a:camera prst="orthographicFront"/>
+      <a:lightRig rig="threePt" dir="t"/>
+    </dgm:scene3d>
+    <dgm:sp3d/>
+    <dgm:txPr/>
+    <dgm:style>
+      <a:lnRef idx="3">
+        <a:scrgbClr r="0" g="0" b="0"/>
+      </a:lnRef>
+      <a:fillRef idx="1">
+        <a:scrgbClr r="0" g="0" b="0"/>
+      </a:fillRef>
+      <a:effectRef idx="1">
+        <a:scrgbClr r="0" g="0" b="0"/>
+      </a:effectRef>
+      <a:fontRef idx="minor">
+        <a:schemeClr val="lt1"/>
+      </a:fontRef>
+    </dgm:style>
+  </dgm:styleLbl>
+  <dgm:styleLbl name="asst2">
+    <dgm:scene3d>
+      <a:camera prst="orthographicFront"/>
+      <a:lightRig rig="threePt" dir="t"/>
+    </dgm:scene3d>
+    <dgm:sp3d/>
+    <dgm:txPr/>
+    <dgm:style>
+      <a:lnRef idx="3">
+        <a:scrgbClr r="0" g="0" b="0"/>
+      </a:lnRef>
+      <a:fillRef idx="1">
+        <a:scrgbClr r="0" g="0" b="0"/>
+      </a:fillRef>
+      <a:effectRef idx="1">
+        <a:scrgbClr r="0" g="0" b="0"/>
+      </a:effectRef>
+      <a:fontRef idx="minor">
+        <a:schemeClr val="lt1"/>
+      </a:fontRef>
+    </dgm:style>
+  </dgm:styleLbl>
+  <dgm:styleLbl name="asst3">
+    <dgm:scene3d>
+      <a:camera prst="orthographicFront"/>
+      <a:lightRig rig="threePt" dir="t"/>
+    </dgm:scene3d>
+    <dgm:sp3d/>
+    <dgm:txPr/>
+    <dgm:style>
+      <a:lnRef idx="3">
+        <a:scrgbClr r="0" g="0" b="0"/>
+      </a:lnRef>
+      <a:fillRef idx="1">
+        <a:scrgbClr r="0" g="0" b="0"/>
+      </a:fillRef>
+      <a:effectRef idx="1">
+        <a:scrgbClr r="0" g="0" b="0"/>
+      </a:effectRef>
+      <a:fontRef idx="minor">
+        <a:schemeClr val="lt1"/>
+      </a:fontRef>
+    </dgm:style>
+  </dgm:styleLbl>
+  <dgm:styleLbl name="asst4">
+    <dgm:scene3d>
+      <a:camera prst="orthographicFront"/>
+      <a:lightRig rig="threePt" dir="t"/>
+    </dgm:scene3d>
+    <dgm:sp3d/>
+    <dgm:txPr/>
+    <dgm:style>
+      <a:lnRef idx="3">
+        <a:scrgbClr r="0" g="0" b="0"/>
+      </a:lnRef>
+      <a:fillRef idx="1">
+        <a:scrgbClr r="0" g="0" b="0"/>
+      </a:fillRef>
+      <a:effectRef idx="1">
+        <a:scrgbClr r="0" g="0" b="0"/>
+      </a:effectRef>
+      <a:fontRef idx="minor">
+        <a:schemeClr val="lt1"/>
+      </a:fontRef>
+    </dgm:style>
+  </dgm:styleLbl>
+  <dgm:styleLbl name="parChTrans2D1">
+    <dgm:scene3d>
+      <a:camera prst="orthographicFront"/>
+      <a:lightRig rig="threePt" dir="t"/>
+    </dgm:scene3d>
+    <dgm:sp3d/>
+    <dgm:txPr/>
+    <dgm:style>
+      <a:lnRef idx="3">
+        <a:scrgbClr r="0" g="0" b="0"/>
+      </a:lnRef>
+      <a:fillRef idx="1">
+        <a:scrgbClr r="0" g="0" b="0"/>
+      </a:fillRef>
+      <a:effectRef idx="1">
+        <a:scrgbClr r="0" g="0" b="0"/>
+      </a:effectRef>
+      <a:fontRef idx="minor">
+        <a:schemeClr val="lt1"/>
+      </a:fontRef>
+    </dgm:style>
+  </dgm:styleLbl>
+  <dgm:styleLbl name="parChTrans2D2">
+    <dgm:scene3d>
+      <a:camera prst="orthographicFront"/>
+      <a:lightRig rig="threePt" dir="t"/>
+    </dgm:scene3d>
+    <dgm:sp3d/>
+    <dgm:txPr/>
+    <dgm:style>
+      <a:lnRef idx="3">
+        <a:scrgbClr r="0" g="0" b="0"/>
+      </a:lnRef>
+      <a:fillRef idx="1">
+        <a:scrgbClr r="0" g="0" b="0"/>
+      </a:fillRef>
+      <a:effectRef idx="1">
+        <a:scrgbClr r="0" g="0" b="0"/>
+      </a:effectRef>
+      <a:fontRef idx="minor">
+        <a:schemeClr val="lt1"/>
+      </a:fontRef>
+    </dgm:style>
+  </dgm:styleLbl>
+  <dgm:styleLbl name="parChTrans2D3">
+    <dgm:scene3d>
+      <a:camera prst="orthographicFront"/>
+      <a:lightRig rig="threePt" dir="t"/>
+    </dgm:scene3d>
+    <dgm:sp3d/>
+    <dgm:txPr/>
+    <dgm:style>
+      <a:lnRef idx="3">
+        <a:scrgbClr r="0" g="0" b="0"/>
+      </a:lnRef>
+      <a:fillRef idx="1">
+        <a:scrgbClr r="0" g="0" b="0"/>
+      </a:fillRef>
+      <a:effectRef idx="1">
+        <a:scrgbClr r="0" g="0" b="0"/>
+      </a:effectRef>
+      <a:fontRef idx="minor">
+        <a:schemeClr val="lt1"/>
+      </a:fontRef>
+    </dgm:style>
+  </dgm:styleLbl>
+  <dgm:styleLbl name="parChTrans2D4">
+    <dgm:scene3d>
+      <a:camera prst="orthographicFront"/>
+      <a:lightRig rig="threePt" dir="t"/>
+    </dgm:scene3d>
+    <dgm:sp3d/>
+    <dgm:txPr/>
+    <dgm:style>
+      <a:lnRef idx="3">
+        <a:scrgbClr r="0" g="0" b="0"/>
+      </a:lnRef>
+      <a:fillRef idx="1">
+        <a:scrgbClr r="0" g="0" b="0"/>
+      </a:fillRef>
+      <a:effectRef idx="1">
+        <a:scrgbClr r="0" g="0" b="0"/>
+      </a:effectRef>
+      <a:fontRef idx="minor">
+        <a:schemeClr val="lt1"/>
+      </a:fontRef>
+    </dgm:style>
+  </dgm:styleLbl>
+  <dgm:styleLbl name="parChTrans1D1">
+    <dgm:scene3d>
+      <a:camera prst="orthographicFront"/>
+      <a:lightRig rig="threePt" dir="t"/>
+    </dgm:scene3d>
+    <dgm:sp3d/>
+    <dgm:txPr/>
+    <dgm:style>
+      <a:lnRef idx="2">
+        <a:scrgbClr r="0" g="0" b="0"/>
+      </a:lnRef>
+      <a:fillRef idx="0">
+        <a:scrgbClr r="0" g="0" b="0"/>
+      </a:fillRef>
+      <a:effectRef idx="0">
+        <a:scrgbClr r="0" g="0" b="0"/>
+      </a:effectRef>
+      <a:fontRef idx="minor"/>
+    </dgm:style>
+  </dgm:styleLbl>
+  <dgm:styleLbl name="parChTrans1D2">
+    <dgm:scene3d>
+      <a:camera prst="orthographicFront"/>
+      <a:lightRig rig="threePt" dir="t"/>
+    </dgm:scene3d>
+    <dgm:sp3d/>
+    <dgm:txPr/>
+    <dgm:style>
+      <a:lnRef idx="2">
+        <a:scrgbClr r="0" g="0" b="0"/>
+      </a:lnRef>
+      <a:fillRef idx="0">
+        <a:scrgbClr r="0" g="0" b="0"/>
+      </a:fillRef>
+      <a:effectRef idx="0">
+        <a:scrgbClr r="0" g="0" b="0"/>
+      </a:effectRef>
+      <a:fontRef idx="minor"/>
+    </dgm:style>
+  </dgm:styleLbl>
+  <dgm:styleLbl name="parChTrans1D3">
+    <dgm:scene3d>
+      <a:camera prst="orthographicFront"/>
+      <a:lightRig rig="threePt" dir="t"/>
+    </dgm:scene3d>
+    <dgm:sp3d/>
+    <dgm:txPr/>
+    <dgm:style>
+      <a:lnRef idx="2">
+        <a:scrgbClr r="0" g="0" b="0"/>
+      </a:lnRef>
+      <a:fillRef idx="0">
+        <a:scrgbClr r="0" g="0" b="0"/>
+      </a:fillRef>
+      <a:effectRef idx="0">
+        <a:scrgbClr r="0" g="0" b="0"/>
+      </a:effectRef>
+      <a:fontRef idx="minor"/>
+    </dgm:style>
+  </dgm:styleLbl>
+  <dgm:styleLbl name="parChTrans1D4">
+    <dgm:scene3d>
+      <a:camera prst="orthographicFront"/>
+      <a:lightRig rig="threePt" dir="t"/>
+    </dgm:scene3d>
+    <dgm:sp3d/>
+    <dgm:txPr/>
+    <dgm:style>
+      <a:lnRef idx="2">
+        <a:scrgbClr r="0" g="0" b="0"/>
+      </a:lnRef>
+      <a:fillRef idx="0">
+        <a:scrgbClr r="0" g="0" b="0"/>
+      </a:fillRef>
+      <a:effectRef idx="0">
+        <a:scrgbClr r="0" g="0" b="0"/>
+      </a:effectRef>
+      <a:fontRef idx="minor"/>
+    </dgm:style>
+  </dgm:styleLbl>
+  <dgm:styleLbl name="fgAcc1">
+    <dgm:scene3d>
+      <a:camera prst="orthographicFront"/>
+      <a:lightRig rig="threePt" dir="t"/>
+    </dgm:scene3d>
+    <dgm:sp3d/>
+    <dgm:txPr/>
+    <dgm:style>
+      <a:lnRef idx="2">
+        <a:scrgbClr r="0" g="0" b="0"/>
+      </a:lnRef>
+      <a:fillRef idx="1">
+        <a:scrgbClr r="0" g="0" b="0"/>
+      </a:fillRef>
+      <a:effectRef idx="0">
+        <a:scrgbClr r="0" g="0" b="0"/>
+      </a:effectRef>
+      <a:fontRef idx="minor"/>
+    </dgm:style>
+  </dgm:styleLbl>
+  <dgm:styleLbl name="conFgAcc1">
+    <dgm:scene3d>
+      <a:camera prst="orthographicFront"/>
+      <a:lightRig rig="threePt" dir="t"/>
+    </dgm:scene3d>
+    <dgm:sp3d/>
+    <dgm:txPr/>
+    <dgm:style>
+      <a:lnRef idx="2">
+        <a:scrgbClr r="0" g="0" b="0"/>
+      </a:lnRef>
+      <a:fillRef idx="1">
+        <a:scrgbClr r="0" g="0" b="0"/>
+      </a:fillRef>
+      <a:effectRef idx="0">
+        <a:scrgbClr r="0" g="0" b="0"/>
+      </a:effectRef>
+      <a:fontRef idx="minor"/>
+    </dgm:style>
+  </dgm:styleLbl>
+  <dgm:styleLbl name="alignAcc1">
+    <dgm:scene3d>
+      <a:camera prst="orthographicFront"/>
+      <a:lightRig rig="threePt" dir="t"/>
+    </dgm:scene3d>
+    <dgm:sp3d/>
+    <dgm:txPr/>
+    <dgm:style>
+      <a:lnRef idx="2">
+        <a:scrgbClr r="0" g="0" b="0"/>
+      </a:lnRef>
+      <a:fillRef idx="1">
+        <a:scrgbClr r="0" g="0" b="0"/>
+      </a:fillRef>
+      <a:effectRef idx="0">
+        <a:scrgbClr r="0" g="0" b="0"/>
+      </a:effectRef>
+      <a:fontRef idx="minor"/>
+    </dgm:style>
+  </dgm:styleLbl>
+  <dgm:styleLbl name="trAlignAcc1">
+    <dgm:scene3d>
+      <a:camera prst="orthographicFront"/>
+      <a:lightRig rig="threePt" dir="t"/>
+    </dgm:scene3d>
+    <dgm:sp3d/>
+    <dgm:txPr/>
+    <dgm:style>
+      <a:lnRef idx="1">
+        <a:scrgbClr r="0" g="0" b="0"/>
+      </a:lnRef>
+      <a:fillRef idx="1">
+        <a:scrgbClr r="0" g="0" b="0"/>
+      </a:fillRef>
+      <a:effectRef idx="0">
+        <a:scrgbClr r="0" g="0" b="0"/>
+      </a:effectRef>
+      <a:fontRef idx="minor"/>
+    </dgm:style>
+  </dgm:styleLbl>
+  <dgm:styleLbl name="bgAcc1">
+    <dgm:scene3d>
+      <a:camera prst="orthographicFront"/>
+      <a:lightRig rig="threePt" dir="t"/>
+    </dgm:scene3d>
+    <dgm:sp3d/>
+    <dgm:txPr/>
+    <dgm:style>
+      <a:lnRef idx="2">
+        <a:scrgbClr r="0" g="0" b="0"/>
+      </a:lnRef>
+      <a:fillRef idx="1">
+        <a:scrgbClr r="0" g="0" b="0"/>
+      </a:fillRef>
+      <a:effectRef idx="0">
+        <a:scrgbClr r="0" g="0" b="0"/>
+      </a:effectRef>
+      <a:fontRef idx="minor"/>
+    </dgm:style>
+  </dgm:styleLbl>
+  <dgm:styleLbl name="solidFgAcc1">
+    <dgm:scene3d>
+      <a:camera prst="orthographicFront"/>
+      <a:lightRig rig="threePt" dir="t"/>
+    </dgm:scene3d>
+    <dgm:sp3d/>
+    <dgm:txPr/>
+    <dgm:style>
+      <a:lnRef idx="2">
+        <a:scrgbClr r="0" g="0" b="0"/>
+      </a:lnRef>
+      <a:fillRef idx="1">
+        <a:scrgbClr r="0" g="0" b="0"/>
+      </a:fillRef>
+      <a:effectRef idx="0">
+        <a:scrgbClr r="0" g="0" b="0"/>
+      </a:effectRef>
+      <a:fontRef idx="minor"/>
+    </dgm:style>
+  </dgm:styleLbl>
+  <dgm:styleLbl name="solidAlignAcc1">
+    <dgm:scene3d>
+      <a:camera prst="orthographicFront"/>
+      <a:lightRig rig="threePt" dir="t"/>
+    </dgm:scene3d>
+    <dgm:sp3d/>
+    <dgm:txPr/>
+    <dgm:style>
+      <a:lnRef idx="2">
+        <a:scrgbClr r="0" g="0" b="0"/>
+      </a:lnRef>
+      <a:fillRef idx="1">
+        <a:scrgbClr r="0" g="0" b="0"/>
+      </a:fillRef>
+      <a:effectRef idx="0">
+        <a:scrgbClr r="0" g="0" b="0"/>
+      </a:effectRef>
+      <a:fontRef idx="minor"/>
+    </dgm:style>
+  </dgm:styleLbl>
+  <dgm:styleLbl name="solidBgAcc1">
+    <dgm:scene3d>
+      <a:camera prst="orthographicFront"/>
+      <a:lightRig rig="threePt" dir="t"/>
+    </dgm:scene3d>
+    <dgm:sp3d/>
+    <dgm:txPr/>
+    <dgm:style>
+      <a:lnRef idx="2">
+        <a:scrgbClr r="0" g="0" b="0"/>
+      </a:lnRef>
+      <a:fillRef idx="1">
+        <a:scrgbClr r="0" g="0" b="0"/>
+      </a:fillRef>
+      <a:effectRef idx="0">
+        <a:scrgbClr r="0" g="0" b="0"/>
+      </a:effectRef>
+      <a:fontRef idx="minor"/>
+    </dgm:style>
+  </dgm:styleLbl>
+  <dgm:styleLbl name="fgAccFollowNode1">
+    <dgm:scene3d>
+      <a:camera prst="orthographicFront"/>
+      <a:lightRig rig="threePt" dir="t"/>
+    </dgm:scene3d>
+    <dgm:sp3d/>
+    <dgm:txPr/>
+    <dgm:style>
+      <a:lnRef idx="2">
+        <a:scrgbClr r="0" g="0" b="0"/>
+      </a:lnRef>
+      <a:fillRef idx="1">
+        <a:scrgbClr r="0" g="0" b="0"/>
+      </a:fillRef>
+      <a:effectRef idx="0">
+        <a:scrgbClr r="0" g="0" b="0"/>
+      </a:effectRef>
+      <a:fontRef idx="minor"/>
+    </dgm:style>
+  </dgm:styleLbl>
+  <dgm:styleLbl name="alignAccFollowNode1">
+    <dgm:scene3d>
+      <a:camera prst="orthographicFront"/>
+      <a:lightRig rig="threePt" dir="t"/>
+    </dgm:scene3d>
+    <dgm:sp3d/>
+    <dgm:txPr/>
+    <dgm:style>
+      <a:lnRef idx="2">
+        <a:scrgbClr r="0" g="0" b="0"/>
+      </a:lnRef>
+      <a:fillRef idx="1">
+        <a:scrgbClr r="0" g="0" b="0"/>
+      </a:fillRef>
+      <a:effectRef idx="0">
+        <a:scrgbClr r="0" g="0" b="0"/>
+      </a:effectRef>
+      <a:fontRef idx="minor"/>
+    </dgm:style>
+  </dgm:styleLbl>
+  <dgm:styleLbl name="bgAccFollowNode1">
+    <dgm:scene3d>
+      <a:camera prst="orthographicFront"/>
+      <a:lightRig rig="threePt" dir="t"/>
+    </dgm:scene3d>
+    <dgm:sp3d/>
+    <dgm:txPr/>
+    <dgm:style>
+      <a:lnRef idx="2">
+        <a:scrgbClr r="0" g="0" b="0"/>
+      </a:lnRef>
+      <a:fillRef idx="1">
+        <a:scrgbClr r="0" g="0" b="0"/>
+      </a:fillRef>
+      <a:effectRef idx="0">
+        <a:scrgbClr r="0" g="0" b="0"/>
+      </a:effectRef>
+      <a:fontRef idx="minor"/>
+    </dgm:style>
+  </dgm:styleLbl>
+  <dgm:styleLbl name="fgAcc0">
+    <dgm:scene3d>
+      <a:camera prst="orthographicFront"/>
+      <a:lightRig rig="threePt" dir="t"/>
+    </dgm:scene3d>
+    <dgm:sp3d/>
+    <dgm:txPr/>
+    <dgm:style>
+      <a:lnRef idx="2">
+        <a:scrgbClr r="0" g="0" b="0"/>
+      </a:lnRef>
+      <a:fillRef idx="1">
+        <a:scrgbClr r="0" g="0" b="0"/>
+      </a:fillRef>
+      <a:effectRef idx="0">
+        <a:scrgbClr r="0" g="0" b="0"/>
+      </a:effectRef>
+      <a:fontRef idx="minor"/>
+    </dgm:style>
+  </dgm:styleLbl>
+  <dgm:styleLbl name="fgAcc2">
+    <dgm:scene3d>
+      <a:camera prst="orthographicFront"/>
+      <a:lightRig rig="threePt" dir="t"/>
+    </dgm:scene3d>
+    <dgm:sp3d/>
+    <dgm:txPr/>
+    <dgm:style>
+      <a:lnRef idx="2">
+        <a:scrgbClr r="0" g="0" b="0"/>
+      </a:lnRef>
+      <a:fillRef idx="1">
+        <a:scrgbClr r="0" g="0" b="0"/>
+      </a:fillRef>
+      <a:effectRef idx="0">
+        <a:scrgbClr r="0" g="0" b="0"/>
+      </a:effectRef>
+      <a:fontRef idx="minor"/>
+    </dgm:style>
+  </dgm:styleLbl>
+  <dgm:styleLbl name="fgAcc3">
+    <dgm:scene3d>
+      <a:camera prst="orthographicFront"/>
+      <a:lightRig rig="threePt" dir="t"/>
+    </dgm:scene3d>
+    <dgm:sp3d/>
+    <dgm:txPr/>
+    <dgm:style>
+      <a:lnRef idx="2">
+        <a:scrgbClr r="0" g="0" b="0"/>
+      </a:lnRef>
+      <a:fillRef idx="1">
+        <a:scrgbClr r="0" g="0" b="0"/>
+      </a:fillRef>
+      <a:effectRef idx="0">
+        <a:scrgbClr r="0" g="0" b="0"/>
+      </a:effectRef>
+      <a:fontRef idx="minor"/>
+    </dgm:style>
+  </dgm:styleLbl>
+  <dgm:styleLbl name="fgAcc4">
+    <dgm:scene3d>
+      <a:camera prst="orthographicFront"/>
+      <a:lightRig rig="threePt" dir="t"/>
+    </dgm:scene3d>
+    <dgm:sp3d/>
+    <dgm:txPr/>
+    <dgm:style>
+      <a:lnRef idx="2">
+        <a:scrgbClr r="0" g="0" b="0"/>
+      </a:lnRef>
+      <a:fillRef idx="1">
+        <a:scrgbClr r="0" g="0" b="0"/>
+      </a:fillRef>
+      <a:effectRef idx="0">
+        <a:scrgbClr r="0" g="0" b="0"/>
+      </a:effectRef>
+      <a:fontRef idx="minor"/>
+    </dgm:style>
+  </dgm:styleLbl>
+  <dgm:styleLbl name="bgShp">
+    <dgm:scene3d>
+      <a:camera prst="orthographicFront"/>
+      <a:lightRig rig="threePt" dir="t"/>
+    </dgm:scene3d>
+    <dgm:sp3d/>
+    <dgm:txPr/>
+    <dgm:style>
+      <a:lnRef idx="0">
+        <a:scrgbClr r="0" g="0" b="0"/>
+      </a:lnRef>
+      <a:fillRef idx="1">
+        <a:scrgbClr r="0" g="0" b="0"/>
+      </a:fillRef>
+      <a:effectRef idx="0">
+        <a:scrgbClr r="0" g="0" b="0"/>
+      </a:effectRef>
+      <a:fontRef idx="minor"/>
+    </dgm:style>
+  </dgm:styleLbl>
+  <dgm:styleLbl name="dkBgShp">
+    <dgm:scene3d>
+      <a:camera prst="orthographicFront"/>
+      <a:lightRig rig="threePt" dir="t"/>
+    </dgm:scene3d>
+    <dgm:sp3d/>
+    <dgm:txPr/>
+    <dgm:style>
+      <a:lnRef idx="0">
+        <a:scrgbClr r="0" g="0" b="0"/>
+      </a:lnRef>
+      <a:fillRef idx="1">
+        <a:scrgbClr r="0" g="0" b="0"/>
+      </a:fillRef>
+      <a:effectRef idx="0">
+        <a:scrgbClr r="0" g="0" b="0"/>
+      </a:effectRef>
+      <a:fontRef idx="minor"/>
+    </dgm:style>
+  </dgm:styleLbl>
+  <dgm:styleLbl name="trBgShp">
+    <dgm:scene3d>
+      <a:camera prst="orthographicFront"/>
+      <a:lightRig rig="threePt" dir="t"/>
+    </dgm:scene3d>
+    <dgm:sp3d/>
+    <dgm:txPr/>
+    <dgm:style>
+      <a:lnRef idx="0">
+        <a:scrgbClr r="0" g="0" b="0"/>
+      </a:lnRef>
+      <a:fillRef idx="1">
+        <a:scrgbClr r="0" g="0" b="0"/>
+      </a:fillRef>
+      <a:effectRef idx="0">
+        <a:scrgbClr r="0" g="0" b="0"/>
+      </a:effectRef>
+      <a:fontRef idx="minor"/>
+    </dgm:style>
+  </dgm:styleLbl>
+  <dgm:styleLbl name="fgShp">
+    <dgm:scene3d>
+      <a:camera prst="orthographicFront"/>
+      <a:lightRig rig="threePt" dir="t"/>
+    </dgm:scene3d>
+    <dgm:sp3d/>
+    <dgm:txPr/>
+    <dgm:style>
+      <a:lnRef idx="3">
+        <a:scrgbClr r="0" g="0" b="0"/>
+      </a:lnRef>
+      <a:fillRef idx="1">
+        <a:scrgbClr r="0" g="0" b="0"/>
+      </a:fillRef>
+      <a:effectRef idx="1">
+        <a:scrgbClr r="0" g="0" b="0"/>
+      </a:effectRef>
+      <a:fontRef idx="minor"/>
+    </dgm:style>
+  </dgm:styleLbl>
+  <dgm:styleLbl name="revTx">
+    <dgm:scene3d>
+      <a:camera prst="orthographicFront"/>
+      <a:lightRig rig="threePt" dir="t"/>
+    </dgm:scene3d>
+    <dgm:sp3d/>
+    <dgm:txPr/>
+    <dgm:style>
+      <a:lnRef idx="0">
+        <a:scrgbClr r="0" g="0" b="0"/>
+      </a:lnRef>
+      <a:fillRef idx="0">
+        <a:scrgbClr r="0" g="0" b="0"/>
+      </a:fillRef>
+      <a:effectRef idx="0">
+        <a:scrgbClr r="0" g="0" b="0"/>
+      </a:effectRef>
+      <a:fontRef idx="minor"/>
+    </dgm:style>
+  </dgm:styleLbl>
+</dgm:styleDef>
+</file>
+
+<file path=ppt/diagrams/quickStyle2.xml><?xml version="1.0" encoding="utf-8"?>
+<dgm:styleDef xmlns:dgm="http://schemas.openxmlformats.org/drawingml/2006/diagram" xmlns:a="http://schemas.openxmlformats.org/drawingml/2006/main" uniqueId="urn:microsoft.com/office/officeart/2005/8/quickstyle/simple2">
+  <dgm:title val=""/>
+  <dgm:desc val=""/>
+  <dgm:catLst>
+    <dgm:cat type="simple" pri="10200"/>
+  </dgm:catLst>
+  <dgm:scene3d>
+    <a:camera prst="orthographicFront"/>
+    <a:lightRig rig="threePt" dir="t"/>
+  </dgm:scene3d>
+  <dgm:styleLbl name="node0">
+    <dgm:scene3d>
+      <a:camera prst="orthographicFront"/>
+      <a:lightRig rig="threePt" dir="t"/>
+    </dgm:scene3d>
+    <dgm:sp3d/>
+    <dgm:txPr/>
+    <dgm:style>
+      <a:lnRef idx="3">
+        <a:scrgbClr r="0" g="0" b="0"/>
+      </a:lnRef>
+      <a:fillRef idx="1">
+        <a:scrgbClr r="0" g="0" b="0"/>
+      </a:fillRef>
+      <a:effectRef idx="1">
+        <a:scrgbClr r="0" g="0" b="0"/>
+      </a:effectRef>
+      <a:fontRef idx="minor">
+        <a:schemeClr val="lt1"/>
+      </a:fontRef>
+    </dgm:style>
+  </dgm:styleLbl>
+  <dgm:styleLbl name="lnNode1">
+    <dgm:scene3d>
+      <a:camera prst="orthographicFront"/>
+      <a:lightRig rig="threePt" dir="t"/>
+    </dgm:scene3d>
+    <dgm:sp3d/>
+    <dgm:txPr/>
+    <dgm:style>
+      <a:lnRef idx="3">
+        <a:scrgbClr r="0" g="0" b="0"/>
+      </a:lnRef>
+      <a:fillRef idx="1">
+        <a:scrgbClr r="0" g="0" b="0"/>
+      </a:fillRef>
+      <a:effectRef idx="1">
+        <a:scrgbClr r="0" g="0" b="0"/>
+      </a:effectRef>
+      <a:fontRef idx="minor">
+        <a:schemeClr val="lt1"/>
+      </a:fontRef>
+    </dgm:style>
+  </dgm:styleLbl>
+  <dgm:styleLbl name="vennNode1">
+    <dgm:scene3d>
+      <a:camera prst="orthographicFront"/>
+      <a:lightRig rig="threePt" dir="t"/>
+    </dgm:scene3d>
+    <dgm:sp3d/>
+    <dgm:txPr/>
+    <dgm:style>
+      <a:lnRef idx="3">
+        <a:scrgbClr r="0" g="0" b="0"/>
+      </a:lnRef>
+      <a:fillRef idx="1">
+        <a:scrgbClr r="0" g="0" b="0"/>
+      </a:fillRef>
+      <a:effectRef idx="0">
+        <a:scrgbClr r="0" g="0" b="0"/>
+      </a:effectRef>
+      <a:fontRef idx="minor">
+        <a:schemeClr val="tx1"/>
+      </a:fontRef>
+    </dgm:style>
+  </dgm:styleLbl>
+  <dgm:styleLbl name="alignNode1">
+    <dgm:scene3d>
+      <a:camera prst="orthographicFront"/>
+      <a:lightRig rig="threePt" dir="t"/>
+    </dgm:scene3d>
+    <dgm:sp3d/>
+    <dgm:txPr/>
+    <dgm:style>
+      <a:lnRef idx="2">
+        <a:scrgbClr r="0" g="0" b="0"/>
+      </a:lnRef>
+      <a:fillRef idx="1">
+        <a:scrgbClr r="0" g="0" b="0"/>
+      </a:fillRef>
+      <a:effectRef idx="1">
+        <a:scrgbClr r="0" g="0" b="0"/>
+      </a:effectRef>
+      <a:fontRef idx="minor">
+        <a:schemeClr val="lt1"/>
+      </a:fontRef>
+    </dgm:style>
+  </dgm:styleLbl>
+  <dgm:styleLbl name="node1">
+    <dgm:scene3d>
+      <a:camera prst="orthographicFront"/>
+      <a:lightRig rig="threePt" dir="t"/>
+    </dgm:scene3d>
+    <dgm:sp3d/>
+    <dgm:txPr/>
+    <dgm:style>
+      <a:lnRef idx="3">
+        <a:scrgbClr r="0" g="0" b="0"/>
+      </a:lnRef>
+      <a:fillRef idx="1">
+        <a:scrgbClr r="0" g="0" b="0"/>
+      </a:fillRef>
+      <a:effectRef idx="1">
+        <a:scrgbClr r="0" g="0" b="0"/>
+      </a:effectRef>
+      <a:fontRef idx="minor">
+        <a:schemeClr val="lt1"/>
+      </a:fontRef>
+    </dgm:style>
+  </dgm:styleLbl>
+  <dgm:styleLbl name="node2">
+    <dgm:scene3d>
+      <a:camera prst="orthographicFront"/>
+      <a:lightRig rig="threePt" dir="t"/>
+    </dgm:scene3d>
+    <dgm:sp3d/>
+    <dgm:txPr/>
+    <dgm:style>
+      <a:lnRef idx="3">
+        <a:scrgbClr r="0" g="0" b="0"/>
+      </a:lnRef>
+      <a:fillRef idx="1">
+        <a:scrgbClr r="0" g="0" b="0"/>
+      </a:fillRef>
+      <a:effectRef idx="1">
+        <a:scrgbClr r="0" g="0" b="0"/>
+      </a:effectRef>
+      <a:fontRef idx="minor">
+        <a:schemeClr val="lt1"/>
+      </a:fontRef>
+    </dgm:style>
+  </dgm:styleLbl>
+  <dgm:styleLbl name="node3">
+    <dgm:scene3d>
+      <a:camera prst="orthographicFront"/>
+      <a:lightRig rig="threePt" dir="t"/>
+    </dgm:scene3d>
+    <dgm:sp3d/>
+    <dgm:txPr/>
+    <dgm:style>
+      <a:lnRef idx="3">
+        <a:scrgbClr r="0" g="0" b="0"/>
+      </a:lnRef>
+      <a:fillRef idx="1">
+        <a:scrgbClr r="0" g="0" b="0"/>
+      </a:fillRef>
+      <a:effectRef idx="1">
+        <a:scrgbClr r="0" g="0" b="0"/>
+      </a:effectRef>
+      <a:fontRef idx="minor">
+        <a:schemeClr val="lt1"/>
+      </a:fontRef>
+    </dgm:style>
+  </dgm:styleLbl>
+  <dgm:styleLbl name="node4">
+    <dgm:scene3d>
+      <a:camera prst="orthographicFront"/>
+      <a:lightRig rig="threePt" dir="t"/>
+    </dgm:scene3d>
+    <dgm:sp3d/>
+    <dgm:txPr/>
+    <dgm:style>
+      <a:lnRef idx="3">
+        <a:scrgbClr r="0" g="0" b="0"/>
+      </a:lnRef>
+      <a:fillRef idx="1">
+        <a:scrgbClr r="0" g="0" b="0"/>
+      </a:fillRef>
+      <a:effectRef idx="1">
+        <a:scrgbClr r="0" g="0" b="0"/>
+      </a:effectRef>
+      <a:fontRef idx="minor">
+        <a:schemeClr val="lt1"/>
+      </a:fontRef>
+    </dgm:style>
+  </dgm:styleLbl>
+  <dgm:styleLbl name="fgImgPlace1">
+    <dgm:scene3d>
+      <a:camera prst="orthographicFront"/>
+      <a:lightRig rig="threePt" dir="t"/>
+    </dgm:scene3d>
+    <dgm:sp3d/>
+    <dgm:txPr/>
+    <dgm:style>
+      <a:lnRef idx="3">
+        <a:scrgbClr r="0" g="0" b="0"/>
+      </a:lnRef>
+      <a:fillRef idx="1">
+        <a:scrgbClr r="0" g="0" b="0"/>
+      </a:fillRef>
+      <a:effectRef idx="1">
+        <a:scrgbClr r="0" g="0" b="0"/>
+      </a:effectRef>
+      <a:fontRef idx="minor"/>
+    </dgm:style>
+  </dgm:styleLbl>
+  <dgm:styleLbl name="alignImgPlace1">
+    <dgm:scene3d>
+      <a:camera prst="orthographicFront"/>
+      <a:lightRig rig="threePt" dir="t"/>
+    </dgm:scene3d>
+    <dgm:sp3d/>
+    <dgm:txPr/>
+    <dgm:style>
+      <a:lnRef idx="3">
+        <a:scrgbClr r="0" g="0" b="0"/>
+      </a:lnRef>
+      <a:fillRef idx="1">
+        <a:scrgbClr r="0" g="0" b="0"/>
+      </a:fillRef>
+      <a:effectRef idx="1">
+        <a:scrgbClr r="0" g="0" b="0"/>
+      </a:effectRef>
+      <a:fontRef idx="minor"/>
+    </dgm:style>
+  </dgm:styleLbl>
+  <dgm:styleLbl name="bgImgPlace1">
+    <dgm:scene3d>
+      <a:camera prst="orthographicFront"/>
+      <a:lightRig rig="threePt" dir="t"/>
+    </dgm:scene3d>
+    <dgm:sp3d/>
+    <dgm:txPr/>
+    <dgm:style>
+      <a:lnRef idx="3">
+        <a:scrgbClr r="0" g="0" b="0"/>
+      </a:lnRef>
+      <a:fillRef idx="1">
+        <a:scrgbClr r="0" g="0" b="0"/>
+      </a:fillRef>
+      <a:effectRef idx="1">
+        <a:scrgbClr r="0" g="0" b="0"/>
+      </a:effectRef>
+      <a:fontRef idx="minor"/>
+    </dgm:style>
+  </dgm:styleLbl>
+  <dgm:styleLbl name="sibTrans2D1">
+    <dgm:scene3d>
+      <a:camera prst="orthographicFront"/>
+      <a:lightRig rig="threePt" dir="t"/>
+    </dgm:scene3d>
+    <dgm:sp3d/>
+    <dgm:txPr/>
+    <dgm:style>
+      <a:lnRef idx="0">
+        <a:scrgbClr r="0" g="0" b="0"/>
+      </a:lnRef>
+      <a:fillRef idx="1">
+        <a:scrgbClr r="0" g="0" b="0"/>
+      </a:fillRef>
+      <a:effectRef idx="1">
+        <a:scrgbClr r="0" g="0" b="0"/>
+      </a:effectRef>
+      <a:fontRef idx="minor">
+        <a:schemeClr val="lt1"/>
+      </a:fontRef>
+    </dgm:style>
+  </dgm:styleLbl>
+  <dgm:styleLbl name="fgSibTrans2D1">
+    <dgm:scene3d>
+      <a:camera prst="orthographicFront"/>
+      <a:lightRig rig="threePt" dir="t"/>
+    </dgm:scene3d>
+    <dgm:sp3d/>
+    <dgm:txPr/>
+    <dgm:style>
+      <a:lnRef idx="0">
+        <a:scrgbClr r="0" g="0" b="0"/>
+      </a:lnRef>
+      <a:fillRef idx="1">
+        <a:scrgbClr r="0" g="0" b="0"/>
+      </a:fillRef>
+      <a:effectRef idx="1">
+        <a:scrgbClr r="0" g="0" b="0"/>
+      </a:effectRef>
+      <a:fontRef idx="minor">
+        <a:schemeClr val="lt1"/>
+      </a:fontRef>
+    </dgm:style>
+  </dgm:styleLbl>
+  <dgm:styleLbl name="bgSibTrans2D1">
+    <dgm:scene3d>
+      <a:camera prst="orthographicFront"/>
+      <a:lightRig rig="threePt" dir="t"/>
+    </dgm:scene3d>
+    <dgm:sp3d/>
+    <dgm:txPr/>
+    <dgm:style>
+      <a:lnRef idx="0">
+        <a:scrgbClr r="0" g="0" b="0"/>
+      </a:lnRef>
+      <a:fillRef idx="1">
+        <a:scrgbClr r="0" g="0" b="0"/>
+      </a:fillRef>
+      <a:effectRef idx="1">
+        <a:scrgbClr r="0" g="0" b="0"/>
+      </a:effectRef>
+      <a:fontRef idx="minor">
+        <a:schemeClr val="lt1"/>
+      </a:fontRef>
+    </dgm:style>
+  </dgm:styleLbl>
+  <dgm:styleLbl name="sibTrans1D1">
+    <dgm:scene3d>
+      <a:camera prst="orthographicFront"/>
+      <a:lightRig rig="threePt" dir="t"/>
+    </dgm:scene3d>
+    <dgm:sp3d/>
+    <dgm:txPr/>
+    <dgm:style>
+      <a:lnRef idx="1">
+        <a:scrgbClr r="0" g="0" b="0"/>
+      </a:lnRef>
+      <a:fillRef idx="0">
+        <a:scrgbClr r="0" g="0" b="0"/>
+      </a:fillRef>
+      <a:effectRef idx="0">
+        <a:scrgbClr r="0" g="0" b="0"/>
+      </a:effectRef>
+      <a:fontRef idx="minor"/>
+    </dgm:style>
+  </dgm:styleLbl>
+  <dgm:styleLbl name="callout">
+    <dgm:scene3d>
+      <a:camera prst="orthographicFront"/>
+      <a:lightRig rig="threePt" dir="t"/>
+    </dgm:scene3d>
+    <dgm:sp3d/>
+    <dgm:txPr/>
+    <dgm:style>
+      <a:lnRef idx="2">
+        <a:scrgbClr r="0" g="0" b="0"/>
+      </a:lnRef>
+      <a:fillRef idx="1">
+        <a:scrgbClr r="0" g="0" b="0"/>
+      </a:fillRef>
+      <a:effectRef idx="1">
+        <a:scrgbClr r="0" g="0" b="0"/>
+      </a:effectRef>
+      <a:fontRef idx="minor"/>
+    </dgm:style>
+  </dgm:styleLbl>
+  <dgm:styleLbl name="asst0">
+    <dgm:scene3d>
+      <a:camera prst="orthographicFront"/>
+      <a:lightRig rig="threePt" dir="t"/>
+    </dgm:scene3d>
+    <dgm:sp3d/>
+    <dgm:txPr/>
+    <dgm:style>
+      <a:lnRef idx="3">
+        <a:scrgbClr r="0" g="0" b="0"/>
+      </a:lnRef>
+      <a:fillRef idx="1">
+        <a:scrgbClr r="0" g="0" b="0"/>
+      </a:fillRef>
+      <a:effectRef idx="1">
+        <a:scrgbClr r="0" g="0" b="0"/>
+      </a:effectRef>
+      <a:fontRef idx="minor">
+        <a:schemeClr val="lt1"/>
+      </a:fontRef>
+    </dgm:style>
+  </dgm:styleLbl>
+  <dgm:styleLbl name="asst1">
+    <dgm:scene3d>
+      <a:camera prst="orthographicFront"/>
+      <a:lightRig rig="threePt" dir="t"/>
+    </dgm:scene3d>
+    <dgm:sp3d/>
+    <dgm:txPr/>
+    <dgm:style>
+      <a:lnRef idx="3">
+        <a:scrgbClr r="0" g="0" b="0"/>
+      </a:lnRef>
+      <a:fillRef idx="1">
+        <a:scrgbClr r="0" g="0" b="0"/>
+      </a:fillRef>
+      <a:effectRef idx="1">
+        <a:scrgbClr r="0" g="0" b="0"/>
+      </a:effectRef>
+      <a:fontRef idx="minor">
+        <a:schemeClr val="lt1"/>
+      </a:fontRef>
+    </dgm:style>
+  </dgm:styleLbl>
+  <dgm:styleLbl name="asst2">
+    <dgm:scene3d>
+      <a:camera prst="orthographicFront"/>
+      <a:lightRig rig="threePt" dir="t"/>
+    </dgm:scene3d>
+    <dgm:sp3d/>
+    <dgm:txPr/>
+    <dgm:style>
+      <a:lnRef idx="3">
+        <a:scrgbClr r="0" g="0" b="0"/>
+      </a:lnRef>
+      <a:fillRef idx="1">
+        <a:scrgbClr r="0" g="0" b="0"/>
+      </a:fillRef>
+      <a:effectRef idx="1">
+        <a:scrgbClr r="0" g="0" b="0"/>
+      </a:effectRef>
+      <a:fontRef idx="minor">
+        <a:schemeClr val="lt1"/>
+      </a:fontRef>
+    </dgm:style>
+  </dgm:styleLbl>
+  <dgm:styleLbl name="asst3">
+    <dgm:scene3d>
+      <a:camera prst="orthographicFront"/>
+      <a:lightRig rig="threePt" dir="t"/>
+    </dgm:scene3d>
+    <dgm:sp3d/>
+    <dgm:txPr/>
+    <dgm:style>
+      <a:lnRef idx="3">
+        <a:scrgbClr r="0" g="0" b="0"/>
+      </a:lnRef>
+      <a:fillRef idx="1">
+        <a:scrgbClr r="0" g="0" b="0"/>
+      </a:fillRef>
+      <a:effectRef idx="1">
+        <a:scrgbClr r="0" g="0" b="0"/>
+      </a:effectRef>
+      <a:fontRef idx="minor">
+        <a:schemeClr val="lt1"/>
+      </a:fontRef>
+    </dgm:style>
+  </dgm:styleLbl>
+  <dgm:styleLbl name="asst4">
+    <dgm:scene3d>
+      <a:camera prst="orthographicFront"/>
+      <a:lightRig rig="threePt" dir="t"/>
+    </dgm:scene3d>
+    <dgm:sp3d/>
+    <dgm:txPr/>
+    <dgm:style>
+      <a:lnRef idx="3">
+        <a:scrgbClr r="0" g="0" b="0"/>
+      </a:lnRef>
+      <a:fillRef idx="1">
+        <a:scrgbClr r="0" g="0" b="0"/>
+      </a:fillRef>
+      <a:effectRef idx="1">
+        <a:scrgbClr r="0" g="0" b="0"/>
+      </a:effectRef>
+      <a:fontRef idx="minor">
+        <a:schemeClr val="lt1"/>
+      </a:fontRef>
+    </dgm:style>
+  </dgm:styleLbl>
+  <dgm:styleLbl name="parChTrans2D1">
+    <dgm:scene3d>
+      <a:camera prst="orthographicFront"/>
+      <a:lightRig rig="threePt" dir="t"/>
+    </dgm:scene3d>
+    <dgm:sp3d/>
+    <dgm:txPr/>
+    <dgm:style>
+      <a:lnRef idx="3">
+        <a:scrgbClr r="0" g="0" b="0"/>
+      </a:lnRef>
+      <a:fillRef idx="1">
+        <a:scrgbClr r="0" g="0" b="0"/>
+      </a:fillRef>
+      <a:effectRef idx="1">
+        <a:scrgbClr r="0" g="0" b="0"/>
+      </a:effectRef>
+      <a:fontRef idx="minor">
+        <a:schemeClr val="lt1"/>
+      </a:fontRef>
+    </dgm:style>
+  </dgm:styleLbl>
+  <dgm:styleLbl name="parChTrans2D2">
+    <dgm:scene3d>
+      <a:camera prst="orthographicFront"/>
+      <a:lightRig rig="threePt" dir="t"/>
+    </dgm:scene3d>
+    <dgm:sp3d/>
+    <dgm:txPr/>
+    <dgm:style>
+      <a:lnRef idx="3">
+        <a:scrgbClr r="0" g="0" b="0"/>
+      </a:lnRef>
+      <a:fillRef idx="1">
+        <a:scrgbClr r="0" g="0" b="0"/>
+      </a:fillRef>
+      <a:effectRef idx="1">
+        <a:scrgbClr r="0" g="0" b="0"/>
+      </a:effectRef>
+      <a:fontRef idx="minor">
+        <a:schemeClr val="lt1"/>
+      </a:fontRef>
+    </dgm:style>
+  </dgm:styleLbl>
+  <dgm:styleLbl name="parChTrans2D3">
+    <dgm:scene3d>
+      <a:camera prst="orthographicFront"/>
+      <a:lightRig rig="threePt" dir="t"/>
+    </dgm:scene3d>
+    <dgm:sp3d/>
+    <dgm:txPr/>
+    <dgm:style>
+      <a:lnRef idx="3">
+        <a:scrgbClr r="0" g="0" b="0"/>
+      </a:lnRef>
+      <a:fillRef idx="1">
+        <a:scrgbClr r="0" g="0" b="0"/>
+      </a:fillRef>
+      <a:effectRef idx="1">
+        <a:scrgbClr r="0" g="0" b="0"/>
+      </a:effectRef>
+      <a:fontRef idx="minor">
+        <a:schemeClr val="lt1"/>
+      </a:fontRef>
+    </dgm:style>
+  </dgm:styleLbl>
+  <dgm:styleLbl name="parChTrans2D4">
+    <dgm:scene3d>
+      <a:camera prst="orthographicFront"/>
+      <a:lightRig rig="threePt" dir="t"/>
+    </dgm:scene3d>
+    <dgm:sp3d/>
+    <dgm:txPr/>
+    <dgm:style>
+      <a:lnRef idx="3">
+        <a:scrgbClr r="0" g="0" b="0"/>
+      </a:lnRef>
+      <a:fillRef idx="1">
+        <a:scrgbClr r="0" g="0" b="0"/>
+      </a:fillRef>
+      <a:effectRef idx="1">
+        <a:scrgbClr r="0" g="0" b="0"/>
+      </a:effectRef>
+      <a:fontRef idx="minor">
+        <a:schemeClr val="lt1"/>
+      </a:fontRef>
+    </dgm:style>
+  </dgm:styleLbl>
+  <dgm:styleLbl name="parChTrans1D1">
+    <dgm:scene3d>
+      <a:camera prst="orthographicFront"/>
+      <a:lightRig rig="threePt" dir="t"/>
+    </dgm:scene3d>
+    <dgm:sp3d/>
+    <dgm:txPr/>
+    <dgm:style>
+      <a:lnRef idx="2">
+        <a:scrgbClr r="0" g="0" b="0"/>
+      </a:lnRef>
+      <a:fillRef idx="0">
+        <a:scrgbClr r="0" g="0" b="0"/>
+      </a:fillRef>
+      <a:effectRef idx="0">
+        <a:scrgbClr r="0" g="0" b="0"/>
+      </a:effectRef>
+      <a:fontRef idx="minor"/>
+    </dgm:style>
+  </dgm:styleLbl>
+  <dgm:styleLbl name="parChTrans1D2">
+    <dgm:scene3d>
+      <a:camera prst="orthographicFront"/>
+      <a:lightRig rig="threePt" dir="t"/>
+    </dgm:scene3d>
+    <dgm:sp3d/>
+    <dgm:txPr/>
+    <dgm:style>
+      <a:lnRef idx="2">
+        <a:scrgbClr r="0" g="0" b="0"/>
+      </a:lnRef>
+      <a:fillRef idx="0">
+        <a:scrgbClr r="0" g="0" b="0"/>
+      </a:fillRef>
+      <a:effectRef idx="0">
+        <a:scrgbClr r="0" g="0" b="0"/>
+      </a:effectRef>
+      <a:fontRef idx="minor"/>
+    </dgm:style>
+  </dgm:styleLbl>
+  <dgm:styleLbl name="parChTrans1D3">
+    <dgm:scene3d>
+      <a:camera prst="orthographicFront"/>
+      <a:lightRig rig="threePt" dir="t"/>
+    </dgm:scene3d>
+    <dgm:sp3d/>
+    <dgm:txPr/>
+    <dgm:style>
+      <a:lnRef idx="2">
+        <a:scrgbClr r="0" g="0" b="0"/>
+      </a:lnRef>
+      <a:fillRef idx="0">
+        <a:scrgbClr r="0" g="0" b="0"/>
+      </a:fillRef>
+      <a:effectRef idx="0">
+        <a:scrgbClr r="0" g="0" b="0"/>
+      </a:effectRef>
+      <a:fontRef idx="minor"/>
+    </dgm:style>
+  </dgm:styleLbl>
+  <dgm:styleLbl name="parChTrans1D4">
+    <dgm:scene3d>
+      <a:camera prst="orthographicFront"/>
+      <a:lightRig rig="threePt" dir="t"/>
+    </dgm:scene3d>
+    <dgm:sp3d/>
+    <dgm:txPr/>
+    <dgm:style>
+      <a:lnRef idx="2">
+        <a:scrgbClr r="0" g="0" b="0"/>
+      </a:lnRef>
+      <a:fillRef idx="0">
+        <a:scrgbClr r="0" g="0" b="0"/>
+      </a:fillRef>
+      <a:effectRef idx="0">
+        <a:scrgbClr r="0" g="0" b="0"/>
+      </a:effectRef>
+      <a:fontRef idx="minor"/>
+    </dgm:style>
+  </dgm:styleLbl>
+  <dgm:styleLbl name="fgAcc1">
+    <dgm:scene3d>
+      <a:camera prst="orthographicFront"/>
+      <a:lightRig rig="threePt" dir="t"/>
+    </dgm:scene3d>
+    <dgm:sp3d/>
+    <dgm:txPr/>
+    <dgm:style>
+      <a:lnRef idx="2">
+        <a:scrgbClr r="0" g="0" b="0"/>
+      </a:lnRef>
+      <a:fillRef idx="1">
+        <a:scrgbClr r="0" g="0" b="0"/>
+      </a:fillRef>
+      <a:effectRef idx="0">
+        <a:scrgbClr r="0" g="0" b="0"/>
+      </a:effectRef>
+      <a:fontRef idx="minor"/>
+    </dgm:style>
+  </dgm:styleLbl>
+  <dgm:styleLbl name="conFgAcc1">
+    <dgm:scene3d>
+      <a:camera prst="orthographicFront"/>
+      <a:lightRig rig="threePt" dir="t"/>
+    </dgm:scene3d>
+    <dgm:sp3d/>
+    <dgm:txPr/>
+    <dgm:style>
+      <a:lnRef idx="2">
+        <a:scrgbClr r="0" g="0" b="0"/>
+      </a:lnRef>
+      <a:fillRef idx="1">
+        <a:scrgbClr r="0" g="0" b="0"/>
+      </a:fillRef>
+      <a:effectRef idx="0">
+        <a:scrgbClr r="0" g="0" b="0"/>
+      </a:effectRef>
+      <a:fontRef idx="minor"/>
+    </dgm:style>
+  </dgm:styleLbl>
+  <dgm:styleLbl name="alignAcc1">
+    <dgm:scene3d>
+      <a:camera prst="orthographicFront"/>
+      <a:lightRig rig="threePt" dir="t"/>
+    </dgm:scene3d>
+    <dgm:sp3d/>
+    <dgm:txPr/>
+    <dgm:style>
+      <a:lnRef idx="2">
+        <a:scrgbClr r="0" g="0" b="0"/>
+      </a:lnRef>
+      <a:fillRef idx="1">
+        <a:scrgbClr r="0" g="0" b="0"/>
+      </a:fillRef>
+      <a:effectRef idx="0">
+        <a:scrgbClr r="0" g="0" b="0"/>
+      </a:effectRef>
+      <a:fontRef idx="minor"/>
+    </dgm:style>
+  </dgm:styleLbl>
+  <dgm:styleLbl name="trAlignAcc1">
+    <dgm:scene3d>
+      <a:camera prst="orthographicFront"/>
+      <a:lightRig rig="threePt" dir="t"/>
+    </dgm:scene3d>
+    <dgm:sp3d/>
+    <dgm:txPr/>
+    <dgm:style>
+      <a:lnRef idx="1">
+        <a:scrgbClr r="0" g="0" b="0"/>
+      </a:lnRef>
+      <a:fillRef idx="1">
+        <a:scrgbClr r="0" g="0" b="0"/>
+      </a:fillRef>
+      <a:effectRef idx="0">
+        <a:scrgbClr r="0" g="0" b="0"/>
+      </a:effectRef>
+      <a:fontRef idx="minor"/>
+    </dgm:style>
+  </dgm:styleLbl>
+  <dgm:styleLbl name="bgAcc1">
+    <dgm:scene3d>
+      <a:camera prst="orthographicFront"/>
+      <a:lightRig rig="threePt" dir="t"/>
+    </dgm:scene3d>
+    <dgm:sp3d/>
+    <dgm:txPr/>
+    <dgm:style>
+      <a:lnRef idx="2">
+        <a:scrgbClr r="0" g="0" b="0"/>
+      </a:lnRef>
+      <a:fillRef idx="1">
+        <a:scrgbClr r="0" g="0" b="0"/>
+      </a:fillRef>
+      <a:effectRef idx="0">
+        <a:scrgbClr r="0" g="0" b="0"/>
+      </a:effectRef>
+      <a:fontRef idx="minor"/>
+    </dgm:style>
+  </dgm:styleLbl>
+  <dgm:styleLbl name="solidFgAcc1">
+    <dgm:scene3d>
+      <a:camera prst="orthographicFront"/>
+      <a:lightRig rig="threePt" dir="t"/>
+    </dgm:scene3d>
+    <dgm:sp3d/>
+    <dgm:txPr/>
+    <dgm:style>
+      <a:lnRef idx="2">
+        <a:scrgbClr r="0" g="0" b="0"/>
+      </a:lnRef>
+      <a:fillRef idx="1">
+        <a:scrgbClr r="0" g="0" b="0"/>
+      </a:fillRef>
+      <a:effectRef idx="0">
+        <a:scrgbClr r="0" g="0" b="0"/>
+      </a:effectRef>
+      <a:fontRef idx="minor"/>
+    </dgm:style>
+  </dgm:styleLbl>
+  <dgm:styleLbl name="solidAlignAcc1">
+    <dgm:scene3d>
+      <a:camera prst="orthographicFront"/>
+      <a:lightRig rig="threePt" dir="t"/>
+    </dgm:scene3d>
+    <dgm:sp3d/>
+    <dgm:txPr/>
+    <dgm:style>
+      <a:lnRef idx="2">
+        <a:scrgbClr r="0" g="0" b="0"/>
+      </a:lnRef>
+      <a:fillRef idx="1">
+        <a:scrgbClr r="0" g="0" b="0"/>
+      </a:fillRef>
+      <a:effectRef idx="0">
+        <a:scrgbClr r="0" g="0" b="0"/>
+      </a:effectRef>
+      <a:fontRef idx="minor"/>
+    </dgm:style>
+  </dgm:styleLbl>
+  <dgm:styleLbl name="solidBgAcc1">
+    <dgm:scene3d>
+      <a:camera prst="orthographicFront"/>
+      <a:lightRig rig="threePt" dir="t"/>
+    </dgm:scene3d>
+    <dgm:sp3d/>
+    <dgm:txPr/>
+    <dgm:style>
+      <a:lnRef idx="2">
+        <a:scrgbClr r="0" g="0" b="0"/>
+      </a:lnRef>
+      <a:fillRef idx="1">
+        <a:scrgbClr r="0" g="0" b="0"/>
+      </a:fillRef>
+      <a:effectRef idx="0">
+        <a:scrgbClr r="0" g="0" b="0"/>
+      </a:effectRef>
+      <a:fontRef idx="minor"/>
+    </dgm:style>
+  </dgm:styleLbl>
+  <dgm:styleLbl name="fgAccFollowNode1">
+    <dgm:scene3d>
+      <a:camera prst="orthographicFront"/>
+      <a:lightRig rig="threePt" dir="t"/>
+    </dgm:scene3d>
+    <dgm:sp3d/>
+    <dgm:txPr/>
+    <dgm:style>
+      <a:lnRef idx="2">
+        <a:scrgbClr r="0" g="0" b="0"/>
+      </a:lnRef>
+      <a:fillRef idx="1">
+        <a:scrgbClr r="0" g="0" b="0"/>
+      </a:fillRef>
+      <a:effectRef idx="0">
+        <a:scrgbClr r="0" g="0" b="0"/>
+      </a:effectRef>
+      <a:fontRef idx="minor"/>
+    </dgm:style>
+  </dgm:styleLbl>
+  <dgm:styleLbl name="alignAccFollowNode1">
+    <dgm:scene3d>
+      <a:camera prst="orthographicFront"/>
+      <a:lightRig rig="threePt" dir="t"/>
+    </dgm:scene3d>
+    <dgm:sp3d/>
+    <dgm:txPr/>
+    <dgm:style>
+      <a:lnRef idx="2">
+        <a:scrgbClr r="0" g="0" b="0"/>
+      </a:lnRef>
+      <a:fillRef idx="1">
+        <a:scrgbClr r="0" g="0" b="0"/>
+      </a:fillRef>
+      <a:effectRef idx="0">
+        <a:scrgbClr r="0" g="0" b="0"/>
+      </a:effectRef>
+      <a:fontRef idx="minor"/>
+    </dgm:style>
+  </dgm:styleLbl>
+  <dgm:styleLbl name="bgAccFollowNode1">
+    <dgm:scene3d>
+      <a:camera prst="orthographicFront"/>
+      <a:lightRig rig="threePt" dir="t"/>
+    </dgm:scene3d>
+    <dgm:sp3d/>
+    <dgm:txPr/>
+    <dgm:style>
+      <a:lnRef idx="2">
+        <a:scrgbClr r="0" g="0" b="0"/>
+      </a:lnRef>
+      <a:fillRef idx="1">
+        <a:scrgbClr r="0" g="0" b="0"/>
+      </a:fillRef>
+      <a:effectRef idx="0">
+        <a:scrgbClr r="0" g="0" b="0"/>
+      </a:effectRef>
+      <a:fontRef idx="minor"/>
+    </dgm:style>
+  </dgm:styleLbl>
+  <dgm:styleLbl name="fgAcc0">
+    <dgm:scene3d>
+      <a:camera prst="orthographicFront"/>
+      <a:lightRig rig="threePt" dir="t"/>
+    </dgm:scene3d>
+    <dgm:sp3d/>
+    <dgm:txPr/>
+    <dgm:style>
+      <a:lnRef idx="2">
+        <a:scrgbClr r="0" g="0" b="0"/>
+      </a:lnRef>
+      <a:fillRef idx="1">
+        <a:scrgbClr r="0" g="0" b="0"/>
+      </a:fillRef>
+      <a:effectRef idx="0">
+        <a:scrgbClr r="0" g="0" b="0"/>
+      </a:effectRef>
+      <a:fontRef idx="minor"/>
+    </dgm:style>
+  </dgm:styleLbl>
+  <dgm:styleLbl name="fgAcc2">
+    <dgm:scene3d>
+      <a:camera prst="orthographicFront"/>
+      <a:lightRig rig="threePt" dir="t"/>
+    </dgm:scene3d>
+    <dgm:sp3d/>
+    <dgm:txPr/>
+    <dgm:style>
+      <a:lnRef idx="2">
+        <a:scrgbClr r="0" g="0" b="0"/>
+      </a:lnRef>
+      <a:fillRef idx="1">
+        <a:scrgbClr r="0" g="0" b="0"/>
+      </a:fillRef>
+      <a:effectRef idx="0">
+        <a:scrgbClr r="0" g="0" b="0"/>
+      </a:effectRef>
+      <a:fontRef idx="minor"/>
+    </dgm:style>
+  </dgm:styleLbl>
+  <dgm:styleLbl name="fgAcc3">
+    <dgm:scene3d>
+      <a:camera prst="orthographicFront"/>
+      <a:lightRig rig="threePt" dir="t"/>
+    </dgm:scene3d>
+    <dgm:sp3d/>
+    <dgm:txPr/>
+    <dgm:style>
+      <a:lnRef idx="2">
+        <a:scrgbClr r="0" g="0" b="0"/>
+      </a:lnRef>
+      <a:fillRef idx="1">
+        <a:scrgbClr r="0" g="0" b="0"/>
+      </a:fillRef>
+      <a:effectRef idx="0">
+        <a:scrgbClr r="0" g="0" b="0"/>
+      </a:effectRef>
+      <a:fontRef idx="minor"/>
+    </dgm:style>
+  </dgm:styleLbl>
+  <dgm:styleLbl name="fgAcc4">
+    <dgm:scene3d>
+      <a:camera prst="orthographicFront"/>
+      <a:lightRig rig="threePt" dir="t"/>
+    </dgm:scene3d>
+    <dgm:sp3d/>
+    <dgm:txPr/>
+    <dgm:style>
+      <a:lnRef idx="2">
+        <a:scrgbClr r="0" g="0" b="0"/>
+      </a:lnRef>
+      <a:fillRef idx="1">
+        <a:scrgbClr r="0" g="0" b="0"/>
+      </a:fillRef>
+      <a:effectRef idx="0">
+        <a:scrgbClr r="0" g="0" b="0"/>
+      </a:effectRef>
+      <a:fontRef idx="minor"/>
+    </dgm:style>
+  </dgm:styleLbl>
+  <dgm:styleLbl name="bgShp">
+    <dgm:scene3d>
+      <a:camera prst="orthographicFront"/>
+      <a:lightRig rig="threePt" dir="t"/>
+    </dgm:scene3d>
+    <dgm:sp3d/>
+    <dgm:txPr/>
+    <dgm:style>
+      <a:lnRef idx="0">
+        <a:scrgbClr r="0" g="0" b="0"/>
+      </a:lnRef>
+      <a:fillRef idx="1">
+        <a:scrgbClr r="0" g="0" b="0"/>
+      </a:fillRef>
+      <a:effectRef idx="0">
+        <a:scrgbClr r="0" g="0" b="0"/>
+      </a:effectRef>
+      <a:fontRef idx="minor"/>
+    </dgm:style>
+  </dgm:styleLbl>
+  <dgm:styleLbl name="dkBgShp">
+    <dgm:scene3d>
+      <a:camera prst="orthographicFront"/>
+      <a:lightRig rig="threePt" dir="t"/>
+    </dgm:scene3d>
+    <dgm:sp3d/>
+    <dgm:txPr/>
+    <dgm:style>
+      <a:lnRef idx="0">
+        <a:scrgbClr r="0" g="0" b="0"/>
+      </a:lnRef>
+      <a:fillRef idx="1">
+        <a:scrgbClr r="0" g="0" b="0"/>
+      </a:fillRef>
+      <a:effectRef idx="0">
+        <a:scrgbClr r="0" g="0" b="0"/>
+      </a:effectRef>
+      <a:fontRef idx="minor"/>
+    </dgm:style>
+  </dgm:styleLbl>
+  <dgm:styleLbl name="trBgShp">
+    <dgm:scene3d>
+      <a:camera prst="orthographicFront"/>
+      <a:lightRig rig="threePt" dir="t"/>
+    </dgm:scene3d>
+    <dgm:sp3d/>
+    <dgm:txPr/>
+    <dgm:style>
+      <a:lnRef idx="0">
+        <a:scrgbClr r="0" g="0" b="0"/>
+      </a:lnRef>
+      <a:fillRef idx="1">
+        <a:scrgbClr r="0" g="0" b="0"/>
+      </a:fillRef>
+      <a:effectRef idx="0">
+        <a:scrgbClr r="0" g="0" b="0"/>
+      </a:effectRef>
+      <a:fontRef idx="minor"/>
+    </dgm:style>
+  </dgm:styleLbl>
+  <dgm:styleLbl name="fgShp">
+    <dgm:scene3d>
+      <a:camera prst="orthographicFront"/>
+      <a:lightRig rig="threePt" dir="t"/>
+    </dgm:scene3d>
+    <dgm:sp3d/>
+    <dgm:txPr/>
+    <dgm:style>
+      <a:lnRef idx="3">
+        <a:scrgbClr r="0" g="0" b="0"/>
+      </a:lnRef>
+      <a:fillRef idx="1">
+        <a:scrgbClr r="0" g="0" b="0"/>
+      </a:fillRef>
+      <a:effectRef idx="1">
+        <a:scrgbClr r="0" g="0" b="0"/>
+      </a:effectRef>
+      <a:fontRef idx="minor"/>
+    </dgm:style>
+  </dgm:styleLbl>
+  <dgm:styleLbl name="revTx">
+    <dgm:scene3d>
+      <a:camera prst="orthographicFront"/>
+      <a:lightRig rig="threePt" dir="t"/>
+    </dgm:scene3d>
+    <dgm:sp3d/>
+    <dgm:txPr/>
+    <dgm:style>
+      <a:lnRef idx="0">
+        <a:scrgbClr r="0" g="0" b="0"/>
+      </a:lnRef>
+      <a:fillRef idx="0">
+        <a:scrgbClr r="0" g="0" b="0"/>
+      </a:fillRef>
+      <a:effectRef idx="0">
+        <a:scrgbClr r="0" g="0" b="0"/>
+      </a:effectRef>
+      <a:fontRef idx="minor"/>
+    </dgm:style>
+  </dgm:styleLbl>
+</dgm:styleDef>
+</file>
+
+<file path=ppt/diagrams/quickStyle3.xml><?xml version="1.0" encoding="utf-8"?>
 <dgm:styleDef xmlns:dgm="http://schemas.openxmlformats.org/drawingml/2006/diagram" xmlns:a="http://schemas.openxmlformats.org/drawingml/2006/main" uniqueId="urn:microsoft.com/office/officeart/2005/8/quickstyle/simple1">
   <dgm:title val=""/>
   <dgm:desc val=""/>
@@ -4852,7 +11580,7 @@
         </p:nvSpPr>
         <p:spPr>
           <a:xfrm>
-            <a:off x="381300" y="685800"/>
+            <a:off x="381000" y="685800"/>
             <a:ext cx="6096000" cy="3429000"/>
           </a:xfrm>
           <a:custGeom>
@@ -4956,7 +11684,7 @@
         </p:nvSpPr>
         <p:spPr>
           <a:xfrm>
-            <a:off x="381300" y="685800"/>
+            <a:off x="381000" y="685800"/>
             <a:ext cx="6096000" cy="3429000"/>
           </a:xfrm>
           <a:custGeom>
@@ -5060,7 +11788,7 @@
         </p:nvSpPr>
         <p:spPr>
           <a:xfrm>
-            <a:off x="381300" y="685800"/>
+            <a:off x="381000" y="685800"/>
             <a:ext cx="6096000" cy="3429000"/>
           </a:xfrm>
           <a:custGeom>
@@ -24690,55 +31418,294 @@
           </a:p>
         </p:txBody>
       </p:sp>
+      <p:pic>
+        <p:nvPicPr>
+          <p:cNvPr id="3" name="Picture 2">
+            <a:extLst>
+              <a:ext uri="{FF2B5EF4-FFF2-40B4-BE49-F238E27FC236}">
+                <a16:creationId xmlns:a16="http://schemas.microsoft.com/office/drawing/2014/main" id="{4A5BC105-9578-4AA5-B788-49124BA01DB3}"/>
+              </a:ext>
+            </a:extLst>
+          </p:cNvPr>
+          <p:cNvPicPr>
+            <a:picLocks noChangeAspect="1"/>
+          </p:cNvPicPr>
+          <p:nvPr/>
+        </p:nvPicPr>
+        <p:blipFill>
+          <a:blip r:embed="rId3"/>
+          <a:stretch>
+            <a:fillRect/>
+          </a:stretch>
+        </p:blipFill>
+        <p:spPr>
+          <a:xfrm>
+            <a:off x="373978" y="575100"/>
+            <a:ext cx="3755572" cy="2571750"/>
+          </a:xfrm>
+          <a:prstGeom prst="rect">
+            <a:avLst/>
+          </a:prstGeom>
+        </p:spPr>
+      </p:pic>
+      <p:pic>
+        <p:nvPicPr>
+          <p:cNvPr id="5" name="Picture 4">
+            <a:extLst>
+              <a:ext uri="{FF2B5EF4-FFF2-40B4-BE49-F238E27FC236}">
+                <a16:creationId xmlns:a16="http://schemas.microsoft.com/office/drawing/2014/main" id="{E2E9093D-6AFE-4F51-9AB5-860DEE34B870}"/>
+              </a:ext>
+            </a:extLst>
+          </p:cNvPr>
+          <p:cNvPicPr>
+            <a:picLocks noChangeAspect="1"/>
+          </p:cNvPicPr>
+          <p:nvPr/>
+        </p:nvPicPr>
+        <p:blipFill>
+          <a:blip r:embed="rId4"/>
+          <a:stretch>
+            <a:fillRect/>
+          </a:stretch>
+        </p:blipFill>
+        <p:spPr>
+          <a:xfrm>
+            <a:off x="4386496" y="507528"/>
+            <a:ext cx="3755572" cy="2677584"/>
+          </a:xfrm>
+          <a:prstGeom prst="rect">
+            <a:avLst/>
+          </a:prstGeom>
+        </p:spPr>
+      </p:pic>
+      <p:pic>
+        <p:nvPicPr>
+          <p:cNvPr id="7" name="Picture 6">
+            <a:extLst>
+              <a:ext uri="{FF2B5EF4-FFF2-40B4-BE49-F238E27FC236}">
+                <a16:creationId xmlns:a16="http://schemas.microsoft.com/office/drawing/2014/main" id="{7EEBC90A-3E9C-4121-A7F9-336C8A5E7F82}"/>
+              </a:ext>
+            </a:extLst>
+          </p:cNvPr>
+          <p:cNvPicPr>
+            <a:picLocks noChangeAspect="1"/>
+          </p:cNvPicPr>
+          <p:nvPr/>
+        </p:nvPicPr>
+        <p:blipFill>
+          <a:blip r:embed="rId5"/>
+          <a:stretch>
+            <a:fillRect/>
+          </a:stretch>
+        </p:blipFill>
+        <p:spPr>
+          <a:xfrm>
+            <a:off x="131169" y="3403927"/>
+            <a:ext cx="2662401" cy="1597988"/>
+          </a:xfrm>
+          <a:prstGeom prst="rect">
+            <a:avLst/>
+          </a:prstGeom>
+        </p:spPr>
+      </p:pic>
+      <p:pic>
+        <p:nvPicPr>
+          <p:cNvPr id="11" name="Picture 10">
+            <a:extLst>
+              <a:ext uri="{FF2B5EF4-FFF2-40B4-BE49-F238E27FC236}">
+                <a16:creationId xmlns:a16="http://schemas.microsoft.com/office/drawing/2014/main" id="{8B83D0B9-8804-43FF-A29B-28B34B6C4279}"/>
+              </a:ext>
+            </a:extLst>
+          </p:cNvPr>
+          <p:cNvPicPr>
+            <a:picLocks noChangeAspect="1"/>
+          </p:cNvPicPr>
+          <p:nvPr/>
+        </p:nvPicPr>
+        <p:blipFill>
+          <a:blip r:embed="rId6"/>
+          <a:stretch>
+            <a:fillRect/>
+          </a:stretch>
+        </p:blipFill>
+        <p:spPr>
+          <a:xfrm>
+            <a:off x="2982371" y="3435766"/>
+            <a:ext cx="2662402" cy="1534309"/>
+          </a:xfrm>
+          <a:prstGeom prst="rect">
+            <a:avLst/>
+          </a:prstGeom>
+        </p:spPr>
+      </p:pic>
+      <p:pic>
+        <p:nvPicPr>
+          <p:cNvPr id="13" name="Picture 12">
+            <a:extLst>
+              <a:ext uri="{FF2B5EF4-FFF2-40B4-BE49-F238E27FC236}">
+                <a16:creationId xmlns:a16="http://schemas.microsoft.com/office/drawing/2014/main" id="{CA13F325-B459-4245-A520-20D5222644FD}"/>
+              </a:ext>
+            </a:extLst>
+          </p:cNvPr>
+          <p:cNvPicPr>
+            <a:picLocks noChangeAspect="1"/>
+          </p:cNvPicPr>
+          <p:nvPr/>
+        </p:nvPicPr>
+        <p:blipFill>
+          <a:blip r:embed="rId7"/>
+          <a:stretch>
+            <a:fillRect/>
+          </a:stretch>
+        </p:blipFill>
+        <p:spPr>
+          <a:xfrm>
+            <a:off x="6026439" y="3435766"/>
+            <a:ext cx="2533456" cy="1534309"/>
+          </a:xfrm>
+          <a:prstGeom prst="rect">
+            <a:avLst/>
+          </a:prstGeom>
+        </p:spPr>
+      </p:pic>
       <p:sp>
         <p:nvSpPr>
-          <p:cNvPr id="190" name="Google Shape;190;p22"/>
-          <p:cNvSpPr txBox="1"/>
+          <p:cNvPr id="17" name="Rectangle 16">
+            <a:extLst>
+              <a:ext uri="{FF2B5EF4-FFF2-40B4-BE49-F238E27FC236}">
+                <a16:creationId xmlns:a16="http://schemas.microsoft.com/office/drawing/2014/main" id="{46110401-D10C-4B7F-A4B4-E6A9D9B8910E}"/>
+              </a:ext>
+            </a:extLst>
+          </p:cNvPr>
+          <p:cNvSpPr/>
           <p:nvPr/>
         </p:nvSpPr>
         <p:spPr>
           <a:xfrm>
-            <a:off x="2374350" y="1996650"/>
-            <a:ext cx="4395300" cy="1150200"/>
+            <a:off x="2945970" y="3877842"/>
+            <a:ext cx="516951" cy="169115"/>
           </a:xfrm>
           <a:prstGeom prst="rect">
             <a:avLst/>
           </a:prstGeom>
           <a:noFill/>
-          <a:ln>
-            <a:noFill/>
-          </a:ln>
         </p:spPr>
+        <p:style>
+          <a:lnRef idx="2">
+            <a:schemeClr val="accent1">
+              <a:shade val="50000"/>
+            </a:schemeClr>
+          </a:lnRef>
+          <a:fillRef idx="1">
+            <a:schemeClr val="accent1"/>
+          </a:fillRef>
+          <a:effectRef idx="0">
+            <a:schemeClr val="accent1"/>
+          </a:effectRef>
+          <a:fontRef idx="minor">
+            <a:schemeClr val="lt1"/>
+          </a:fontRef>
+        </p:style>
         <p:txBody>
-          <a:bodyPr spcFirstLastPara="1" wrap="square" lIns="91425" tIns="91425" rIns="91425" bIns="91425" anchor="ctr" anchorCtr="0">
-            <a:noAutofit/>
-          </a:bodyPr>
+          <a:bodyPr rtlCol="0" anchor="ctr"/>
           <a:lstStyle/>
           <a:p>
-            <a:pPr marL="0" lvl="0" indent="0" algn="ctr" rtl="0">
-              <a:spcBef>
-                <a:spcPts val="0"/>
-              </a:spcBef>
-              <a:spcAft>
-                <a:spcPts val="0"/>
-              </a:spcAft>
-              <a:buNone/>
-            </a:pPr>
-            <a:r>
-              <a:rPr lang="en">
-                <a:latin typeface="Avenir"/>
-                <a:ea typeface="Avenir"/>
-                <a:cs typeface="Avenir"/>
-                <a:sym typeface="Avenir"/>
-              </a:rPr>
-              <a:t>INSERT SCREENSHOT OF APP HERE</a:t>
-            </a:r>
-            <a:endParaRPr>
-              <a:latin typeface="Avenir"/>
-              <a:ea typeface="Avenir"/>
-              <a:cs typeface="Avenir"/>
-              <a:sym typeface="Avenir"/>
-            </a:endParaRPr>
+            <a:pPr algn="ctr"/>
+            <a:endParaRPr lang="en-US"/>
+          </a:p>
+        </p:txBody>
+      </p:sp>
+      <p:sp>
+        <p:nvSpPr>
+          <p:cNvPr id="18" name="Rectangle 17">
+            <a:extLst>
+              <a:ext uri="{FF2B5EF4-FFF2-40B4-BE49-F238E27FC236}">
+                <a16:creationId xmlns:a16="http://schemas.microsoft.com/office/drawing/2014/main" id="{4E0B8E3B-728C-498E-A5CB-89372A526371}"/>
+              </a:ext>
+            </a:extLst>
+          </p:cNvPr>
+          <p:cNvSpPr/>
+          <p:nvPr/>
+        </p:nvSpPr>
+        <p:spPr>
+          <a:xfrm>
+            <a:off x="6005806" y="3900456"/>
+            <a:ext cx="516951" cy="169115"/>
+          </a:xfrm>
+          <a:prstGeom prst="rect">
+            <a:avLst/>
+          </a:prstGeom>
+          <a:noFill/>
+        </p:spPr>
+        <p:style>
+          <a:lnRef idx="2">
+            <a:schemeClr val="accent1">
+              <a:shade val="50000"/>
+            </a:schemeClr>
+          </a:lnRef>
+          <a:fillRef idx="1">
+            <a:schemeClr val="accent1"/>
+          </a:fillRef>
+          <a:effectRef idx="0">
+            <a:schemeClr val="accent1"/>
+          </a:effectRef>
+          <a:fontRef idx="minor">
+            <a:schemeClr val="lt1"/>
+          </a:fontRef>
+        </p:style>
+        <p:txBody>
+          <a:bodyPr rtlCol="0" anchor="ctr"/>
+          <a:lstStyle/>
+          <a:p>
+            <a:pPr algn="ctr"/>
+            <a:endParaRPr lang="en-US"/>
+          </a:p>
+        </p:txBody>
+      </p:sp>
+      <p:sp>
+        <p:nvSpPr>
+          <p:cNvPr id="19" name="Rectangle 18">
+            <a:extLst>
+              <a:ext uri="{FF2B5EF4-FFF2-40B4-BE49-F238E27FC236}">
+                <a16:creationId xmlns:a16="http://schemas.microsoft.com/office/drawing/2014/main" id="{821A278E-D4DA-4F8D-AEDD-CFD32FD5E462}"/>
+              </a:ext>
+            </a:extLst>
+          </p:cNvPr>
+          <p:cNvSpPr/>
+          <p:nvPr/>
+        </p:nvSpPr>
+        <p:spPr>
+          <a:xfrm>
+            <a:off x="607702" y="3900456"/>
+            <a:ext cx="516951" cy="169115"/>
+          </a:xfrm>
+          <a:prstGeom prst="rect">
+            <a:avLst/>
+          </a:prstGeom>
+          <a:noFill/>
+        </p:spPr>
+        <p:style>
+          <a:lnRef idx="2">
+            <a:schemeClr val="accent1">
+              <a:shade val="50000"/>
+            </a:schemeClr>
+          </a:lnRef>
+          <a:fillRef idx="1">
+            <a:schemeClr val="accent1"/>
+          </a:fillRef>
+          <a:effectRef idx="0">
+            <a:schemeClr val="accent1"/>
+          </a:effectRef>
+          <a:fontRef idx="minor">
+            <a:schemeClr val="lt1"/>
+          </a:fontRef>
+        </p:style>
+        <p:txBody>
+          <a:bodyPr rtlCol="0" anchor="ctr"/>
+          <a:lstStyle/>
+          <a:p>
+            <a:pPr algn="ctr"/>
+            <a:endParaRPr lang="en-US"/>
           </a:p>
         </p:txBody>
       </p:sp>
@@ -24844,13 +31811,41 @@
               <a:buNone/>
             </a:pPr>
             <a:r>
-              <a:rPr lang="en"/>
+              <a:rPr lang="en" dirty="0"/>
               <a:t>The Successes</a:t>
             </a:r>
-            <a:endParaRPr/>
+            <a:endParaRPr dirty="0"/>
           </a:p>
         </p:txBody>
       </p:sp>
+      <p:graphicFrame>
+        <p:nvGraphicFramePr>
+          <p:cNvPr id="4" name="Diagram 3">
+            <a:extLst>
+              <a:ext uri="{FF2B5EF4-FFF2-40B4-BE49-F238E27FC236}">
+                <a16:creationId xmlns:a16="http://schemas.microsoft.com/office/drawing/2014/main" id="{7AD318D7-00A4-41F9-B3FE-6192D57A4101}"/>
+              </a:ext>
+            </a:extLst>
+          </p:cNvPr>
+          <p:cNvGraphicFramePr/>
+          <p:nvPr>
+            <p:extLst>
+              <p:ext uri="{D42A27DB-BD31-4B8C-83A1-F6EECF244321}">
+                <p14:modId xmlns:p14="http://schemas.microsoft.com/office/powerpoint/2010/main" val="3647654439"/>
+              </p:ext>
+            </p:extLst>
+          </p:nvPr>
+        </p:nvGraphicFramePr>
+        <p:xfrm>
+          <a:off x="3310269" y="2571750"/>
+          <a:ext cx="2523461" cy="2674659"/>
+        </p:xfrm>
+        <a:graphic>
+          <a:graphicData uri="http://schemas.openxmlformats.org/drawingml/2006/diagram">
+            <dgm:relIds xmlns:dgm="http://schemas.openxmlformats.org/drawingml/2006/diagram" xmlns:r="http://schemas.openxmlformats.org/officeDocument/2006/relationships" r:dm="rId3" r:lo="rId4" r:qs="rId5" r:cs="rId6"/>
+          </a:graphicData>
+        </a:graphic>
+      </p:graphicFrame>
     </p:spTree>
   </p:cSld>
   <p:clrMapOvr>
@@ -24985,6 +31980,34 @@
           </a:p>
         </p:txBody>
       </p:sp>
+      <p:graphicFrame>
+        <p:nvGraphicFramePr>
+          <p:cNvPr id="4" name="Diagram 3">
+            <a:extLst>
+              <a:ext uri="{FF2B5EF4-FFF2-40B4-BE49-F238E27FC236}">
+                <a16:creationId xmlns:a16="http://schemas.microsoft.com/office/drawing/2014/main" id="{A407DC94-598E-4E5F-B30F-B10206177DDB}"/>
+              </a:ext>
+            </a:extLst>
+          </p:cNvPr>
+          <p:cNvGraphicFramePr/>
+          <p:nvPr>
+            <p:extLst>
+              <p:ext uri="{D42A27DB-BD31-4B8C-83A1-F6EECF244321}">
+                <p14:modId xmlns:p14="http://schemas.microsoft.com/office/powerpoint/2010/main" val="2261080817"/>
+              </p:ext>
+            </p:extLst>
+          </p:nvPr>
+        </p:nvGraphicFramePr>
+        <p:xfrm>
+          <a:off x="3310269" y="2571750"/>
+          <a:ext cx="2523461" cy="2674659"/>
+        </p:xfrm>
+        <a:graphic>
+          <a:graphicData uri="http://schemas.openxmlformats.org/drawingml/2006/diagram">
+            <dgm:relIds xmlns:dgm="http://schemas.openxmlformats.org/drawingml/2006/diagram" xmlns:r="http://schemas.openxmlformats.org/officeDocument/2006/relationships" r:dm="rId3" r:lo="rId4" r:qs="rId5" r:cs="rId6"/>
+          </a:graphicData>
+        </a:graphic>
+      </p:graphicFrame>
     </p:spTree>
   </p:cSld>
   <p:clrMapOvr>
@@ -25199,7 +32222,7 @@
           <p:nvPr>
             <p:extLst>
               <p:ext uri="{D42A27DB-BD31-4B8C-83A1-F6EECF244321}">
-                <p14:modId xmlns:p14="http://schemas.microsoft.com/office/powerpoint/2010/main" val="1499251676"/>
+                <p14:modId xmlns:p14="http://schemas.microsoft.com/office/powerpoint/2010/main" val="2246829192"/>
               </p:ext>
             </p:extLst>
           </p:nvPr>
